--- a/sse/ntp/ntp-service.pptx
+++ b/sse/ntp/ntp-service.pptx
@@ -5,7 +5,7 @@
     <p:sldMasterId id="2147483648" r:id="rId1"/>
   </p:sldMasterIdLst>
   <p:notesMasterIdLst>
-    <p:notesMasterId r:id="rId18"/>
+    <p:notesMasterId r:id="rId19"/>
   </p:notesMasterIdLst>
   <p:sldIdLst>
     <p:sldId id="256" r:id="rId2"/>
@@ -20,10 +20,11 @@
     <p:sldId id="278" r:id="rId11"/>
     <p:sldId id="265" r:id="rId12"/>
     <p:sldId id="279" r:id="rId13"/>
-    <p:sldId id="280" r:id="rId14"/>
-    <p:sldId id="262" r:id="rId15"/>
-    <p:sldId id="270" r:id="rId16"/>
-    <p:sldId id="272" r:id="rId17"/>
+    <p:sldId id="281" r:id="rId14"/>
+    <p:sldId id="280" r:id="rId15"/>
+    <p:sldId id="262" r:id="rId16"/>
+    <p:sldId id="270" r:id="rId17"/>
+    <p:sldId id="272" r:id="rId18"/>
   </p:sldIdLst>
   <p:sldSz cx="10080625" cy="7559675"/>
   <p:notesSz cx="7772400" cy="10058400"/>
@@ -4156,6 +4157,562 @@
     </p:spTree>
     <p:extLst>
       <p:ext uri="{BB962C8B-B14F-4D97-AF65-F5344CB8AC3E}">
+        <p14:creationId xmlns:p14="http://schemas.microsoft.com/office/powerpoint/2010/main" val="441587734"/>
+      </p:ext>
+    </p:extLst>
+  </p:cSld>
+  <p:clrMapOvr>
+    <a:masterClrMapping/>
+  </p:clrMapOvr>
+</p:notes>
+</file>
+
+<file path=ppt/notesSlides/notesSlide14.xml><?xml version="1.0" encoding="utf-8"?>
+<p:notes xmlns:a="http://schemas.openxmlformats.org/drawingml/2006/main" xmlns:r="http://schemas.openxmlformats.org/officeDocument/2006/relationships" xmlns:p="http://schemas.openxmlformats.org/presentationml/2006/main">
+  <p:cSld>
+    <p:bg>
+      <p:bgPr>
+        <a:solidFill>
+          <a:srgbClr val="FFFFFF"/>
+        </a:solidFill>
+        <a:effectLst/>
+      </p:bgPr>
+    </p:bg>
+    <p:spTree>
+      <p:nvGrpSpPr>
+        <p:cNvPr id="1" name=""/>
+        <p:cNvGrpSpPr/>
+        <p:nvPr/>
+      </p:nvGrpSpPr>
+      <p:grpSpPr>
+        <a:xfrm>
+          <a:off x="0" y="0"/>
+          <a:ext cx="0" cy="0"/>
+          <a:chOff x="0" y="0"/>
+          <a:chExt cx="0" cy="0"/>
+        </a:xfrm>
+      </p:grpSpPr>
+      <p:sp>
+        <p:nvSpPr>
+          <p:cNvPr id="4" name="Rectangle 8"/>
+          <p:cNvSpPr>
+            <a:spLocks noGrp="1" noChangeArrowheads="1"/>
+          </p:cNvSpPr>
+          <p:nvPr>
+            <p:ph type="sldNum" sz="quarter"/>
+          </p:nvPr>
+        </p:nvSpPr>
+        <p:spPr>
+          <a:extLst>
+            <a:ext uri="{909E8E84-426E-40dd-AFC4-6F175D3DCCD1}">
+              <a14:hiddenFill xmlns:a14="http://schemas.microsoft.com/office/drawing/2010/main" xmlns="">
+                <a:solidFill>
+                  <a:srgbClr val="FFFFFF"/>
+                </a:solidFill>
+              </a14:hiddenFill>
+            </a:ext>
+            <a:ext uri="{91240B29-F687-4f45-9708-019B960494DF}">
+              <a14:hiddenLine xmlns:a14="http://schemas.microsoft.com/office/drawing/2010/main" xmlns="" w="9525" cap="flat">
+                <a:solidFill>
+                  <a:srgbClr val="3465A4"/>
+                </a:solidFill>
+                <a:round/>
+                <a:headEnd/>
+                <a:tailEnd/>
+              </a14:hiddenLine>
+            </a:ext>
+            <a:ext uri="{AF507438-7753-43e0-B8FC-AC1667EBCBE1}">
+              <a14:hiddenEffects xmlns:a14="http://schemas.microsoft.com/office/drawing/2010/main" xmlns="">
+                <a:effectLst>
+                  <a:outerShdw blurRad="63500" dist="38099" dir="2700000" algn="ctr" rotWithShape="0">
+                    <a:schemeClr val="bg2">
+                      <a:alpha val="74998"/>
+                    </a:schemeClr>
+                  </a:outerShdw>
+                </a:effectLst>
+              </a14:hiddenEffects>
+            </a:ext>
+          </a:extLst>
+        </p:spPr>
+        <p:txBody>
+          <a:bodyPr/>
+          <a:lstStyle>
+            <a:lvl1pPr eaLnBrk="0">
+              <a:tabLst>
+                <a:tab pos="0" algn="l"/>
+                <a:tab pos="457200" algn="l"/>
+                <a:tab pos="914400" algn="l"/>
+                <a:tab pos="1371600" algn="l"/>
+                <a:tab pos="1828800" algn="l"/>
+                <a:tab pos="2286000" algn="l"/>
+                <a:tab pos="2743200" algn="l"/>
+                <a:tab pos="3200400" algn="l"/>
+                <a:tab pos="3657600" algn="l"/>
+                <a:tab pos="4114800" algn="l"/>
+                <a:tab pos="4572000" algn="l"/>
+                <a:tab pos="5029200" algn="l"/>
+                <a:tab pos="5486400" algn="l"/>
+                <a:tab pos="5943600" algn="l"/>
+                <a:tab pos="6400800" algn="l"/>
+                <a:tab pos="6858000" algn="l"/>
+                <a:tab pos="7315200" algn="l"/>
+                <a:tab pos="7772400" algn="l"/>
+                <a:tab pos="8229600" algn="l"/>
+                <a:tab pos="8686800" algn="l"/>
+                <a:tab pos="9144000" algn="l"/>
+              </a:tabLst>
+              <a:defRPr sz="2400">
+                <a:solidFill>
+                  <a:schemeClr val="bg1"/>
+                </a:solidFill>
+                <a:latin typeface="Arial" charset="0"/>
+                <a:ea typeface="ＭＳ Ｐゴシック" charset="-128"/>
+              </a:defRPr>
+            </a:lvl1pPr>
+            <a:lvl2pPr eaLnBrk="0">
+              <a:tabLst>
+                <a:tab pos="0" algn="l"/>
+                <a:tab pos="457200" algn="l"/>
+                <a:tab pos="914400" algn="l"/>
+                <a:tab pos="1371600" algn="l"/>
+                <a:tab pos="1828800" algn="l"/>
+                <a:tab pos="2286000" algn="l"/>
+                <a:tab pos="2743200" algn="l"/>
+                <a:tab pos="3200400" algn="l"/>
+                <a:tab pos="3657600" algn="l"/>
+                <a:tab pos="4114800" algn="l"/>
+                <a:tab pos="4572000" algn="l"/>
+                <a:tab pos="5029200" algn="l"/>
+                <a:tab pos="5486400" algn="l"/>
+                <a:tab pos="5943600" algn="l"/>
+                <a:tab pos="6400800" algn="l"/>
+                <a:tab pos="6858000" algn="l"/>
+                <a:tab pos="7315200" algn="l"/>
+                <a:tab pos="7772400" algn="l"/>
+                <a:tab pos="8229600" algn="l"/>
+                <a:tab pos="8686800" algn="l"/>
+                <a:tab pos="9144000" algn="l"/>
+              </a:tabLst>
+              <a:defRPr sz="2400">
+                <a:solidFill>
+                  <a:schemeClr val="bg1"/>
+                </a:solidFill>
+                <a:latin typeface="Arial" charset="0"/>
+                <a:ea typeface="ＭＳ Ｐゴシック" charset="-128"/>
+              </a:defRPr>
+            </a:lvl2pPr>
+            <a:lvl3pPr eaLnBrk="0">
+              <a:tabLst>
+                <a:tab pos="0" algn="l"/>
+                <a:tab pos="457200" algn="l"/>
+                <a:tab pos="914400" algn="l"/>
+                <a:tab pos="1371600" algn="l"/>
+                <a:tab pos="1828800" algn="l"/>
+                <a:tab pos="2286000" algn="l"/>
+                <a:tab pos="2743200" algn="l"/>
+                <a:tab pos="3200400" algn="l"/>
+                <a:tab pos="3657600" algn="l"/>
+                <a:tab pos="4114800" algn="l"/>
+                <a:tab pos="4572000" algn="l"/>
+                <a:tab pos="5029200" algn="l"/>
+                <a:tab pos="5486400" algn="l"/>
+                <a:tab pos="5943600" algn="l"/>
+                <a:tab pos="6400800" algn="l"/>
+                <a:tab pos="6858000" algn="l"/>
+                <a:tab pos="7315200" algn="l"/>
+                <a:tab pos="7772400" algn="l"/>
+                <a:tab pos="8229600" algn="l"/>
+                <a:tab pos="8686800" algn="l"/>
+                <a:tab pos="9144000" algn="l"/>
+              </a:tabLst>
+              <a:defRPr sz="2400">
+                <a:solidFill>
+                  <a:schemeClr val="bg1"/>
+                </a:solidFill>
+                <a:latin typeface="Arial" charset="0"/>
+                <a:ea typeface="ＭＳ Ｐゴシック" charset="-128"/>
+              </a:defRPr>
+            </a:lvl3pPr>
+            <a:lvl4pPr eaLnBrk="0">
+              <a:tabLst>
+                <a:tab pos="0" algn="l"/>
+                <a:tab pos="457200" algn="l"/>
+                <a:tab pos="914400" algn="l"/>
+                <a:tab pos="1371600" algn="l"/>
+                <a:tab pos="1828800" algn="l"/>
+                <a:tab pos="2286000" algn="l"/>
+                <a:tab pos="2743200" algn="l"/>
+                <a:tab pos="3200400" algn="l"/>
+                <a:tab pos="3657600" algn="l"/>
+                <a:tab pos="4114800" algn="l"/>
+                <a:tab pos="4572000" algn="l"/>
+                <a:tab pos="5029200" algn="l"/>
+                <a:tab pos="5486400" algn="l"/>
+                <a:tab pos="5943600" algn="l"/>
+                <a:tab pos="6400800" algn="l"/>
+                <a:tab pos="6858000" algn="l"/>
+                <a:tab pos="7315200" algn="l"/>
+                <a:tab pos="7772400" algn="l"/>
+                <a:tab pos="8229600" algn="l"/>
+                <a:tab pos="8686800" algn="l"/>
+                <a:tab pos="9144000" algn="l"/>
+              </a:tabLst>
+              <a:defRPr sz="2400">
+                <a:solidFill>
+                  <a:schemeClr val="bg1"/>
+                </a:solidFill>
+                <a:latin typeface="Arial" charset="0"/>
+                <a:ea typeface="ＭＳ Ｐゴシック" charset="-128"/>
+              </a:defRPr>
+            </a:lvl4pPr>
+            <a:lvl5pPr eaLnBrk="0">
+              <a:tabLst>
+                <a:tab pos="0" algn="l"/>
+                <a:tab pos="457200" algn="l"/>
+                <a:tab pos="914400" algn="l"/>
+                <a:tab pos="1371600" algn="l"/>
+                <a:tab pos="1828800" algn="l"/>
+                <a:tab pos="2286000" algn="l"/>
+                <a:tab pos="2743200" algn="l"/>
+                <a:tab pos="3200400" algn="l"/>
+                <a:tab pos="3657600" algn="l"/>
+                <a:tab pos="4114800" algn="l"/>
+                <a:tab pos="4572000" algn="l"/>
+                <a:tab pos="5029200" algn="l"/>
+                <a:tab pos="5486400" algn="l"/>
+                <a:tab pos="5943600" algn="l"/>
+                <a:tab pos="6400800" algn="l"/>
+                <a:tab pos="6858000" algn="l"/>
+                <a:tab pos="7315200" algn="l"/>
+                <a:tab pos="7772400" algn="l"/>
+                <a:tab pos="8229600" algn="l"/>
+                <a:tab pos="8686800" algn="l"/>
+                <a:tab pos="9144000" algn="l"/>
+              </a:tabLst>
+              <a:defRPr sz="2400">
+                <a:solidFill>
+                  <a:schemeClr val="bg1"/>
+                </a:solidFill>
+                <a:latin typeface="Arial" charset="0"/>
+                <a:ea typeface="ＭＳ Ｐゴシック" charset="-128"/>
+              </a:defRPr>
+            </a:lvl5pPr>
+            <a:lvl6pPr marL="2514600" indent="-228600" defTabSz="457200" eaLnBrk="0" fontAlgn="base" hangingPunct="0">
+              <a:lnSpc>
+                <a:spcPct val="96000"/>
+              </a:lnSpc>
+              <a:spcBef>
+                <a:spcPct val="0"/>
+              </a:spcBef>
+              <a:spcAft>
+                <a:spcPct val="0"/>
+              </a:spcAft>
+              <a:buClr>
+                <a:srgbClr val="000000"/>
+              </a:buClr>
+              <a:buSzPct val="100000"/>
+              <a:buFont typeface="Times New Roman" charset="0"/>
+              <a:tabLst>
+                <a:tab pos="0" algn="l"/>
+                <a:tab pos="457200" algn="l"/>
+                <a:tab pos="914400" algn="l"/>
+                <a:tab pos="1371600" algn="l"/>
+                <a:tab pos="1828800" algn="l"/>
+                <a:tab pos="2286000" algn="l"/>
+                <a:tab pos="2743200" algn="l"/>
+                <a:tab pos="3200400" algn="l"/>
+                <a:tab pos="3657600" algn="l"/>
+                <a:tab pos="4114800" algn="l"/>
+                <a:tab pos="4572000" algn="l"/>
+                <a:tab pos="5029200" algn="l"/>
+                <a:tab pos="5486400" algn="l"/>
+                <a:tab pos="5943600" algn="l"/>
+                <a:tab pos="6400800" algn="l"/>
+                <a:tab pos="6858000" algn="l"/>
+                <a:tab pos="7315200" algn="l"/>
+                <a:tab pos="7772400" algn="l"/>
+                <a:tab pos="8229600" algn="l"/>
+                <a:tab pos="8686800" algn="l"/>
+                <a:tab pos="9144000" algn="l"/>
+              </a:tabLst>
+              <a:defRPr sz="2400">
+                <a:solidFill>
+                  <a:schemeClr val="bg1"/>
+                </a:solidFill>
+                <a:latin typeface="Arial" charset="0"/>
+                <a:ea typeface="ＭＳ Ｐゴシック" charset="-128"/>
+              </a:defRPr>
+            </a:lvl6pPr>
+            <a:lvl7pPr marL="2971800" indent="-228600" defTabSz="457200" eaLnBrk="0" fontAlgn="base" hangingPunct="0">
+              <a:lnSpc>
+                <a:spcPct val="96000"/>
+              </a:lnSpc>
+              <a:spcBef>
+                <a:spcPct val="0"/>
+              </a:spcBef>
+              <a:spcAft>
+                <a:spcPct val="0"/>
+              </a:spcAft>
+              <a:buClr>
+                <a:srgbClr val="000000"/>
+              </a:buClr>
+              <a:buSzPct val="100000"/>
+              <a:buFont typeface="Times New Roman" charset="0"/>
+              <a:tabLst>
+                <a:tab pos="0" algn="l"/>
+                <a:tab pos="457200" algn="l"/>
+                <a:tab pos="914400" algn="l"/>
+                <a:tab pos="1371600" algn="l"/>
+                <a:tab pos="1828800" algn="l"/>
+                <a:tab pos="2286000" algn="l"/>
+                <a:tab pos="2743200" algn="l"/>
+                <a:tab pos="3200400" algn="l"/>
+                <a:tab pos="3657600" algn="l"/>
+                <a:tab pos="4114800" algn="l"/>
+                <a:tab pos="4572000" algn="l"/>
+                <a:tab pos="5029200" algn="l"/>
+                <a:tab pos="5486400" algn="l"/>
+                <a:tab pos="5943600" algn="l"/>
+                <a:tab pos="6400800" algn="l"/>
+                <a:tab pos="6858000" algn="l"/>
+                <a:tab pos="7315200" algn="l"/>
+                <a:tab pos="7772400" algn="l"/>
+                <a:tab pos="8229600" algn="l"/>
+                <a:tab pos="8686800" algn="l"/>
+                <a:tab pos="9144000" algn="l"/>
+              </a:tabLst>
+              <a:defRPr sz="2400">
+                <a:solidFill>
+                  <a:schemeClr val="bg1"/>
+                </a:solidFill>
+                <a:latin typeface="Arial" charset="0"/>
+                <a:ea typeface="ＭＳ Ｐゴシック" charset="-128"/>
+              </a:defRPr>
+            </a:lvl7pPr>
+            <a:lvl8pPr marL="3429000" indent="-228600" defTabSz="457200" eaLnBrk="0" fontAlgn="base" hangingPunct="0">
+              <a:lnSpc>
+                <a:spcPct val="96000"/>
+              </a:lnSpc>
+              <a:spcBef>
+                <a:spcPct val="0"/>
+              </a:spcBef>
+              <a:spcAft>
+                <a:spcPct val="0"/>
+              </a:spcAft>
+              <a:buClr>
+                <a:srgbClr val="000000"/>
+              </a:buClr>
+              <a:buSzPct val="100000"/>
+              <a:buFont typeface="Times New Roman" charset="0"/>
+              <a:tabLst>
+                <a:tab pos="0" algn="l"/>
+                <a:tab pos="457200" algn="l"/>
+                <a:tab pos="914400" algn="l"/>
+                <a:tab pos="1371600" algn="l"/>
+                <a:tab pos="1828800" algn="l"/>
+                <a:tab pos="2286000" algn="l"/>
+                <a:tab pos="2743200" algn="l"/>
+                <a:tab pos="3200400" algn="l"/>
+                <a:tab pos="3657600" algn="l"/>
+                <a:tab pos="4114800" algn="l"/>
+                <a:tab pos="4572000" algn="l"/>
+                <a:tab pos="5029200" algn="l"/>
+                <a:tab pos="5486400" algn="l"/>
+                <a:tab pos="5943600" algn="l"/>
+                <a:tab pos="6400800" algn="l"/>
+                <a:tab pos="6858000" algn="l"/>
+                <a:tab pos="7315200" algn="l"/>
+                <a:tab pos="7772400" algn="l"/>
+                <a:tab pos="8229600" algn="l"/>
+                <a:tab pos="8686800" algn="l"/>
+                <a:tab pos="9144000" algn="l"/>
+              </a:tabLst>
+              <a:defRPr sz="2400">
+                <a:solidFill>
+                  <a:schemeClr val="bg1"/>
+                </a:solidFill>
+                <a:latin typeface="Arial" charset="0"/>
+                <a:ea typeface="ＭＳ Ｐゴシック" charset="-128"/>
+              </a:defRPr>
+            </a:lvl8pPr>
+            <a:lvl9pPr marL="3886200" indent="-228600" defTabSz="457200" eaLnBrk="0" fontAlgn="base" hangingPunct="0">
+              <a:lnSpc>
+                <a:spcPct val="96000"/>
+              </a:lnSpc>
+              <a:spcBef>
+                <a:spcPct val="0"/>
+              </a:spcBef>
+              <a:spcAft>
+                <a:spcPct val="0"/>
+              </a:spcAft>
+              <a:buClr>
+                <a:srgbClr val="000000"/>
+              </a:buClr>
+              <a:buSzPct val="100000"/>
+              <a:buFont typeface="Times New Roman" charset="0"/>
+              <a:tabLst>
+                <a:tab pos="0" algn="l"/>
+                <a:tab pos="457200" algn="l"/>
+                <a:tab pos="914400" algn="l"/>
+                <a:tab pos="1371600" algn="l"/>
+                <a:tab pos="1828800" algn="l"/>
+                <a:tab pos="2286000" algn="l"/>
+                <a:tab pos="2743200" algn="l"/>
+                <a:tab pos="3200400" algn="l"/>
+                <a:tab pos="3657600" algn="l"/>
+                <a:tab pos="4114800" algn="l"/>
+                <a:tab pos="4572000" algn="l"/>
+                <a:tab pos="5029200" algn="l"/>
+                <a:tab pos="5486400" algn="l"/>
+                <a:tab pos="5943600" algn="l"/>
+                <a:tab pos="6400800" algn="l"/>
+                <a:tab pos="6858000" algn="l"/>
+                <a:tab pos="7315200" algn="l"/>
+                <a:tab pos="7772400" algn="l"/>
+                <a:tab pos="8229600" algn="l"/>
+                <a:tab pos="8686800" algn="l"/>
+                <a:tab pos="9144000" algn="l"/>
+              </a:tabLst>
+              <a:defRPr sz="2400">
+                <a:solidFill>
+                  <a:schemeClr val="bg1"/>
+                </a:solidFill>
+                <a:latin typeface="Arial" charset="0"/>
+                <a:ea typeface="ＭＳ Ｐゴシック" charset="-128"/>
+              </a:defRPr>
+            </a:lvl9pPr>
+          </a:lstStyle>
+          <a:p>
+            <a:pPr eaLnBrk="1"/>
+            <a:fld id="{AF151737-B980-9E47-B951-95A3861A1A5F}" type="slidenum">
+              <a:rPr lang="en-GB" altLang="x-none" sz="1400">
+                <a:solidFill>
+                  <a:srgbClr val="000000"/>
+                </a:solidFill>
+                <a:latin typeface="Times New Roman" charset="0"/>
+              </a:rPr>
+              <a:pPr eaLnBrk="1"/>
+              <a:t>14</a:t>
+            </a:fld>
+            <a:endParaRPr lang="en-GB" altLang="x-none" sz="1400">
+              <a:solidFill>
+                <a:srgbClr val="000000"/>
+              </a:solidFill>
+              <a:latin typeface="Times New Roman" charset="0"/>
+            </a:endParaRPr>
+          </a:p>
+        </p:txBody>
+      </p:sp>
+      <p:sp>
+        <p:nvSpPr>
+          <p:cNvPr id="29697" name="Text Box 1"/>
+          <p:cNvSpPr txBox="1">
+            <a:spLocks noGrp="1" noRot="1" noChangeAspect="1" noChangeArrowheads="1"/>
+          </p:cNvSpPr>
+          <p:nvPr>
+            <p:ph type="sldImg"/>
+          </p:nvPr>
+        </p:nvSpPr>
+        <p:spPr>
+          <a:xfrm>
+            <a:off x="1371600" y="763588"/>
+            <a:ext cx="5027613" cy="3770312"/>
+          </a:xfrm>
+          <a:solidFill>
+            <a:srgbClr val="FFFFFF"/>
+          </a:solidFill>
+          <a:ln>
+            <a:solidFill>
+              <a:srgbClr val="000000"/>
+            </a:solidFill>
+            <a:miter lim="800000"/>
+            <a:headEnd/>
+            <a:tailEnd/>
+          </a:ln>
+          <a:extLst>
+            <a:ext uri="{AF507438-7753-43e0-B8FC-AC1667EBCBE1}">
+              <a14:hiddenEffects xmlns:a14="http://schemas.microsoft.com/office/drawing/2010/main" xmlns="">
+                <a:effectLst>
+                  <a:outerShdw blurRad="63500" dist="38099" dir="2700000" algn="ctr" rotWithShape="0">
+                    <a:srgbClr val="000000">
+                      <a:alpha val="74998"/>
+                    </a:srgbClr>
+                  </a:outerShdw>
+                </a:effectLst>
+              </a14:hiddenEffects>
+            </a:ext>
+          </a:extLst>
+        </p:spPr>
+      </p:sp>
+      <p:sp>
+        <p:nvSpPr>
+          <p:cNvPr id="29698" name="Text Box 2"/>
+          <p:cNvSpPr txBox="1">
+            <a:spLocks noChangeArrowheads="1"/>
+          </p:cNvSpPr>
+          <p:nvPr/>
+        </p:nvSpPr>
+        <p:spPr bwMode="auto">
+          <a:xfrm>
+            <a:off x="777875" y="4776788"/>
+            <a:ext cx="6216650" cy="4524375"/>
+          </a:xfrm>
+          <a:prstGeom prst="rect">
+            <a:avLst/>
+          </a:prstGeom>
+          <a:noFill/>
+          <a:ln>
+            <a:noFill/>
+          </a:ln>
+          <a:effectLst/>
+          <a:extLst>
+            <a:ext uri="{909E8E84-426E-40dd-AFC4-6F175D3DCCD1}">
+              <a14:hiddenFill xmlns:a14="http://schemas.microsoft.com/office/drawing/2010/main" xmlns="">
+                <a:solidFill>
+                  <a:srgbClr val="FFFFFF"/>
+                </a:solidFill>
+              </a14:hiddenFill>
+            </a:ext>
+            <a:ext uri="{91240B29-F687-4f45-9708-019B960494DF}">
+              <a14:hiddenLine xmlns:a14="http://schemas.microsoft.com/office/drawing/2010/main" xmlns="" w="9525" cap="flat">
+                <a:solidFill>
+                  <a:srgbClr val="3465A4"/>
+                </a:solidFill>
+                <a:round/>
+                <a:headEnd/>
+                <a:tailEnd/>
+              </a14:hiddenLine>
+            </a:ext>
+            <a:ext uri="{AF507438-7753-43e0-B8FC-AC1667EBCBE1}">
+              <a14:hiddenEffects xmlns:a14="http://schemas.microsoft.com/office/drawing/2010/main" xmlns="">
+                <a:effectLst>
+                  <a:outerShdw blurRad="63500" dist="38099" dir="2700000" algn="ctr" rotWithShape="0">
+                    <a:srgbClr val="000000">
+                      <a:alpha val="74998"/>
+                    </a:srgbClr>
+                  </a:outerShdw>
+                </a:effectLst>
+              </a14:hiddenEffects>
+            </a:ext>
+          </a:extLst>
+        </p:spPr>
+        <p:txBody>
+          <a:bodyPr wrap="none" anchor="ctr"/>
+          <a:lstStyle/>
+          <a:p>
+            <a:pPr>
+              <a:defRPr/>
+            </a:pPr>
+            <a:endParaRPr lang="en-US">
+              <a:ea typeface="ＭＳ Ｐゴシック" charset="0"/>
+              <a:cs typeface="DejaVu Sans" charset="0"/>
+            </a:endParaRPr>
+          </a:p>
+        </p:txBody>
+      </p:sp>
+    </p:spTree>
+    <p:extLst>
+      <p:ext uri="{BB962C8B-B14F-4D97-AF65-F5344CB8AC3E}">
         <p14:creationId xmlns:p14="http://schemas.microsoft.com/office/powerpoint/2010/main" val="434389555"/>
       </p:ext>
     </p:extLst>
@@ -4166,7 +4723,7 @@
 </p:notes>
 </file>
 
-<file path=ppt/notesSlides/notesSlide14.xml><?xml version="1.0" encoding="utf-8"?>
+<file path=ppt/notesSlides/notesSlide15.xml><?xml version="1.0" encoding="utf-8"?>
 <p:notes xmlns:a="http://schemas.openxmlformats.org/drawingml/2006/main" xmlns:r="http://schemas.openxmlformats.org/officeDocument/2006/relationships" xmlns:p="http://schemas.openxmlformats.org/presentationml/2006/main">
   <p:cSld>
     <p:bg>
@@ -4591,7 +5148,7 @@
                 <a:latin typeface="Times New Roman" charset="0"/>
               </a:rPr>
               <a:pPr eaLnBrk="1"/>
-              <a:t>14</a:t>
+              <a:t>15</a:t>
             </a:fld>
             <a:endParaRPr lang="en-GB" altLang="x-none" sz="1400">
               <a:solidFill>
@@ -5022,7 +5579,7 @@
                 <a:buFontTx/>
                 <a:buNone/>
               </a:pPr>
-              <a:t>14</a:t>
+              <a:t>15</a:t>
             </a:fld>
             <a:endParaRPr lang="en-GB" altLang="x-none" sz="1400">
               <a:solidFill>
@@ -5148,7 +5705,7 @@
 </p:notes>
 </file>
 
-<file path=ppt/notesSlides/notesSlide15.xml><?xml version="1.0" encoding="utf-8"?>
+<file path=ppt/notesSlides/notesSlide16.xml><?xml version="1.0" encoding="utf-8"?>
 <p:notes xmlns:a="http://schemas.openxmlformats.org/drawingml/2006/main" xmlns:r="http://schemas.openxmlformats.org/officeDocument/2006/relationships" xmlns:p="http://schemas.openxmlformats.org/presentationml/2006/main">
   <p:cSld>
     <p:bg>
@@ -5573,7 +6130,7 @@
                 <a:latin typeface="Times New Roman" charset="0"/>
               </a:rPr>
               <a:pPr eaLnBrk="1"/>
-              <a:t>15</a:t>
+              <a:t>16</a:t>
             </a:fld>
             <a:endParaRPr lang="en-GB" altLang="x-none" sz="1400">
               <a:solidFill>
@@ -6004,7 +6561,7 @@
                 <a:buFontTx/>
                 <a:buNone/>
               </a:pPr>
-              <a:t>15</a:t>
+              <a:t>16</a:t>
             </a:fld>
             <a:endParaRPr lang="en-GB" altLang="x-none" sz="1400">
               <a:solidFill>
@@ -6130,7 +6687,7 @@
 </p:notes>
 </file>
 
-<file path=ppt/notesSlides/notesSlide16.xml><?xml version="1.0" encoding="utf-8"?>
+<file path=ppt/notesSlides/notesSlide17.xml><?xml version="1.0" encoding="utf-8"?>
 <p:notes xmlns:a="http://schemas.openxmlformats.org/drawingml/2006/main" xmlns:r="http://schemas.openxmlformats.org/officeDocument/2006/relationships" xmlns:p="http://schemas.openxmlformats.org/presentationml/2006/main">
   <p:cSld>
     <p:bg>
@@ -6555,7 +7112,7 @@
                 <a:latin typeface="Times New Roman" charset="0"/>
               </a:rPr>
               <a:pPr eaLnBrk="1"/>
-              <a:t>16</a:t>
+              <a:t>17</a:t>
             </a:fld>
             <a:endParaRPr lang="en-GB" altLang="x-none" sz="1400">
               <a:solidFill>
@@ -16774,7 +17331,7 @@
         </p:nvSpPr>
         <p:spPr>
           <a:xfrm>
-            <a:off x="1154112" y="2179637"/>
+            <a:off x="1154112" y="2103437"/>
             <a:ext cx="7924800" cy="1510670"/>
           </a:xfrm>
           <a:prstGeom prst="rect">
@@ -16927,7 +17484,7 @@
         </p:nvSpPr>
         <p:spPr>
           <a:xfrm>
-            <a:off x="1146174" y="4230119"/>
+            <a:off x="1146174" y="4160837"/>
             <a:ext cx="7932738" cy="1510670"/>
           </a:xfrm>
           <a:prstGeom prst="rect">
@@ -18150,8 +18707,8 @@
         </p:nvSpPr>
         <p:spPr>
           <a:xfrm>
-            <a:off x="925512" y="4262437"/>
-            <a:ext cx="8648701" cy="978729"/>
+            <a:off x="925512" y="4084637"/>
+            <a:ext cx="8648701" cy="1274195"/>
           </a:xfrm>
           <a:prstGeom prst="rect">
             <a:avLst/>
@@ -18167,95 +18724,302 @@
           <a:lstStyle/>
           <a:p>
             <a:r>
-              <a:rPr lang="en-US" sz="2000" dirty="0"/>
-              <a:t># By default, exchange time with everybody, but don't allow configuration.</a:t>
+              <a:rPr lang="en-US" sz="2000" dirty="0">
+                <a:solidFill>
+                  <a:schemeClr val="tx1"/>
+                </a:solidFill>
+                <a:latin typeface="Courier" charset="0"/>
+                <a:ea typeface="Courier" charset="0"/>
+                <a:cs typeface="Courier" charset="0"/>
+              </a:rPr>
+              <a:t># By default, exchange time with everybody, but </a:t>
+            </a:r>
+            <a:r>
+              <a:rPr lang="en-US" sz="2000" dirty="0" smtClean="0">
+                <a:solidFill>
+                  <a:schemeClr val="tx1"/>
+                </a:solidFill>
+                <a:latin typeface="Courier" charset="0"/>
+                <a:ea typeface="Courier" charset="0"/>
+                <a:cs typeface="Courier" charset="0"/>
+              </a:rPr>
+              <a:t>don't</a:t>
             </a:r>
           </a:p>
           <a:p>
             <a:r>
-              <a:rPr lang="en-US" sz="2000" dirty="0"/>
-              <a:t>restrict -4 default </a:t>
-            </a:r>
-            <a:r>
-              <a:rPr lang="en-US" sz="2000" dirty="0" err="1"/>
-              <a:t>kod</a:t>
-            </a:r>
-            <a:r>
-              <a:rPr lang="en-US" sz="2000" dirty="0"/>
+              <a:rPr lang="en-US" sz="2000" dirty="0">
+                <a:solidFill>
+                  <a:schemeClr val="tx1"/>
+                </a:solidFill>
+                <a:latin typeface="Courier" charset="0"/>
+                <a:ea typeface="Courier" charset="0"/>
+                <a:cs typeface="Courier" charset="0"/>
+              </a:rPr>
+              <a:t>#</a:t>
+            </a:r>
+            <a:r>
+              <a:rPr lang="en-US" sz="2000" dirty="0" smtClean="0">
+                <a:solidFill>
+                  <a:schemeClr val="tx1"/>
+                </a:solidFill>
+                <a:latin typeface="Courier" charset="0"/>
+                <a:ea typeface="Courier" charset="0"/>
+                <a:cs typeface="Courier" charset="0"/>
+              </a:rPr>
               <a:t> </a:t>
             </a:r>
             <a:r>
-              <a:rPr lang="en-US" sz="2000" dirty="0" err="1"/>
-              <a:t>notrap</a:t>
-            </a:r>
-            <a:r>
-              <a:rPr lang="en-US" sz="2000" dirty="0"/>
-              <a:t> </a:t>
-            </a:r>
-            <a:r>
-              <a:rPr lang="en-US" sz="2000" dirty="0" err="1"/>
-              <a:t>nomodify</a:t>
-            </a:r>
-            <a:r>
-              <a:rPr lang="en-US" sz="2000" dirty="0"/>
-              <a:t> </a:t>
-            </a:r>
-            <a:r>
-              <a:rPr lang="en-US" sz="2000" dirty="0" err="1"/>
-              <a:t>nopeer</a:t>
-            </a:r>
-            <a:r>
-              <a:rPr lang="en-US" sz="2000" dirty="0"/>
-              <a:t> </a:t>
-            </a:r>
-            <a:r>
-              <a:rPr lang="en-US" sz="2000" dirty="0" err="1"/>
-              <a:t>noquery</a:t>
-            </a:r>
-            <a:endParaRPr lang="en-US" sz="2000" dirty="0"/>
+              <a:rPr lang="en-US" sz="2000" dirty="0">
+                <a:solidFill>
+                  <a:schemeClr val="tx1"/>
+                </a:solidFill>
+                <a:latin typeface="Courier" charset="0"/>
+                <a:ea typeface="Courier" charset="0"/>
+                <a:cs typeface="Courier" charset="0"/>
+              </a:rPr>
+              <a:t>allow configuration.</a:t>
+            </a:r>
           </a:p>
           <a:p>
             <a:r>
-              <a:rPr lang="en-US" sz="2000" dirty="0"/>
+              <a:rPr lang="en-US" sz="2000" dirty="0">
+                <a:solidFill>
+                  <a:schemeClr val="tx1"/>
+                </a:solidFill>
+                <a:latin typeface="Courier" charset="0"/>
+                <a:ea typeface="Courier" charset="0"/>
+                <a:cs typeface="Courier" charset="0"/>
+              </a:rPr>
+              <a:t>restrict -4 default </a:t>
+            </a:r>
+            <a:r>
+              <a:rPr lang="en-US" sz="2000" dirty="0" err="1">
+                <a:solidFill>
+                  <a:schemeClr val="tx1"/>
+                </a:solidFill>
+                <a:latin typeface="Courier" charset="0"/>
+                <a:ea typeface="Courier" charset="0"/>
+                <a:cs typeface="Courier" charset="0"/>
+              </a:rPr>
+              <a:t>kod</a:t>
+            </a:r>
+            <a:r>
+              <a:rPr lang="en-US" sz="2000" dirty="0">
+                <a:solidFill>
+                  <a:schemeClr val="tx1"/>
+                </a:solidFill>
+                <a:latin typeface="Courier" charset="0"/>
+                <a:ea typeface="Courier" charset="0"/>
+                <a:cs typeface="Courier" charset="0"/>
+              </a:rPr>
+              <a:t> </a:t>
+            </a:r>
+            <a:r>
+              <a:rPr lang="en-US" sz="2000" dirty="0" err="1">
+                <a:solidFill>
+                  <a:schemeClr val="tx1"/>
+                </a:solidFill>
+                <a:latin typeface="Courier" charset="0"/>
+                <a:ea typeface="Courier" charset="0"/>
+                <a:cs typeface="Courier" charset="0"/>
+              </a:rPr>
+              <a:t>notrap</a:t>
+            </a:r>
+            <a:r>
+              <a:rPr lang="en-US" sz="2000" dirty="0">
+                <a:solidFill>
+                  <a:schemeClr val="tx1"/>
+                </a:solidFill>
+                <a:latin typeface="Courier" charset="0"/>
+                <a:ea typeface="Courier" charset="0"/>
+                <a:cs typeface="Courier" charset="0"/>
+              </a:rPr>
+              <a:t> </a:t>
+            </a:r>
+            <a:r>
+              <a:rPr lang="en-US" sz="2000" dirty="0" err="1">
+                <a:solidFill>
+                  <a:schemeClr val="tx1"/>
+                </a:solidFill>
+                <a:latin typeface="Courier" charset="0"/>
+                <a:ea typeface="Courier" charset="0"/>
+                <a:cs typeface="Courier" charset="0"/>
+              </a:rPr>
+              <a:t>nomodify</a:t>
+            </a:r>
+            <a:r>
+              <a:rPr lang="en-US" sz="2000" dirty="0">
+                <a:solidFill>
+                  <a:schemeClr val="tx1"/>
+                </a:solidFill>
+                <a:latin typeface="Courier" charset="0"/>
+                <a:ea typeface="Courier" charset="0"/>
+                <a:cs typeface="Courier" charset="0"/>
+              </a:rPr>
+              <a:t> </a:t>
+            </a:r>
+            <a:r>
+              <a:rPr lang="en-US" sz="2000" dirty="0" err="1">
+                <a:solidFill>
+                  <a:schemeClr val="tx1"/>
+                </a:solidFill>
+                <a:latin typeface="Courier" charset="0"/>
+                <a:ea typeface="Courier" charset="0"/>
+                <a:cs typeface="Courier" charset="0"/>
+              </a:rPr>
+              <a:t>nopeer</a:t>
+            </a:r>
+            <a:r>
+              <a:rPr lang="en-US" sz="2000" dirty="0">
+                <a:solidFill>
+                  <a:schemeClr val="tx1"/>
+                </a:solidFill>
+                <a:latin typeface="Courier" charset="0"/>
+                <a:ea typeface="Courier" charset="0"/>
+                <a:cs typeface="Courier" charset="0"/>
+              </a:rPr>
+              <a:t> </a:t>
+            </a:r>
+            <a:r>
+              <a:rPr lang="en-US" sz="2000" dirty="0" err="1">
+                <a:solidFill>
+                  <a:schemeClr val="tx1"/>
+                </a:solidFill>
+                <a:latin typeface="Courier" charset="0"/>
+                <a:ea typeface="Courier" charset="0"/>
+                <a:cs typeface="Courier" charset="0"/>
+              </a:rPr>
+              <a:t>noquery</a:t>
+            </a:r>
+            <a:endParaRPr lang="en-US" sz="2000" dirty="0">
+              <a:solidFill>
+                <a:schemeClr val="tx1"/>
+              </a:solidFill>
+              <a:latin typeface="Courier" charset="0"/>
+              <a:ea typeface="Courier" charset="0"/>
+              <a:cs typeface="Courier" charset="0"/>
+            </a:endParaRPr>
+          </a:p>
+          <a:p>
+            <a:r>
+              <a:rPr lang="en-US" sz="2000" dirty="0">
+                <a:solidFill>
+                  <a:schemeClr val="tx1"/>
+                </a:solidFill>
+                <a:latin typeface="Courier" charset="0"/>
+                <a:ea typeface="Courier" charset="0"/>
+                <a:cs typeface="Courier" charset="0"/>
+              </a:rPr>
               <a:t>restrict -6 default </a:t>
             </a:r>
             <a:r>
-              <a:rPr lang="en-US" sz="2000" dirty="0" err="1"/>
+              <a:rPr lang="en-US" sz="2000" dirty="0" err="1">
+                <a:solidFill>
+                  <a:schemeClr val="tx1"/>
+                </a:solidFill>
+                <a:latin typeface="Courier" charset="0"/>
+                <a:ea typeface="Courier" charset="0"/>
+                <a:cs typeface="Courier" charset="0"/>
+              </a:rPr>
               <a:t>kod</a:t>
             </a:r>
             <a:r>
-              <a:rPr lang="en-US" sz="2000" dirty="0"/>
+              <a:rPr lang="en-US" sz="2000" dirty="0">
+                <a:solidFill>
+                  <a:schemeClr val="tx1"/>
+                </a:solidFill>
+                <a:latin typeface="Courier" charset="0"/>
+                <a:ea typeface="Courier" charset="0"/>
+                <a:cs typeface="Courier" charset="0"/>
+              </a:rPr>
               <a:t> </a:t>
             </a:r>
             <a:r>
-              <a:rPr lang="en-US" sz="2000" dirty="0" err="1"/>
+              <a:rPr lang="en-US" sz="2000" dirty="0" err="1">
+                <a:solidFill>
+                  <a:schemeClr val="tx1"/>
+                </a:solidFill>
+                <a:latin typeface="Courier" charset="0"/>
+                <a:ea typeface="Courier" charset="0"/>
+                <a:cs typeface="Courier" charset="0"/>
+              </a:rPr>
               <a:t>notrap</a:t>
             </a:r>
             <a:r>
-              <a:rPr lang="en-US" sz="2000" dirty="0"/>
+              <a:rPr lang="en-US" sz="2000" dirty="0">
+                <a:solidFill>
+                  <a:schemeClr val="tx1"/>
+                </a:solidFill>
+                <a:latin typeface="Courier" charset="0"/>
+                <a:ea typeface="Courier" charset="0"/>
+                <a:cs typeface="Courier" charset="0"/>
+              </a:rPr>
               <a:t> </a:t>
             </a:r>
             <a:r>
-              <a:rPr lang="en-US" sz="2000" dirty="0" err="1"/>
+              <a:rPr lang="en-US" sz="2000" dirty="0" err="1">
+                <a:solidFill>
+                  <a:schemeClr val="tx1"/>
+                </a:solidFill>
+                <a:latin typeface="Courier" charset="0"/>
+                <a:ea typeface="Courier" charset="0"/>
+                <a:cs typeface="Courier" charset="0"/>
+              </a:rPr>
               <a:t>nomodify</a:t>
             </a:r>
             <a:r>
-              <a:rPr lang="en-US" sz="2000" dirty="0"/>
+              <a:rPr lang="en-US" sz="2000" dirty="0">
+                <a:solidFill>
+                  <a:schemeClr val="tx1"/>
+                </a:solidFill>
+                <a:latin typeface="Courier" charset="0"/>
+                <a:ea typeface="Courier" charset="0"/>
+                <a:cs typeface="Courier" charset="0"/>
+              </a:rPr>
               <a:t> </a:t>
             </a:r>
             <a:r>
-              <a:rPr lang="en-US" sz="2000" dirty="0" err="1"/>
+              <a:rPr lang="en-US" sz="2000" dirty="0" err="1">
+                <a:solidFill>
+                  <a:schemeClr val="tx1"/>
+                </a:solidFill>
+                <a:latin typeface="Courier" charset="0"/>
+                <a:ea typeface="Courier" charset="0"/>
+                <a:cs typeface="Courier" charset="0"/>
+              </a:rPr>
               <a:t>nopeer</a:t>
             </a:r>
             <a:r>
-              <a:rPr lang="en-US" sz="2000" dirty="0"/>
+              <a:rPr lang="en-US" sz="2000" dirty="0">
+                <a:solidFill>
+                  <a:schemeClr val="tx1"/>
+                </a:solidFill>
+                <a:latin typeface="Courier" charset="0"/>
+                <a:ea typeface="Courier" charset="0"/>
+                <a:cs typeface="Courier" charset="0"/>
+              </a:rPr>
               <a:t> </a:t>
             </a:r>
             <a:r>
-              <a:rPr lang="en-US" sz="2000" dirty="0" err="1"/>
+              <a:rPr lang="en-US" sz="2000" dirty="0" err="1">
+                <a:solidFill>
+                  <a:schemeClr val="tx1"/>
+                </a:solidFill>
+                <a:latin typeface="Courier" charset="0"/>
+                <a:ea typeface="Courier" charset="0"/>
+                <a:cs typeface="Courier" charset="0"/>
+              </a:rPr>
               <a:t>noquer</a:t>
             </a:r>
-            <a:endParaRPr lang="en-US" sz="2000" dirty="0"/>
+            <a:endParaRPr lang="en-US" sz="2000" dirty="0">
+              <a:solidFill>
+                <a:schemeClr val="tx1"/>
+              </a:solidFill>
+              <a:latin typeface="Courier" charset="0"/>
+              <a:ea typeface="Courier" charset="0"/>
+              <a:cs typeface="Courier" charset="0"/>
+            </a:endParaRPr>
           </a:p>
         </p:txBody>
       </p:sp>
@@ -19219,6 +19983,107 @@
               <a:buChar char=""/>
               <a:defRPr/>
             </a:pPr>
+            <a:endParaRPr lang="en-US" sz="2800" dirty="0">
+              <a:ea typeface="Arial" charset="0"/>
+              <a:cs typeface="Arial" charset="0"/>
+            </a:endParaRPr>
+          </a:p>
+          <a:p>
+            <a:pPr>
+              <a:lnSpc>
+                <a:spcPct val="97000"/>
+              </a:lnSpc>
+              <a:spcAft>
+                <a:spcPts val="1413"/>
+              </a:spcAft>
+              <a:buClr>
+                <a:srgbClr val="FF6309"/>
+              </a:buClr>
+              <a:buSzPct val="45000"/>
+              <a:buFont typeface="Wingdings" charset="0"/>
+              <a:buChar char=""/>
+              <a:defRPr/>
+            </a:pPr>
+            <a:endParaRPr lang="en-US" sz="2800" dirty="0" smtClean="0">
+              <a:ea typeface="Arial" charset="0"/>
+              <a:cs typeface="Arial" charset="0"/>
+            </a:endParaRPr>
+          </a:p>
+          <a:p>
+            <a:pPr>
+              <a:lnSpc>
+                <a:spcPct val="97000"/>
+              </a:lnSpc>
+              <a:spcAft>
+                <a:spcPts val="1413"/>
+              </a:spcAft>
+              <a:buClr>
+                <a:srgbClr val="FF6309"/>
+              </a:buClr>
+              <a:buSzPct val="45000"/>
+              <a:buFont typeface="Wingdings" charset="0"/>
+              <a:buChar char=""/>
+              <a:defRPr/>
+            </a:pPr>
+            <a:endParaRPr lang="en-US" sz="2800" dirty="0">
+              <a:ea typeface="Arial" charset="0"/>
+              <a:cs typeface="Arial" charset="0"/>
+            </a:endParaRPr>
+          </a:p>
+          <a:p>
+            <a:pPr>
+              <a:lnSpc>
+                <a:spcPct val="97000"/>
+              </a:lnSpc>
+              <a:spcAft>
+                <a:spcPts val="1413"/>
+              </a:spcAft>
+              <a:buClr>
+                <a:srgbClr val="FF6309"/>
+              </a:buClr>
+              <a:buSzPct val="45000"/>
+              <a:buFont typeface="Wingdings" charset="0"/>
+              <a:buChar char=""/>
+              <a:defRPr/>
+            </a:pPr>
+            <a:r>
+              <a:rPr lang="en-US" sz="2800" dirty="0" smtClean="0">
+                <a:ea typeface="Arial" charset="0"/>
+                <a:cs typeface="Arial" charset="0"/>
+              </a:rPr>
+              <a:t>We can also restrict the server from answering </a:t>
+            </a:r>
+            <a:r>
+              <a:rPr lang="en-US" sz="2800" dirty="0" err="1" smtClean="0">
+                <a:ea typeface="Arial" charset="0"/>
+                <a:cs typeface="Arial" charset="0"/>
+              </a:rPr>
+              <a:t>ntp</a:t>
+            </a:r>
+            <a:r>
+              <a:rPr lang="en-US" sz="2800" dirty="0" smtClean="0">
+                <a:ea typeface="Arial" charset="0"/>
+                <a:cs typeface="Arial" charset="0"/>
+              </a:rPr>
+              <a:t> queries</a:t>
+            </a:r>
+          </a:p>
+          <a:p>
+            <a:pPr>
+              <a:lnSpc>
+                <a:spcPct val="97000"/>
+              </a:lnSpc>
+              <a:spcAft>
+                <a:spcPts val="1413"/>
+              </a:spcAft>
+              <a:buClr>
+                <a:srgbClr val="FF6309"/>
+              </a:buClr>
+              <a:buSzPct val="45000"/>
+              <a:buFont typeface="Wingdings" charset="0"/>
+              <a:buChar char=""/>
+              <a:defRPr/>
+            </a:pPr>
             <a:endParaRPr lang="en-US" sz="2800" dirty="0" smtClean="0">
               <a:ea typeface="Arial" charset="0"/>
               <a:cs typeface="Arial" charset="0"/>
@@ -19255,8 +20120,8 @@
         </p:nvSpPr>
         <p:spPr>
           <a:xfrm>
-            <a:off x="863599" y="3170237"/>
-            <a:ext cx="8648701" cy="1569660"/>
+            <a:off x="503237" y="3170237"/>
+            <a:ext cx="9185275" cy="1628779"/>
           </a:xfrm>
           <a:prstGeom prst="rect">
             <a:avLst/>
@@ -19272,108 +20137,369 @@
           <a:lstStyle/>
           <a:p>
             <a:r>
-              <a:rPr lang="en-US" sz="2000" dirty="0" smtClean="0"/>
+              <a:rPr lang="en-US" sz="2000" dirty="0" smtClean="0">
+                <a:solidFill>
+                  <a:schemeClr val="tx1"/>
+                </a:solidFill>
+                <a:latin typeface="Courier" charset="0"/>
+                <a:ea typeface="Courier" charset="0"/>
+                <a:cs typeface="Courier" charset="0"/>
+              </a:rPr>
               <a:t>restrict 196.200.219.0 mask 255.255.255.0 limited </a:t>
             </a:r>
             <a:r>
-              <a:rPr lang="en-US" sz="2000" dirty="0" err="1" smtClean="0"/>
+              <a:rPr lang="en-US" sz="2000" dirty="0" err="1" smtClean="0">
+                <a:solidFill>
+                  <a:schemeClr val="tx1"/>
+                </a:solidFill>
+                <a:latin typeface="Courier" charset="0"/>
+                <a:ea typeface="Courier" charset="0"/>
+                <a:cs typeface="Courier" charset="0"/>
+              </a:rPr>
               <a:t>kod</a:t>
             </a:r>
             <a:r>
-              <a:rPr lang="en-US" sz="2000" dirty="0" smtClean="0"/>
+              <a:rPr lang="en-US" sz="2000" dirty="0" smtClean="0">
+                <a:solidFill>
+                  <a:schemeClr val="tx1"/>
+                </a:solidFill>
+                <a:latin typeface="Courier" charset="0"/>
+                <a:ea typeface="Courier" charset="0"/>
+                <a:cs typeface="Courier" charset="0"/>
+              </a:rPr>
               <a:t> </a:t>
             </a:r>
             <a:r>
-              <a:rPr lang="en-US" sz="2000" dirty="0" err="1"/>
+              <a:rPr lang="en-US" sz="2000" dirty="0" err="1">
+                <a:solidFill>
+                  <a:schemeClr val="tx1"/>
+                </a:solidFill>
+                <a:latin typeface="Courier" charset="0"/>
+                <a:ea typeface="Courier" charset="0"/>
+                <a:cs typeface="Courier" charset="0"/>
+              </a:rPr>
               <a:t>notrap</a:t>
             </a:r>
             <a:r>
-              <a:rPr lang="en-US" sz="2000" dirty="0"/>
+              <a:rPr lang="en-US" sz="2000" dirty="0">
+                <a:solidFill>
+                  <a:schemeClr val="tx1"/>
+                </a:solidFill>
+                <a:latin typeface="Courier" charset="0"/>
+                <a:ea typeface="Courier" charset="0"/>
+                <a:cs typeface="Courier" charset="0"/>
+              </a:rPr>
               <a:t> </a:t>
             </a:r>
             <a:r>
-              <a:rPr lang="en-US" sz="2000" dirty="0" err="1"/>
+              <a:rPr lang="en-US" sz="2000" dirty="0" err="1">
+                <a:solidFill>
+                  <a:schemeClr val="tx1"/>
+                </a:solidFill>
+                <a:latin typeface="Courier" charset="0"/>
+                <a:ea typeface="Courier" charset="0"/>
+                <a:cs typeface="Courier" charset="0"/>
+              </a:rPr>
               <a:t>nomodify</a:t>
             </a:r>
             <a:r>
-              <a:rPr lang="en-US" sz="2000" dirty="0"/>
+              <a:rPr lang="en-US" sz="2000" dirty="0">
+                <a:solidFill>
+                  <a:schemeClr val="tx1"/>
+                </a:solidFill>
+                <a:latin typeface="Courier" charset="0"/>
+                <a:ea typeface="Courier" charset="0"/>
+                <a:cs typeface="Courier" charset="0"/>
+              </a:rPr>
               <a:t> </a:t>
             </a:r>
             <a:r>
-              <a:rPr lang="en-US" sz="2000" dirty="0" err="1"/>
+              <a:rPr lang="en-US" sz="2000" dirty="0" err="1">
+                <a:solidFill>
+                  <a:schemeClr val="tx1"/>
+                </a:solidFill>
+                <a:latin typeface="Courier" charset="0"/>
+                <a:ea typeface="Courier" charset="0"/>
+                <a:cs typeface="Courier" charset="0"/>
+              </a:rPr>
               <a:t>nopeer</a:t>
             </a:r>
             <a:r>
-              <a:rPr lang="en-US" sz="2000" dirty="0"/>
+              <a:rPr lang="en-US" sz="2000" dirty="0">
+                <a:solidFill>
+                  <a:schemeClr val="tx1"/>
+                </a:solidFill>
+                <a:latin typeface="Courier" charset="0"/>
+                <a:ea typeface="Courier" charset="0"/>
+                <a:cs typeface="Courier" charset="0"/>
+              </a:rPr>
               <a:t> </a:t>
             </a:r>
             <a:r>
-              <a:rPr lang="en-US" sz="2000" dirty="0" err="1" smtClean="0"/>
+              <a:rPr lang="en-US" sz="2000" dirty="0" err="1" smtClean="0">
+                <a:solidFill>
+                  <a:schemeClr val="tx1"/>
+                </a:solidFill>
+                <a:latin typeface="Courier" charset="0"/>
+                <a:ea typeface="Courier" charset="0"/>
+                <a:cs typeface="Courier" charset="0"/>
+              </a:rPr>
               <a:t>noquery</a:t>
             </a:r>
-            <a:endParaRPr lang="en-US" sz="2000" dirty="0" smtClean="0"/>
+            <a:endParaRPr lang="en-US" sz="2000" dirty="0" smtClean="0">
+              <a:solidFill>
+                <a:schemeClr val="tx1"/>
+              </a:solidFill>
+              <a:latin typeface="Courier" charset="0"/>
+              <a:ea typeface="Courier" charset="0"/>
+              <a:cs typeface="Courier" charset="0"/>
+            </a:endParaRPr>
           </a:p>
           <a:p>
             <a:r>
-              <a:rPr lang="en-US" sz="2000" dirty="0"/>
+              <a:rPr lang="en-US" sz="2000" dirty="0">
+                <a:solidFill>
+                  <a:schemeClr val="tx1"/>
+                </a:solidFill>
+                <a:latin typeface="Courier" charset="0"/>
+                <a:ea typeface="Courier" charset="0"/>
+                <a:cs typeface="Courier" charset="0"/>
+              </a:rPr>
               <a:t>restrict </a:t>
             </a:r>
             <a:r>
-              <a:rPr lang="en-US" sz="2000" dirty="0" smtClean="0"/>
+              <a:rPr lang="en-US" sz="2000" dirty="0" smtClean="0">
+                <a:solidFill>
+                  <a:schemeClr val="tx1"/>
+                </a:solidFill>
+                <a:latin typeface="Courier" charset="0"/>
+                <a:ea typeface="Courier" charset="0"/>
+                <a:cs typeface="Courier" charset="0"/>
+              </a:rPr>
               <a:t>2001:43f8:0220:219:: </a:t>
             </a:r>
             <a:r>
-              <a:rPr lang="en-US" sz="2000" dirty="0"/>
+              <a:rPr lang="en-US" sz="2000" dirty="0">
+                <a:solidFill>
+                  <a:schemeClr val="tx1"/>
+                </a:solidFill>
+                <a:latin typeface="Courier" charset="0"/>
+                <a:ea typeface="Courier" charset="0"/>
+                <a:cs typeface="Courier" charset="0"/>
+              </a:rPr>
               <a:t>mask </a:t>
             </a:r>
             <a:r>
-              <a:rPr lang="en-US" sz="2000" dirty="0" err="1" smtClean="0"/>
+              <a:rPr lang="en-US" sz="2000" dirty="0" err="1" smtClean="0">
+                <a:solidFill>
+                  <a:schemeClr val="tx1"/>
+                </a:solidFill>
+                <a:latin typeface="Courier" charset="0"/>
+                <a:ea typeface="Courier" charset="0"/>
+                <a:cs typeface="Courier" charset="0"/>
+              </a:rPr>
               <a:t>ffff:ffff:ffff:ffff</a:t>
             </a:r>
             <a:r>
-              <a:rPr lang="en-US" sz="2000" dirty="0" smtClean="0"/>
+              <a:rPr lang="en-US" sz="2000" dirty="0" smtClean="0">
+                <a:solidFill>
+                  <a:schemeClr val="tx1"/>
+                </a:solidFill>
+                <a:latin typeface="Courier" charset="0"/>
+                <a:ea typeface="Courier" charset="0"/>
+                <a:cs typeface="Courier" charset="0"/>
+              </a:rPr>
               <a:t>:: limited </a:t>
             </a:r>
             <a:r>
-              <a:rPr lang="en-US" sz="2000" dirty="0" err="1" smtClean="0"/>
+              <a:rPr lang="en-US" sz="2000" dirty="0" err="1" smtClean="0">
+                <a:solidFill>
+                  <a:schemeClr val="tx1"/>
+                </a:solidFill>
+                <a:latin typeface="Courier" charset="0"/>
+                <a:ea typeface="Courier" charset="0"/>
+                <a:cs typeface="Courier" charset="0"/>
+              </a:rPr>
               <a:t>kod</a:t>
             </a:r>
             <a:r>
-              <a:rPr lang="en-US" sz="2000" dirty="0" smtClean="0"/>
+              <a:rPr lang="en-US" sz="2000" dirty="0" smtClean="0">
+                <a:solidFill>
+                  <a:schemeClr val="tx1"/>
+                </a:solidFill>
+                <a:latin typeface="Courier" charset="0"/>
+                <a:ea typeface="Courier" charset="0"/>
+                <a:cs typeface="Courier" charset="0"/>
+              </a:rPr>
               <a:t> </a:t>
             </a:r>
             <a:r>
-              <a:rPr lang="en-US" sz="2000" dirty="0" err="1" smtClean="0"/>
+              <a:rPr lang="en-US" sz="2000" dirty="0" err="1" smtClean="0">
+                <a:solidFill>
+                  <a:schemeClr val="tx1"/>
+                </a:solidFill>
+                <a:latin typeface="Courier" charset="0"/>
+                <a:ea typeface="Courier" charset="0"/>
+                <a:cs typeface="Courier" charset="0"/>
+              </a:rPr>
               <a:t>notrap</a:t>
             </a:r>
             <a:r>
-              <a:rPr lang="en-US" sz="2000" dirty="0" smtClean="0"/>
+              <a:rPr lang="en-US" sz="2000" dirty="0" smtClean="0">
+                <a:solidFill>
+                  <a:schemeClr val="tx1"/>
+                </a:solidFill>
+                <a:latin typeface="Courier" charset="0"/>
+                <a:ea typeface="Courier" charset="0"/>
+                <a:cs typeface="Courier" charset="0"/>
+              </a:rPr>
               <a:t> </a:t>
             </a:r>
             <a:r>
-              <a:rPr lang="en-US" sz="2000" dirty="0" err="1" smtClean="0"/>
+              <a:rPr lang="en-US" sz="2000" dirty="0" err="1" smtClean="0">
+                <a:solidFill>
+                  <a:schemeClr val="tx1"/>
+                </a:solidFill>
+                <a:latin typeface="Courier" charset="0"/>
+                <a:ea typeface="Courier" charset="0"/>
+                <a:cs typeface="Courier" charset="0"/>
+              </a:rPr>
               <a:t>nomodify</a:t>
             </a:r>
             <a:r>
-              <a:rPr lang="en-US" sz="2000" dirty="0" smtClean="0"/>
+              <a:rPr lang="en-US" sz="2000" dirty="0" smtClean="0">
+                <a:solidFill>
+                  <a:schemeClr val="tx1"/>
+                </a:solidFill>
+                <a:latin typeface="Courier" charset="0"/>
+                <a:ea typeface="Courier" charset="0"/>
+                <a:cs typeface="Courier" charset="0"/>
+              </a:rPr>
               <a:t> </a:t>
             </a:r>
             <a:r>
-              <a:rPr lang="en-US" sz="2000" dirty="0" err="1" smtClean="0"/>
+              <a:rPr lang="en-US" sz="2000" dirty="0" err="1" smtClean="0">
+                <a:solidFill>
+                  <a:schemeClr val="tx1"/>
+                </a:solidFill>
+                <a:latin typeface="Courier" charset="0"/>
+                <a:ea typeface="Courier" charset="0"/>
+                <a:cs typeface="Courier" charset="0"/>
+              </a:rPr>
               <a:t>nopeer</a:t>
             </a:r>
             <a:r>
-              <a:rPr lang="en-US" sz="2000" dirty="0" smtClean="0"/>
+              <a:rPr lang="en-US" sz="2000" dirty="0" smtClean="0">
+                <a:solidFill>
+                  <a:schemeClr val="tx1"/>
+                </a:solidFill>
+                <a:latin typeface="Courier" charset="0"/>
+                <a:ea typeface="Courier" charset="0"/>
+                <a:cs typeface="Courier" charset="0"/>
+              </a:rPr>
               <a:t> </a:t>
             </a:r>
             <a:r>
-              <a:rPr lang="en-US" sz="2000" dirty="0" err="1" smtClean="0"/>
+              <a:rPr lang="en-US" sz="2000" dirty="0" err="1" smtClean="0">
+                <a:solidFill>
+                  <a:schemeClr val="tx1"/>
+                </a:solidFill>
+                <a:latin typeface="Courier" charset="0"/>
+                <a:ea typeface="Courier" charset="0"/>
+                <a:cs typeface="Courier" charset="0"/>
+              </a:rPr>
               <a:t>noquery</a:t>
             </a:r>
-            <a:endParaRPr lang="en-US" sz="2000" dirty="0"/>
+            <a:endParaRPr lang="en-US" sz="2000" dirty="0">
+              <a:solidFill>
+                <a:schemeClr val="tx1"/>
+              </a:solidFill>
+              <a:latin typeface="Courier" charset="0"/>
+              <a:ea typeface="Courier" charset="0"/>
+              <a:cs typeface="Courier" charset="0"/>
+            </a:endParaRPr>
           </a:p>
           <a:p>
-            <a:endParaRPr lang="en-US" sz="2000" dirty="0"/>
+            <a:endParaRPr lang="en-US" dirty="0">
+              <a:solidFill>
+                <a:schemeClr val="tx1"/>
+              </a:solidFill>
+              <a:latin typeface="Courier" charset="0"/>
+              <a:ea typeface="Courier" charset="0"/>
+              <a:cs typeface="Courier" charset="0"/>
+            </a:endParaRPr>
+          </a:p>
+        </p:txBody>
+      </p:sp>
+      <p:sp>
+        <p:nvSpPr>
+          <p:cNvPr id="6" name="TextBox 5"/>
+          <p:cNvSpPr txBox="1"/>
+          <p:nvPr/>
+        </p:nvSpPr>
+        <p:spPr>
+          <a:xfrm>
+            <a:off x="863599" y="5947760"/>
+            <a:ext cx="8648701" cy="978729"/>
+          </a:xfrm>
+          <a:prstGeom prst="rect">
+            <a:avLst/>
+          </a:prstGeom>
+          <a:solidFill>
+            <a:schemeClr val="bg2"/>
+          </a:solidFill>
+        </p:spPr>
+        <p:txBody>
+          <a:bodyPr wrap="square" rtlCol="0">
+            <a:spAutoFit/>
+          </a:bodyPr>
+          <a:lstStyle/>
+          <a:p>
+            <a:r>
+              <a:rPr lang="en-US" sz="2000" dirty="0" smtClean="0">
+                <a:solidFill>
+                  <a:schemeClr val="tx1"/>
+                </a:solidFill>
+                <a:latin typeface="Courier" charset="0"/>
+                <a:ea typeface="Courier" charset="0"/>
+                <a:cs typeface="Courier" charset="0"/>
+              </a:rPr>
+              <a:t># By default don’t answer anything</a:t>
+            </a:r>
+          </a:p>
+          <a:p>
+            <a:r>
+              <a:rPr lang="en-US" sz="2000" dirty="0" smtClean="0">
+                <a:solidFill>
+                  <a:schemeClr val="tx1"/>
+                </a:solidFill>
+                <a:latin typeface="Courier" charset="0"/>
+                <a:ea typeface="Courier" charset="0"/>
+                <a:cs typeface="Courier" charset="0"/>
+              </a:rPr>
+              <a:t>restrict default ignore</a:t>
+            </a:r>
+          </a:p>
+          <a:p>
+            <a:r>
+              <a:rPr lang="en-US" sz="2000" dirty="0" smtClean="0">
+                <a:solidFill>
+                  <a:schemeClr val="tx1"/>
+                </a:solidFill>
+                <a:latin typeface="Courier" charset="0"/>
+                <a:ea typeface="Courier" charset="0"/>
+                <a:cs typeface="Courier" charset="0"/>
+              </a:rPr>
+              <a:t>restrict -6 default ignore </a:t>
+            </a:r>
+            <a:endParaRPr lang="en-US" sz="2000" dirty="0">
+              <a:solidFill>
+                <a:schemeClr val="tx1"/>
+              </a:solidFill>
+              <a:latin typeface="Courier" charset="0"/>
+              <a:ea typeface="Courier" charset="0"/>
+              <a:cs typeface="Courier" charset="0"/>
+            </a:endParaRPr>
           </a:p>
         </p:txBody>
       </p:sp>
@@ -20312,20 +21438,11 @@
               <a:defRPr/>
             </a:pPr>
             <a:r>
-              <a:rPr lang="en-US" sz="2000" b="1" dirty="0"/>
-              <a:t>l</a:t>
-            </a:r>
-            <a:r>
-              <a:rPr lang="en-US" sz="2000" b="1" dirty="0" smtClean="0"/>
-              <a:t>imited</a:t>
-            </a:r>
-            <a:r>
-              <a:rPr lang="en-US" sz="2000" b="1" dirty="0"/>
-              <a:t>: </a:t>
-            </a:r>
-            <a:r>
-              <a:rPr lang="en-US" sz="2000" dirty="0"/>
-              <a:t>Indicates that if a client should abuse the number of packets rate control, the packets will be discarded by the sever. If the Kiss of Death packet is enabled, it will be sent back to the abusive host. The rates are configurable by an admin but the defaults are assumed here.</a:t>
+              <a:rPr lang="en-US" sz="2800" dirty="0" smtClean="0">
+                <a:ea typeface="Arial" charset="0"/>
+                <a:cs typeface="Arial" charset="0"/>
+              </a:rPr>
+              <a:t>Configure the server to unrestricted access to local users</a:t>
             </a:r>
           </a:p>
           <a:p>
@@ -20344,26 +21461,10 @@
               <a:buChar char=""/>
               <a:defRPr/>
             </a:pPr>
-            <a:r>
-              <a:rPr lang="en-US" sz="2000" b="1" dirty="0" err="1" smtClean="0"/>
-              <a:t>kod</a:t>
-            </a:r>
-            <a:r>
-              <a:rPr lang="en-US" sz="2000" b="1" dirty="0" smtClean="0"/>
-              <a:t>: </a:t>
-            </a:r>
-            <a:r>
-              <a:rPr lang="en-US" sz="2000" dirty="0"/>
-              <a:t>Kiss of Death. If a host violates the limit of packets to the server, the server will respond with s </a:t>
-            </a:r>
-            <a:r>
-              <a:rPr lang="en-US" sz="2000" dirty="0" err="1"/>
-              <a:t>KoD</a:t>
-            </a:r>
-            <a:r>
-              <a:rPr lang="en-US" sz="2000" dirty="0"/>
-              <a:t> packet to the violating host.</a:t>
-            </a:r>
+            <a:endParaRPr lang="en-US" sz="2800" dirty="0">
+              <a:ea typeface="Arial" charset="0"/>
+              <a:cs typeface="Arial" charset="0"/>
+            </a:endParaRPr>
           </a:p>
           <a:p>
             <a:pPr>
@@ -20381,18 +21482,10 @@
               <a:buChar char=""/>
               <a:defRPr/>
             </a:pPr>
-            <a:r>
-              <a:rPr lang="en-US" sz="2000" b="1" dirty="0" err="1" smtClean="0"/>
-              <a:t>notrap</a:t>
-            </a:r>
-            <a:r>
-              <a:rPr lang="en-US" sz="2000" b="1" dirty="0"/>
-              <a:t>: </a:t>
-            </a:r>
-            <a:r>
-              <a:rPr lang="en-US" sz="2000" dirty="0"/>
-              <a:t>Decline mode 6 control messages. These control messages are used for remote logging programs.</a:t>
-            </a:r>
+            <a:endParaRPr lang="en-US" sz="2800" dirty="0" smtClean="0">
+              <a:ea typeface="Arial" charset="0"/>
+              <a:cs typeface="Arial" charset="0"/>
+            </a:endParaRPr>
           </a:p>
           <a:p>
             <a:pPr>
@@ -20410,34 +21503,10 @@
               <a:buChar char=""/>
               <a:defRPr/>
             </a:pPr>
-            <a:r>
-              <a:rPr lang="en-US" sz="2000" b="1" dirty="0" err="1" smtClean="0"/>
-              <a:t>nomodify</a:t>
-            </a:r>
-            <a:r>
-              <a:rPr lang="en-US" sz="2000" b="1" dirty="0"/>
-              <a:t>: </a:t>
-            </a:r>
-            <a:r>
-              <a:rPr lang="en-US" sz="2000" dirty="0"/>
-              <a:t>Prevents </a:t>
-            </a:r>
-            <a:r>
-              <a:rPr lang="en-US" sz="2000" dirty="0" err="1"/>
-              <a:t>ntpq</a:t>
-            </a:r>
-            <a:r>
-              <a:rPr lang="en-US" sz="2000" dirty="0"/>
-              <a:t> and </a:t>
-            </a:r>
-            <a:r>
-              <a:rPr lang="en-US" sz="2000" dirty="0" err="1"/>
-              <a:t>ntpdc</a:t>
-            </a:r>
-            <a:r>
-              <a:rPr lang="en-US" sz="2000" dirty="0"/>
-              <a:t> queries that would modify the server’s configuration but informational queries are still permitted.</a:t>
-            </a:r>
+            <a:endParaRPr lang="en-US" sz="2800" dirty="0">
+              <a:ea typeface="Arial" charset="0"/>
+              <a:cs typeface="Arial" charset="0"/>
+            </a:endParaRPr>
           </a:p>
           <a:p>
             <a:pPr>
@@ -20456,7 +21525,1566 @@
               <a:defRPr/>
             </a:pPr>
             <a:r>
-              <a:rPr lang="en-US" sz="2000" b="1" dirty="0" err="1" smtClean="0"/>
+              <a:rPr lang="en-US" sz="2800" dirty="0" smtClean="0">
+                <a:ea typeface="Arial" charset="0"/>
+                <a:cs typeface="Arial" charset="0"/>
+              </a:rPr>
+              <a:t>We can also restrict the server from answering </a:t>
+            </a:r>
+            <a:r>
+              <a:rPr lang="en-US" sz="2800" dirty="0" err="1" smtClean="0">
+                <a:ea typeface="Arial" charset="0"/>
+                <a:cs typeface="Arial" charset="0"/>
+              </a:rPr>
+              <a:t>ntp</a:t>
+            </a:r>
+            <a:r>
+              <a:rPr lang="en-US" sz="2800" dirty="0" smtClean="0">
+                <a:ea typeface="Arial" charset="0"/>
+                <a:cs typeface="Arial" charset="0"/>
+              </a:rPr>
+              <a:t> queries</a:t>
+            </a:r>
+          </a:p>
+          <a:p>
+            <a:pPr>
+              <a:lnSpc>
+                <a:spcPct val="97000"/>
+              </a:lnSpc>
+              <a:spcAft>
+                <a:spcPts val="1413"/>
+              </a:spcAft>
+              <a:buClr>
+                <a:srgbClr val="FF6309"/>
+              </a:buClr>
+              <a:buSzPct val="45000"/>
+              <a:buFont typeface="Wingdings" charset="0"/>
+              <a:buChar char=""/>
+              <a:defRPr/>
+            </a:pPr>
+            <a:endParaRPr lang="en-US" sz="2800" dirty="0" smtClean="0">
+              <a:ea typeface="Arial" charset="0"/>
+              <a:cs typeface="Arial" charset="0"/>
+            </a:endParaRPr>
+          </a:p>
+          <a:p>
+            <a:pPr>
+              <a:lnSpc>
+                <a:spcPct val="97000"/>
+              </a:lnSpc>
+              <a:spcAft>
+                <a:spcPts val="1413"/>
+              </a:spcAft>
+              <a:buClr>
+                <a:srgbClr val="FF6309"/>
+              </a:buClr>
+              <a:buSzPct val="45000"/>
+              <a:buFont typeface="Wingdings" charset="0"/>
+              <a:buChar char=""/>
+              <a:defRPr/>
+            </a:pPr>
+            <a:endParaRPr lang="en-US" sz="2800" dirty="0">
+              <a:ea typeface="Arial" charset="0"/>
+              <a:cs typeface="Arial" charset="0"/>
+            </a:endParaRPr>
+          </a:p>
+        </p:txBody>
+      </p:sp>
+      <p:sp>
+        <p:nvSpPr>
+          <p:cNvPr id="4" name="TextBox 3"/>
+          <p:cNvSpPr txBox="1"/>
+          <p:nvPr/>
+        </p:nvSpPr>
+        <p:spPr>
+          <a:xfrm>
+            <a:off x="863599" y="2636837"/>
+            <a:ext cx="8648701" cy="1865126"/>
+          </a:xfrm>
+          <a:prstGeom prst="rect">
+            <a:avLst/>
+          </a:prstGeom>
+          <a:solidFill>
+            <a:schemeClr val="bg2"/>
+          </a:solidFill>
+        </p:spPr>
+        <p:txBody>
+          <a:bodyPr wrap="square" rtlCol="0">
+            <a:spAutoFit/>
+          </a:bodyPr>
+          <a:lstStyle/>
+          <a:p>
+            <a:r>
+              <a:rPr lang="en-US" sz="2000" dirty="0" smtClean="0">
+                <a:solidFill>
+                  <a:schemeClr val="tx1"/>
+                </a:solidFill>
+                <a:latin typeface="Courier" charset="0"/>
+                <a:ea typeface="Courier" charset="0"/>
+                <a:cs typeface="Courier" charset="0"/>
+              </a:rPr>
+              <a:t>restrict 196.200.219.0 mask 255.255.255.0 limited </a:t>
+            </a:r>
+            <a:r>
+              <a:rPr lang="en-US" sz="2000" dirty="0" err="1" smtClean="0">
+                <a:solidFill>
+                  <a:schemeClr val="tx1"/>
+                </a:solidFill>
+                <a:latin typeface="Courier" charset="0"/>
+                <a:ea typeface="Courier" charset="0"/>
+                <a:cs typeface="Courier" charset="0"/>
+              </a:rPr>
+              <a:t>kod</a:t>
+            </a:r>
+            <a:r>
+              <a:rPr lang="en-US" sz="2000" dirty="0" smtClean="0">
+                <a:solidFill>
+                  <a:schemeClr val="tx1"/>
+                </a:solidFill>
+                <a:latin typeface="Courier" charset="0"/>
+                <a:ea typeface="Courier" charset="0"/>
+                <a:cs typeface="Courier" charset="0"/>
+              </a:rPr>
+              <a:t> </a:t>
+            </a:r>
+            <a:r>
+              <a:rPr lang="en-US" sz="2000" dirty="0" err="1">
+                <a:solidFill>
+                  <a:schemeClr val="tx1"/>
+                </a:solidFill>
+                <a:latin typeface="Courier" charset="0"/>
+                <a:ea typeface="Courier" charset="0"/>
+                <a:cs typeface="Courier" charset="0"/>
+              </a:rPr>
+              <a:t>notrap</a:t>
+            </a:r>
+            <a:r>
+              <a:rPr lang="en-US" sz="2000" dirty="0">
+                <a:solidFill>
+                  <a:schemeClr val="tx1"/>
+                </a:solidFill>
+                <a:latin typeface="Courier" charset="0"/>
+                <a:ea typeface="Courier" charset="0"/>
+                <a:cs typeface="Courier" charset="0"/>
+              </a:rPr>
+              <a:t> </a:t>
+            </a:r>
+            <a:r>
+              <a:rPr lang="en-US" sz="2000" dirty="0" err="1">
+                <a:solidFill>
+                  <a:schemeClr val="tx1"/>
+                </a:solidFill>
+                <a:latin typeface="Courier" charset="0"/>
+                <a:ea typeface="Courier" charset="0"/>
+                <a:cs typeface="Courier" charset="0"/>
+              </a:rPr>
+              <a:t>nomodify</a:t>
+            </a:r>
+            <a:r>
+              <a:rPr lang="en-US" sz="2000" dirty="0">
+                <a:solidFill>
+                  <a:schemeClr val="tx1"/>
+                </a:solidFill>
+                <a:latin typeface="Courier" charset="0"/>
+                <a:ea typeface="Courier" charset="0"/>
+                <a:cs typeface="Courier" charset="0"/>
+              </a:rPr>
+              <a:t> </a:t>
+            </a:r>
+            <a:r>
+              <a:rPr lang="en-US" sz="2000" dirty="0" err="1">
+                <a:solidFill>
+                  <a:schemeClr val="tx1"/>
+                </a:solidFill>
+                <a:latin typeface="Courier" charset="0"/>
+                <a:ea typeface="Courier" charset="0"/>
+                <a:cs typeface="Courier" charset="0"/>
+              </a:rPr>
+              <a:t>nopeer</a:t>
+            </a:r>
+            <a:r>
+              <a:rPr lang="en-US" sz="2000" dirty="0">
+                <a:solidFill>
+                  <a:schemeClr val="tx1"/>
+                </a:solidFill>
+                <a:latin typeface="Courier" charset="0"/>
+                <a:ea typeface="Courier" charset="0"/>
+                <a:cs typeface="Courier" charset="0"/>
+              </a:rPr>
+              <a:t> </a:t>
+            </a:r>
+            <a:r>
+              <a:rPr lang="en-US" sz="2000" dirty="0" err="1" smtClean="0">
+                <a:solidFill>
+                  <a:schemeClr val="tx1"/>
+                </a:solidFill>
+                <a:latin typeface="Courier" charset="0"/>
+                <a:ea typeface="Courier" charset="0"/>
+                <a:cs typeface="Courier" charset="0"/>
+              </a:rPr>
+              <a:t>noquery</a:t>
+            </a:r>
+            <a:endParaRPr lang="en-US" sz="2000" dirty="0" smtClean="0">
+              <a:solidFill>
+                <a:schemeClr val="tx1"/>
+              </a:solidFill>
+              <a:latin typeface="Courier" charset="0"/>
+              <a:ea typeface="Courier" charset="0"/>
+              <a:cs typeface="Courier" charset="0"/>
+            </a:endParaRPr>
+          </a:p>
+          <a:p>
+            <a:r>
+              <a:rPr lang="en-US" sz="2000" dirty="0">
+                <a:solidFill>
+                  <a:schemeClr val="tx1"/>
+                </a:solidFill>
+                <a:latin typeface="Courier" charset="0"/>
+                <a:ea typeface="Courier" charset="0"/>
+                <a:cs typeface="Courier" charset="0"/>
+              </a:rPr>
+              <a:t>restrict </a:t>
+            </a:r>
+            <a:r>
+              <a:rPr lang="en-US" sz="2000" dirty="0" smtClean="0">
+                <a:solidFill>
+                  <a:schemeClr val="tx1"/>
+                </a:solidFill>
+                <a:latin typeface="Courier" charset="0"/>
+                <a:ea typeface="Courier" charset="0"/>
+                <a:cs typeface="Courier" charset="0"/>
+              </a:rPr>
+              <a:t>2001:43f8:0220:219:: </a:t>
+            </a:r>
+            <a:r>
+              <a:rPr lang="en-US" sz="2000" dirty="0">
+                <a:solidFill>
+                  <a:schemeClr val="tx1"/>
+                </a:solidFill>
+                <a:latin typeface="Courier" charset="0"/>
+                <a:ea typeface="Courier" charset="0"/>
+                <a:cs typeface="Courier" charset="0"/>
+              </a:rPr>
+              <a:t>mask </a:t>
+            </a:r>
+            <a:r>
+              <a:rPr lang="en-US" sz="2000" dirty="0" err="1" smtClean="0">
+                <a:solidFill>
+                  <a:schemeClr val="tx1"/>
+                </a:solidFill>
+                <a:latin typeface="Courier" charset="0"/>
+                <a:ea typeface="Courier" charset="0"/>
+                <a:cs typeface="Courier" charset="0"/>
+              </a:rPr>
+              <a:t>ffff:ffff:ffff:ffff</a:t>
+            </a:r>
+            <a:r>
+              <a:rPr lang="en-US" sz="2000" dirty="0" smtClean="0">
+                <a:solidFill>
+                  <a:schemeClr val="tx1"/>
+                </a:solidFill>
+                <a:latin typeface="Courier" charset="0"/>
+                <a:ea typeface="Courier" charset="0"/>
+                <a:cs typeface="Courier" charset="0"/>
+              </a:rPr>
+              <a:t>:: limited </a:t>
+            </a:r>
+            <a:r>
+              <a:rPr lang="en-US" sz="2000" dirty="0" err="1" smtClean="0">
+                <a:solidFill>
+                  <a:schemeClr val="tx1"/>
+                </a:solidFill>
+                <a:latin typeface="Courier" charset="0"/>
+                <a:ea typeface="Courier" charset="0"/>
+                <a:cs typeface="Courier" charset="0"/>
+              </a:rPr>
+              <a:t>kod</a:t>
+            </a:r>
+            <a:r>
+              <a:rPr lang="en-US" sz="2000" dirty="0" smtClean="0">
+                <a:solidFill>
+                  <a:schemeClr val="tx1"/>
+                </a:solidFill>
+                <a:latin typeface="Courier" charset="0"/>
+                <a:ea typeface="Courier" charset="0"/>
+                <a:cs typeface="Courier" charset="0"/>
+              </a:rPr>
+              <a:t> </a:t>
+            </a:r>
+            <a:r>
+              <a:rPr lang="en-US" sz="2000" dirty="0" err="1" smtClean="0">
+                <a:solidFill>
+                  <a:schemeClr val="tx1"/>
+                </a:solidFill>
+                <a:latin typeface="Courier" charset="0"/>
+                <a:ea typeface="Courier" charset="0"/>
+                <a:cs typeface="Courier" charset="0"/>
+              </a:rPr>
+              <a:t>notrap</a:t>
+            </a:r>
+            <a:r>
+              <a:rPr lang="en-US" sz="2000" dirty="0" smtClean="0">
+                <a:solidFill>
+                  <a:schemeClr val="tx1"/>
+                </a:solidFill>
+                <a:latin typeface="Courier" charset="0"/>
+                <a:ea typeface="Courier" charset="0"/>
+                <a:cs typeface="Courier" charset="0"/>
+              </a:rPr>
+              <a:t> </a:t>
+            </a:r>
+            <a:r>
+              <a:rPr lang="en-US" sz="2000" dirty="0" err="1" smtClean="0">
+                <a:solidFill>
+                  <a:schemeClr val="tx1"/>
+                </a:solidFill>
+                <a:latin typeface="Courier" charset="0"/>
+                <a:ea typeface="Courier" charset="0"/>
+                <a:cs typeface="Courier" charset="0"/>
+              </a:rPr>
+              <a:t>nomodify</a:t>
+            </a:r>
+            <a:r>
+              <a:rPr lang="en-US" sz="2000" dirty="0" smtClean="0">
+                <a:solidFill>
+                  <a:schemeClr val="tx1"/>
+                </a:solidFill>
+                <a:latin typeface="Courier" charset="0"/>
+                <a:ea typeface="Courier" charset="0"/>
+                <a:cs typeface="Courier" charset="0"/>
+              </a:rPr>
+              <a:t> </a:t>
+            </a:r>
+            <a:r>
+              <a:rPr lang="en-US" sz="2000" dirty="0" err="1" smtClean="0">
+                <a:solidFill>
+                  <a:schemeClr val="tx1"/>
+                </a:solidFill>
+                <a:latin typeface="Courier" charset="0"/>
+                <a:ea typeface="Courier" charset="0"/>
+                <a:cs typeface="Courier" charset="0"/>
+              </a:rPr>
+              <a:t>nopeer</a:t>
+            </a:r>
+            <a:r>
+              <a:rPr lang="en-US" sz="2000" dirty="0" smtClean="0">
+                <a:solidFill>
+                  <a:schemeClr val="tx1"/>
+                </a:solidFill>
+                <a:latin typeface="Courier" charset="0"/>
+                <a:ea typeface="Courier" charset="0"/>
+                <a:cs typeface="Courier" charset="0"/>
+              </a:rPr>
+              <a:t> </a:t>
+            </a:r>
+            <a:r>
+              <a:rPr lang="en-US" sz="2000" dirty="0" err="1" smtClean="0">
+                <a:solidFill>
+                  <a:schemeClr val="tx1"/>
+                </a:solidFill>
+                <a:latin typeface="Courier" charset="0"/>
+                <a:ea typeface="Courier" charset="0"/>
+                <a:cs typeface="Courier" charset="0"/>
+              </a:rPr>
+              <a:t>noquery</a:t>
+            </a:r>
+            <a:endParaRPr lang="en-US" sz="2000" dirty="0">
+              <a:solidFill>
+                <a:schemeClr val="tx1"/>
+              </a:solidFill>
+              <a:latin typeface="Courier" charset="0"/>
+              <a:ea typeface="Courier" charset="0"/>
+              <a:cs typeface="Courier" charset="0"/>
+            </a:endParaRPr>
+          </a:p>
+          <a:p>
+            <a:endParaRPr lang="en-US" sz="2000" dirty="0">
+              <a:solidFill>
+                <a:schemeClr val="tx1"/>
+              </a:solidFill>
+              <a:latin typeface="Courier" charset="0"/>
+              <a:ea typeface="Courier" charset="0"/>
+              <a:cs typeface="Courier" charset="0"/>
+            </a:endParaRPr>
+          </a:p>
+        </p:txBody>
+      </p:sp>
+      <p:sp>
+        <p:nvSpPr>
+          <p:cNvPr id="6" name="TextBox 5"/>
+          <p:cNvSpPr txBox="1"/>
+          <p:nvPr/>
+        </p:nvSpPr>
+        <p:spPr>
+          <a:xfrm>
+            <a:off x="887411" y="5608637"/>
+            <a:ext cx="8648701" cy="978729"/>
+          </a:xfrm>
+          <a:prstGeom prst="rect">
+            <a:avLst/>
+          </a:prstGeom>
+          <a:solidFill>
+            <a:schemeClr val="bg2"/>
+          </a:solidFill>
+        </p:spPr>
+        <p:txBody>
+          <a:bodyPr wrap="square" rtlCol="0">
+            <a:spAutoFit/>
+          </a:bodyPr>
+          <a:lstStyle/>
+          <a:p>
+            <a:r>
+              <a:rPr lang="en-US" sz="2000" dirty="0" smtClean="0">
+                <a:solidFill>
+                  <a:schemeClr val="tx1"/>
+                </a:solidFill>
+                <a:latin typeface="Courier" charset="0"/>
+                <a:ea typeface="Courier" charset="0"/>
+                <a:cs typeface="Courier" charset="0"/>
+              </a:rPr>
+              <a:t># By default don’t answer anything</a:t>
+            </a:r>
+          </a:p>
+          <a:p>
+            <a:r>
+              <a:rPr lang="en-US" sz="2000" dirty="0" smtClean="0">
+                <a:solidFill>
+                  <a:schemeClr val="tx1"/>
+                </a:solidFill>
+                <a:latin typeface="Courier" charset="0"/>
+                <a:ea typeface="Courier" charset="0"/>
+                <a:cs typeface="Courier" charset="0"/>
+              </a:rPr>
+              <a:t>restrict default ignore</a:t>
+            </a:r>
+          </a:p>
+          <a:p>
+            <a:r>
+              <a:rPr lang="en-US" sz="2000" dirty="0" smtClean="0">
+                <a:solidFill>
+                  <a:schemeClr val="tx1"/>
+                </a:solidFill>
+                <a:latin typeface="Courier" charset="0"/>
+                <a:ea typeface="Courier" charset="0"/>
+                <a:cs typeface="Courier" charset="0"/>
+              </a:rPr>
+              <a:t>restrict -6 default ignore </a:t>
+            </a:r>
+            <a:endParaRPr lang="en-US" sz="2000" dirty="0">
+              <a:solidFill>
+                <a:schemeClr val="tx1"/>
+              </a:solidFill>
+              <a:latin typeface="Courier" charset="0"/>
+              <a:ea typeface="Courier" charset="0"/>
+              <a:cs typeface="Courier" charset="0"/>
+            </a:endParaRPr>
+          </a:p>
+        </p:txBody>
+      </p:sp>
+    </p:spTree>
+    <p:extLst>
+      <p:ext uri="{BB962C8B-B14F-4D97-AF65-F5344CB8AC3E}">
+        <p14:creationId xmlns:p14="http://schemas.microsoft.com/office/powerpoint/2010/main" val="1693148533"/>
+      </p:ext>
+    </p:extLst>
+  </p:cSld>
+  <p:clrMapOvr>
+    <a:masterClrMapping/>
+  </p:clrMapOvr>
+  <p:transition spd="med"/>
+  <p:timing>
+    <p:tnLst>
+      <p:par>
+        <p:cTn id="1" dur="indefinite" nodeType="tmRoot">
+          <p:childTnLst>
+            <p:seq concurrent="1" nextAc="seek">
+              <p:cTn id="2" dur="0" nodeType="mainSeq"/>
+              <p:prevCondLst>
+                <p:cond evt="onPrev" delay="0">
+                  <p:tgtEl>
+                    <p:sldTgt/>
+                  </p:tgtEl>
+                </p:cond>
+              </p:prevCondLst>
+              <p:nextCondLst>
+                <p:cond evt="onNext" delay="0">
+                  <p:tgtEl>
+                    <p:sldTgt/>
+                  </p:tgtEl>
+                </p:cond>
+              </p:nextCondLst>
+            </p:seq>
+          </p:childTnLst>
+        </p:cTn>
+      </p:par>
+    </p:tnLst>
+  </p:timing>
+</p:sld>
+</file>
+
+<file path=ppt/slides/slide14.xml><?xml version="1.0" encoding="utf-8"?>
+<p:sld xmlns:a="http://schemas.openxmlformats.org/drawingml/2006/main" xmlns:r="http://schemas.openxmlformats.org/officeDocument/2006/relationships" xmlns:p="http://schemas.openxmlformats.org/presentationml/2006/main">
+  <p:cSld>
+    <p:bg>
+      <p:bgPr>
+        <a:blipFill dpi="0" rotWithShape="0">
+          <a:blip r:embed="rId3"/>
+          <a:srcRect/>
+          <a:tile tx="0" ty="0" sx="100000" sy="100000" flip="none" algn="tl"/>
+        </a:blipFill>
+        <a:effectLst/>
+      </p:bgPr>
+    </p:bg>
+    <p:spTree>
+      <p:nvGrpSpPr>
+        <p:cNvPr id="1" name=""/>
+        <p:cNvGrpSpPr/>
+        <p:nvPr/>
+      </p:nvGrpSpPr>
+      <p:grpSpPr>
+        <a:xfrm>
+          <a:off x="0" y="0"/>
+          <a:ext cx="0" cy="0"/>
+          <a:chOff x="0" y="0"/>
+          <a:chExt cx="0" cy="0"/>
+        </a:xfrm>
+      </p:grpSpPr>
+      <p:sp>
+        <p:nvSpPr>
+          <p:cNvPr id="12289" name="Text Box 1"/>
+          <p:cNvSpPr txBox="1">
+            <a:spLocks noChangeArrowheads="1"/>
+          </p:cNvSpPr>
+          <p:nvPr/>
+        </p:nvSpPr>
+        <p:spPr bwMode="auto">
+          <a:xfrm>
+            <a:off x="468313" y="0"/>
+            <a:ext cx="9070975" cy="1260475"/>
+          </a:xfrm>
+          <a:prstGeom prst="rect">
+            <a:avLst/>
+          </a:prstGeom>
+          <a:noFill/>
+          <a:ln>
+            <a:noFill/>
+          </a:ln>
+          <a:effectLst/>
+          <a:extLst>
+            <a:ext uri="{909E8E84-426E-40dd-AFC4-6F175D3DCCD1}">
+              <a14:hiddenFill xmlns:a14="http://schemas.microsoft.com/office/drawing/2010/main" xmlns="">
+                <a:solidFill>
+                  <a:srgbClr val="FFFFFF"/>
+                </a:solidFill>
+              </a14:hiddenFill>
+            </a:ext>
+            <a:ext uri="{91240B29-F687-4f45-9708-019B960494DF}">
+              <a14:hiddenLine xmlns:a14="http://schemas.microsoft.com/office/drawing/2010/main" xmlns="" w="9525" cap="flat">
+                <a:solidFill>
+                  <a:srgbClr val="3465A4"/>
+                </a:solidFill>
+                <a:round/>
+                <a:headEnd/>
+                <a:tailEnd/>
+              </a14:hiddenLine>
+            </a:ext>
+            <a:ext uri="{AF507438-7753-43e0-B8FC-AC1667EBCBE1}">
+              <a14:hiddenEffects xmlns:a14="http://schemas.microsoft.com/office/drawing/2010/main" xmlns="">
+                <a:effectLst>
+                  <a:outerShdw blurRad="63500" dist="38099" dir="2700000" algn="ctr" rotWithShape="0">
+                    <a:srgbClr val="000000">
+                      <a:alpha val="74998"/>
+                    </a:srgbClr>
+                  </a:outerShdw>
+                </a:effectLst>
+              </a14:hiddenEffects>
+            </a:ext>
+          </a:extLst>
+        </p:spPr>
+        <p:txBody>
+          <a:bodyPr lIns="0" tIns="0" rIns="0" bIns="0" anchor="ctr"/>
+          <a:lstStyle>
+            <a:lvl1pPr>
+              <a:tabLst>
+                <a:tab pos="0" algn="l"/>
+                <a:tab pos="457200" algn="l"/>
+                <a:tab pos="914400" algn="l"/>
+                <a:tab pos="1371600" algn="l"/>
+                <a:tab pos="1828800" algn="l"/>
+                <a:tab pos="2286000" algn="l"/>
+                <a:tab pos="2743200" algn="l"/>
+                <a:tab pos="3200400" algn="l"/>
+                <a:tab pos="3657600" algn="l"/>
+                <a:tab pos="4114800" algn="l"/>
+                <a:tab pos="4572000" algn="l"/>
+                <a:tab pos="5029200" algn="l"/>
+                <a:tab pos="5486400" algn="l"/>
+                <a:tab pos="5943600" algn="l"/>
+                <a:tab pos="6400800" algn="l"/>
+                <a:tab pos="6858000" algn="l"/>
+                <a:tab pos="7315200" algn="l"/>
+                <a:tab pos="7772400" algn="l"/>
+                <a:tab pos="8229600" algn="l"/>
+                <a:tab pos="8686800" algn="l"/>
+                <a:tab pos="9144000" algn="l"/>
+              </a:tabLst>
+              <a:defRPr sz="2400">
+                <a:solidFill>
+                  <a:srgbClr val="000000"/>
+                </a:solidFill>
+                <a:latin typeface="Arial" charset="0"/>
+                <a:ea typeface="ＭＳ Ｐゴシック" charset="0"/>
+                <a:cs typeface="DejaVu Sans" charset="0"/>
+              </a:defRPr>
+            </a:lvl1pPr>
+            <a:lvl2pPr>
+              <a:tabLst>
+                <a:tab pos="0" algn="l"/>
+                <a:tab pos="457200" algn="l"/>
+                <a:tab pos="914400" algn="l"/>
+                <a:tab pos="1371600" algn="l"/>
+                <a:tab pos="1828800" algn="l"/>
+                <a:tab pos="2286000" algn="l"/>
+                <a:tab pos="2743200" algn="l"/>
+                <a:tab pos="3200400" algn="l"/>
+                <a:tab pos="3657600" algn="l"/>
+                <a:tab pos="4114800" algn="l"/>
+                <a:tab pos="4572000" algn="l"/>
+                <a:tab pos="5029200" algn="l"/>
+                <a:tab pos="5486400" algn="l"/>
+                <a:tab pos="5943600" algn="l"/>
+                <a:tab pos="6400800" algn="l"/>
+                <a:tab pos="6858000" algn="l"/>
+                <a:tab pos="7315200" algn="l"/>
+                <a:tab pos="7772400" algn="l"/>
+                <a:tab pos="8229600" algn="l"/>
+                <a:tab pos="8686800" algn="l"/>
+                <a:tab pos="9144000" algn="l"/>
+              </a:tabLst>
+              <a:defRPr sz="2400">
+                <a:solidFill>
+                  <a:srgbClr val="000000"/>
+                </a:solidFill>
+                <a:latin typeface="Arial" charset="0"/>
+                <a:ea typeface="ＭＳ Ｐゴシック" charset="0"/>
+                <a:cs typeface="DejaVu Sans" charset="0"/>
+              </a:defRPr>
+            </a:lvl2pPr>
+            <a:lvl3pPr>
+              <a:tabLst>
+                <a:tab pos="0" algn="l"/>
+                <a:tab pos="457200" algn="l"/>
+                <a:tab pos="914400" algn="l"/>
+                <a:tab pos="1371600" algn="l"/>
+                <a:tab pos="1828800" algn="l"/>
+                <a:tab pos="2286000" algn="l"/>
+                <a:tab pos="2743200" algn="l"/>
+                <a:tab pos="3200400" algn="l"/>
+                <a:tab pos="3657600" algn="l"/>
+                <a:tab pos="4114800" algn="l"/>
+                <a:tab pos="4572000" algn="l"/>
+                <a:tab pos="5029200" algn="l"/>
+                <a:tab pos="5486400" algn="l"/>
+                <a:tab pos="5943600" algn="l"/>
+                <a:tab pos="6400800" algn="l"/>
+                <a:tab pos="6858000" algn="l"/>
+                <a:tab pos="7315200" algn="l"/>
+                <a:tab pos="7772400" algn="l"/>
+                <a:tab pos="8229600" algn="l"/>
+                <a:tab pos="8686800" algn="l"/>
+                <a:tab pos="9144000" algn="l"/>
+              </a:tabLst>
+              <a:defRPr sz="2400">
+                <a:solidFill>
+                  <a:srgbClr val="000000"/>
+                </a:solidFill>
+                <a:latin typeface="Arial" charset="0"/>
+                <a:ea typeface="ＭＳ Ｐゴシック" charset="0"/>
+                <a:cs typeface="DejaVu Sans" charset="0"/>
+              </a:defRPr>
+            </a:lvl3pPr>
+            <a:lvl4pPr>
+              <a:tabLst>
+                <a:tab pos="0" algn="l"/>
+                <a:tab pos="457200" algn="l"/>
+                <a:tab pos="914400" algn="l"/>
+                <a:tab pos="1371600" algn="l"/>
+                <a:tab pos="1828800" algn="l"/>
+                <a:tab pos="2286000" algn="l"/>
+                <a:tab pos="2743200" algn="l"/>
+                <a:tab pos="3200400" algn="l"/>
+                <a:tab pos="3657600" algn="l"/>
+                <a:tab pos="4114800" algn="l"/>
+                <a:tab pos="4572000" algn="l"/>
+                <a:tab pos="5029200" algn="l"/>
+                <a:tab pos="5486400" algn="l"/>
+                <a:tab pos="5943600" algn="l"/>
+                <a:tab pos="6400800" algn="l"/>
+                <a:tab pos="6858000" algn="l"/>
+                <a:tab pos="7315200" algn="l"/>
+                <a:tab pos="7772400" algn="l"/>
+                <a:tab pos="8229600" algn="l"/>
+                <a:tab pos="8686800" algn="l"/>
+                <a:tab pos="9144000" algn="l"/>
+              </a:tabLst>
+              <a:defRPr sz="2400">
+                <a:solidFill>
+                  <a:srgbClr val="000000"/>
+                </a:solidFill>
+                <a:latin typeface="Arial" charset="0"/>
+                <a:ea typeface="ＭＳ Ｐゴシック" charset="0"/>
+                <a:cs typeface="DejaVu Sans" charset="0"/>
+              </a:defRPr>
+            </a:lvl4pPr>
+            <a:lvl5pPr>
+              <a:tabLst>
+                <a:tab pos="0" algn="l"/>
+                <a:tab pos="457200" algn="l"/>
+                <a:tab pos="914400" algn="l"/>
+                <a:tab pos="1371600" algn="l"/>
+                <a:tab pos="1828800" algn="l"/>
+                <a:tab pos="2286000" algn="l"/>
+                <a:tab pos="2743200" algn="l"/>
+                <a:tab pos="3200400" algn="l"/>
+                <a:tab pos="3657600" algn="l"/>
+                <a:tab pos="4114800" algn="l"/>
+                <a:tab pos="4572000" algn="l"/>
+                <a:tab pos="5029200" algn="l"/>
+                <a:tab pos="5486400" algn="l"/>
+                <a:tab pos="5943600" algn="l"/>
+                <a:tab pos="6400800" algn="l"/>
+                <a:tab pos="6858000" algn="l"/>
+                <a:tab pos="7315200" algn="l"/>
+                <a:tab pos="7772400" algn="l"/>
+                <a:tab pos="8229600" algn="l"/>
+                <a:tab pos="8686800" algn="l"/>
+                <a:tab pos="9144000" algn="l"/>
+              </a:tabLst>
+              <a:defRPr sz="2400">
+                <a:solidFill>
+                  <a:srgbClr val="000000"/>
+                </a:solidFill>
+                <a:latin typeface="Arial" charset="0"/>
+                <a:ea typeface="ＭＳ Ｐゴシック" charset="0"/>
+                <a:cs typeface="DejaVu Sans" charset="0"/>
+              </a:defRPr>
+            </a:lvl5pPr>
+            <a:lvl6pPr marL="2514600" indent="-228600" fontAlgn="base" hangingPunct="0">
+              <a:lnSpc>
+                <a:spcPct val="96000"/>
+              </a:lnSpc>
+              <a:spcBef>
+                <a:spcPct val="0"/>
+              </a:spcBef>
+              <a:spcAft>
+                <a:spcPct val="0"/>
+              </a:spcAft>
+              <a:buClr>
+                <a:srgbClr val="000000"/>
+              </a:buClr>
+              <a:buSzPct val="100000"/>
+              <a:buFont typeface="Times New Roman" charset="0"/>
+              <a:tabLst>
+                <a:tab pos="0" algn="l"/>
+                <a:tab pos="457200" algn="l"/>
+                <a:tab pos="914400" algn="l"/>
+                <a:tab pos="1371600" algn="l"/>
+                <a:tab pos="1828800" algn="l"/>
+                <a:tab pos="2286000" algn="l"/>
+                <a:tab pos="2743200" algn="l"/>
+                <a:tab pos="3200400" algn="l"/>
+                <a:tab pos="3657600" algn="l"/>
+                <a:tab pos="4114800" algn="l"/>
+                <a:tab pos="4572000" algn="l"/>
+                <a:tab pos="5029200" algn="l"/>
+                <a:tab pos="5486400" algn="l"/>
+                <a:tab pos="5943600" algn="l"/>
+                <a:tab pos="6400800" algn="l"/>
+                <a:tab pos="6858000" algn="l"/>
+                <a:tab pos="7315200" algn="l"/>
+                <a:tab pos="7772400" algn="l"/>
+                <a:tab pos="8229600" algn="l"/>
+                <a:tab pos="8686800" algn="l"/>
+                <a:tab pos="9144000" algn="l"/>
+              </a:tabLst>
+              <a:defRPr sz="2400">
+                <a:solidFill>
+                  <a:srgbClr val="000000"/>
+                </a:solidFill>
+                <a:latin typeface="Arial" charset="0"/>
+                <a:ea typeface="ＭＳ Ｐゴシック" charset="0"/>
+                <a:cs typeface="DejaVu Sans" charset="0"/>
+              </a:defRPr>
+            </a:lvl6pPr>
+            <a:lvl7pPr marL="2971800" indent="-228600" fontAlgn="base" hangingPunct="0">
+              <a:lnSpc>
+                <a:spcPct val="96000"/>
+              </a:lnSpc>
+              <a:spcBef>
+                <a:spcPct val="0"/>
+              </a:spcBef>
+              <a:spcAft>
+                <a:spcPct val="0"/>
+              </a:spcAft>
+              <a:buClr>
+                <a:srgbClr val="000000"/>
+              </a:buClr>
+              <a:buSzPct val="100000"/>
+              <a:buFont typeface="Times New Roman" charset="0"/>
+              <a:tabLst>
+                <a:tab pos="0" algn="l"/>
+                <a:tab pos="457200" algn="l"/>
+                <a:tab pos="914400" algn="l"/>
+                <a:tab pos="1371600" algn="l"/>
+                <a:tab pos="1828800" algn="l"/>
+                <a:tab pos="2286000" algn="l"/>
+                <a:tab pos="2743200" algn="l"/>
+                <a:tab pos="3200400" algn="l"/>
+                <a:tab pos="3657600" algn="l"/>
+                <a:tab pos="4114800" algn="l"/>
+                <a:tab pos="4572000" algn="l"/>
+                <a:tab pos="5029200" algn="l"/>
+                <a:tab pos="5486400" algn="l"/>
+                <a:tab pos="5943600" algn="l"/>
+                <a:tab pos="6400800" algn="l"/>
+                <a:tab pos="6858000" algn="l"/>
+                <a:tab pos="7315200" algn="l"/>
+                <a:tab pos="7772400" algn="l"/>
+                <a:tab pos="8229600" algn="l"/>
+                <a:tab pos="8686800" algn="l"/>
+                <a:tab pos="9144000" algn="l"/>
+              </a:tabLst>
+              <a:defRPr sz="2400">
+                <a:solidFill>
+                  <a:srgbClr val="000000"/>
+                </a:solidFill>
+                <a:latin typeface="Arial" charset="0"/>
+                <a:ea typeface="ＭＳ Ｐゴシック" charset="0"/>
+                <a:cs typeface="DejaVu Sans" charset="0"/>
+              </a:defRPr>
+            </a:lvl7pPr>
+            <a:lvl8pPr marL="3429000" indent="-228600" fontAlgn="base" hangingPunct="0">
+              <a:lnSpc>
+                <a:spcPct val="96000"/>
+              </a:lnSpc>
+              <a:spcBef>
+                <a:spcPct val="0"/>
+              </a:spcBef>
+              <a:spcAft>
+                <a:spcPct val="0"/>
+              </a:spcAft>
+              <a:buClr>
+                <a:srgbClr val="000000"/>
+              </a:buClr>
+              <a:buSzPct val="100000"/>
+              <a:buFont typeface="Times New Roman" charset="0"/>
+              <a:tabLst>
+                <a:tab pos="0" algn="l"/>
+                <a:tab pos="457200" algn="l"/>
+                <a:tab pos="914400" algn="l"/>
+                <a:tab pos="1371600" algn="l"/>
+                <a:tab pos="1828800" algn="l"/>
+                <a:tab pos="2286000" algn="l"/>
+                <a:tab pos="2743200" algn="l"/>
+                <a:tab pos="3200400" algn="l"/>
+                <a:tab pos="3657600" algn="l"/>
+                <a:tab pos="4114800" algn="l"/>
+                <a:tab pos="4572000" algn="l"/>
+                <a:tab pos="5029200" algn="l"/>
+                <a:tab pos="5486400" algn="l"/>
+                <a:tab pos="5943600" algn="l"/>
+                <a:tab pos="6400800" algn="l"/>
+                <a:tab pos="6858000" algn="l"/>
+                <a:tab pos="7315200" algn="l"/>
+                <a:tab pos="7772400" algn="l"/>
+                <a:tab pos="8229600" algn="l"/>
+                <a:tab pos="8686800" algn="l"/>
+                <a:tab pos="9144000" algn="l"/>
+              </a:tabLst>
+              <a:defRPr sz="2400">
+                <a:solidFill>
+                  <a:srgbClr val="000000"/>
+                </a:solidFill>
+                <a:latin typeface="Arial" charset="0"/>
+                <a:ea typeface="ＭＳ Ｐゴシック" charset="0"/>
+                <a:cs typeface="DejaVu Sans" charset="0"/>
+              </a:defRPr>
+            </a:lvl8pPr>
+            <a:lvl9pPr marL="3886200" indent="-228600" fontAlgn="base" hangingPunct="0">
+              <a:lnSpc>
+                <a:spcPct val="96000"/>
+              </a:lnSpc>
+              <a:spcBef>
+                <a:spcPct val="0"/>
+              </a:spcBef>
+              <a:spcAft>
+                <a:spcPct val="0"/>
+              </a:spcAft>
+              <a:buClr>
+                <a:srgbClr val="000000"/>
+              </a:buClr>
+              <a:buSzPct val="100000"/>
+              <a:buFont typeface="Times New Roman" charset="0"/>
+              <a:tabLst>
+                <a:tab pos="0" algn="l"/>
+                <a:tab pos="457200" algn="l"/>
+                <a:tab pos="914400" algn="l"/>
+                <a:tab pos="1371600" algn="l"/>
+                <a:tab pos="1828800" algn="l"/>
+                <a:tab pos="2286000" algn="l"/>
+                <a:tab pos="2743200" algn="l"/>
+                <a:tab pos="3200400" algn="l"/>
+                <a:tab pos="3657600" algn="l"/>
+                <a:tab pos="4114800" algn="l"/>
+                <a:tab pos="4572000" algn="l"/>
+                <a:tab pos="5029200" algn="l"/>
+                <a:tab pos="5486400" algn="l"/>
+                <a:tab pos="5943600" algn="l"/>
+                <a:tab pos="6400800" algn="l"/>
+                <a:tab pos="6858000" algn="l"/>
+                <a:tab pos="7315200" algn="l"/>
+                <a:tab pos="7772400" algn="l"/>
+                <a:tab pos="8229600" algn="l"/>
+                <a:tab pos="8686800" algn="l"/>
+                <a:tab pos="9144000" algn="l"/>
+              </a:tabLst>
+              <a:defRPr sz="2400">
+                <a:solidFill>
+                  <a:srgbClr val="000000"/>
+                </a:solidFill>
+                <a:latin typeface="Arial" charset="0"/>
+                <a:ea typeface="ＭＳ Ｐゴシック" charset="0"/>
+                <a:cs typeface="DejaVu Sans" charset="0"/>
+              </a:defRPr>
+            </a:lvl9pPr>
+          </a:lstStyle>
+          <a:p>
+            <a:pPr>
+              <a:lnSpc>
+                <a:spcPct val="97000"/>
+              </a:lnSpc>
+              <a:buClrTx/>
+              <a:buSzPct val="45000"/>
+              <a:buFontTx/>
+              <a:buNone/>
+              <a:defRPr/>
+            </a:pPr>
+            <a:r>
+              <a:rPr lang="en-US" sz="4400" b="1" dirty="0">
+                <a:latin typeface="Trebuchet MS" charset="0"/>
+              </a:rPr>
+              <a:t>Step 3: </a:t>
+            </a:r>
+            <a:r>
+              <a:rPr lang="en-US" sz="4400" b="1" dirty="0" smtClean="0">
+                <a:latin typeface="Trebuchet MS" charset="0"/>
+              </a:rPr>
+              <a:t>Configure NTP </a:t>
+            </a:r>
+            <a:r>
+              <a:rPr lang="en-US" sz="4400" b="1" dirty="0">
+                <a:latin typeface="Trebuchet MS" charset="0"/>
+              </a:rPr>
+              <a:t>Restrictions</a:t>
+            </a:r>
+          </a:p>
+        </p:txBody>
+      </p:sp>
+      <p:sp>
+        <p:nvSpPr>
+          <p:cNvPr id="12290" name="Text Box 2"/>
+          <p:cNvSpPr txBox="1">
+            <a:spLocks noChangeArrowheads="1"/>
+          </p:cNvSpPr>
+          <p:nvPr/>
+        </p:nvSpPr>
+        <p:spPr bwMode="auto">
+          <a:xfrm>
+            <a:off x="503238" y="1768475"/>
+            <a:ext cx="9070975" cy="4987925"/>
+          </a:xfrm>
+          <a:prstGeom prst="rect">
+            <a:avLst/>
+          </a:prstGeom>
+          <a:noFill/>
+          <a:ln>
+            <a:noFill/>
+          </a:ln>
+          <a:effectLst/>
+          <a:extLst>
+            <a:ext uri="{909E8E84-426E-40dd-AFC4-6F175D3DCCD1}">
+              <a14:hiddenFill xmlns:a14="http://schemas.microsoft.com/office/drawing/2010/main" xmlns="">
+                <a:solidFill>
+                  <a:srgbClr val="FFFFFF"/>
+                </a:solidFill>
+              </a14:hiddenFill>
+            </a:ext>
+            <a:ext uri="{91240B29-F687-4f45-9708-019B960494DF}">
+              <a14:hiddenLine xmlns:a14="http://schemas.microsoft.com/office/drawing/2010/main" xmlns="" w="9525" cap="flat">
+                <a:solidFill>
+                  <a:srgbClr val="3465A4"/>
+                </a:solidFill>
+                <a:round/>
+                <a:headEnd/>
+                <a:tailEnd/>
+              </a14:hiddenLine>
+            </a:ext>
+            <a:ext uri="{AF507438-7753-43e0-B8FC-AC1667EBCBE1}">
+              <a14:hiddenEffects xmlns:a14="http://schemas.microsoft.com/office/drawing/2010/main" xmlns="">
+                <a:effectLst>
+                  <a:outerShdw blurRad="63500" dist="38099" dir="2700000" algn="ctr" rotWithShape="0">
+                    <a:srgbClr val="000000">
+                      <a:alpha val="74998"/>
+                    </a:srgbClr>
+                  </a:outerShdw>
+                </a:effectLst>
+              </a14:hiddenEffects>
+            </a:ext>
+          </a:extLst>
+        </p:spPr>
+        <p:txBody>
+          <a:bodyPr lIns="0" tIns="0" rIns="0" bIns="0"/>
+          <a:lstStyle>
+            <a:lvl1pPr marL="428625" indent="-323850">
+              <a:tabLst>
+                <a:tab pos="428625" algn="l"/>
+                <a:tab pos="885825" algn="l"/>
+                <a:tab pos="1343025" algn="l"/>
+                <a:tab pos="1800225" algn="l"/>
+                <a:tab pos="2257425" algn="l"/>
+                <a:tab pos="2714625" algn="l"/>
+                <a:tab pos="3171825" algn="l"/>
+                <a:tab pos="3629025" algn="l"/>
+                <a:tab pos="4086225" algn="l"/>
+                <a:tab pos="4543425" algn="l"/>
+                <a:tab pos="5000625" algn="l"/>
+                <a:tab pos="5457825" algn="l"/>
+                <a:tab pos="5915025" algn="l"/>
+                <a:tab pos="6372225" algn="l"/>
+                <a:tab pos="6829425" algn="l"/>
+                <a:tab pos="7286625" algn="l"/>
+                <a:tab pos="7743825" algn="l"/>
+                <a:tab pos="8201025" algn="l"/>
+                <a:tab pos="8658225" algn="l"/>
+                <a:tab pos="9115425" algn="l"/>
+                <a:tab pos="9572625" algn="l"/>
+              </a:tabLst>
+              <a:defRPr sz="2400">
+                <a:solidFill>
+                  <a:srgbClr val="000000"/>
+                </a:solidFill>
+                <a:latin typeface="Arial" charset="0"/>
+                <a:ea typeface="ＭＳ Ｐゴシック" charset="0"/>
+                <a:cs typeface="DejaVu Sans" charset="0"/>
+              </a:defRPr>
+            </a:lvl1pPr>
+            <a:lvl2pPr>
+              <a:tabLst>
+                <a:tab pos="428625" algn="l"/>
+                <a:tab pos="885825" algn="l"/>
+                <a:tab pos="1343025" algn="l"/>
+                <a:tab pos="1800225" algn="l"/>
+                <a:tab pos="2257425" algn="l"/>
+                <a:tab pos="2714625" algn="l"/>
+                <a:tab pos="3171825" algn="l"/>
+                <a:tab pos="3629025" algn="l"/>
+                <a:tab pos="4086225" algn="l"/>
+                <a:tab pos="4543425" algn="l"/>
+                <a:tab pos="5000625" algn="l"/>
+                <a:tab pos="5457825" algn="l"/>
+                <a:tab pos="5915025" algn="l"/>
+                <a:tab pos="6372225" algn="l"/>
+                <a:tab pos="6829425" algn="l"/>
+                <a:tab pos="7286625" algn="l"/>
+                <a:tab pos="7743825" algn="l"/>
+                <a:tab pos="8201025" algn="l"/>
+                <a:tab pos="8658225" algn="l"/>
+                <a:tab pos="9115425" algn="l"/>
+                <a:tab pos="9572625" algn="l"/>
+              </a:tabLst>
+              <a:defRPr sz="2400">
+                <a:solidFill>
+                  <a:srgbClr val="000000"/>
+                </a:solidFill>
+                <a:latin typeface="Arial" charset="0"/>
+                <a:ea typeface="ＭＳ Ｐゴシック" charset="0"/>
+                <a:cs typeface="DejaVu Sans" charset="0"/>
+              </a:defRPr>
+            </a:lvl2pPr>
+            <a:lvl3pPr>
+              <a:tabLst>
+                <a:tab pos="428625" algn="l"/>
+                <a:tab pos="885825" algn="l"/>
+                <a:tab pos="1343025" algn="l"/>
+                <a:tab pos="1800225" algn="l"/>
+                <a:tab pos="2257425" algn="l"/>
+                <a:tab pos="2714625" algn="l"/>
+                <a:tab pos="3171825" algn="l"/>
+                <a:tab pos="3629025" algn="l"/>
+                <a:tab pos="4086225" algn="l"/>
+                <a:tab pos="4543425" algn="l"/>
+                <a:tab pos="5000625" algn="l"/>
+                <a:tab pos="5457825" algn="l"/>
+                <a:tab pos="5915025" algn="l"/>
+                <a:tab pos="6372225" algn="l"/>
+                <a:tab pos="6829425" algn="l"/>
+                <a:tab pos="7286625" algn="l"/>
+                <a:tab pos="7743825" algn="l"/>
+                <a:tab pos="8201025" algn="l"/>
+                <a:tab pos="8658225" algn="l"/>
+                <a:tab pos="9115425" algn="l"/>
+                <a:tab pos="9572625" algn="l"/>
+              </a:tabLst>
+              <a:defRPr sz="2400">
+                <a:solidFill>
+                  <a:srgbClr val="000000"/>
+                </a:solidFill>
+                <a:latin typeface="Arial" charset="0"/>
+                <a:ea typeface="ＭＳ Ｐゴシック" charset="0"/>
+                <a:cs typeface="DejaVu Sans" charset="0"/>
+              </a:defRPr>
+            </a:lvl3pPr>
+            <a:lvl4pPr>
+              <a:tabLst>
+                <a:tab pos="428625" algn="l"/>
+                <a:tab pos="885825" algn="l"/>
+                <a:tab pos="1343025" algn="l"/>
+                <a:tab pos="1800225" algn="l"/>
+                <a:tab pos="2257425" algn="l"/>
+                <a:tab pos="2714625" algn="l"/>
+                <a:tab pos="3171825" algn="l"/>
+                <a:tab pos="3629025" algn="l"/>
+                <a:tab pos="4086225" algn="l"/>
+                <a:tab pos="4543425" algn="l"/>
+                <a:tab pos="5000625" algn="l"/>
+                <a:tab pos="5457825" algn="l"/>
+                <a:tab pos="5915025" algn="l"/>
+                <a:tab pos="6372225" algn="l"/>
+                <a:tab pos="6829425" algn="l"/>
+                <a:tab pos="7286625" algn="l"/>
+                <a:tab pos="7743825" algn="l"/>
+                <a:tab pos="8201025" algn="l"/>
+                <a:tab pos="8658225" algn="l"/>
+                <a:tab pos="9115425" algn="l"/>
+                <a:tab pos="9572625" algn="l"/>
+              </a:tabLst>
+              <a:defRPr sz="2400">
+                <a:solidFill>
+                  <a:srgbClr val="000000"/>
+                </a:solidFill>
+                <a:latin typeface="Arial" charset="0"/>
+                <a:ea typeface="ＭＳ Ｐゴシック" charset="0"/>
+                <a:cs typeface="DejaVu Sans" charset="0"/>
+              </a:defRPr>
+            </a:lvl4pPr>
+            <a:lvl5pPr>
+              <a:tabLst>
+                <a:tab pos="428625" algn="l"/>
+                <a:tab pos="885825" algn="l"/>
+                <a:tab pos="1343025" algn="l"/>
+                <a:tab pos="1800225" algn="l"/>
+                <a:tab pos="2257425" algn="l"/>
+                <a:tab pos="2714625" algn="l"/>
+                <a:tab pos="3171825" algn="l"/>
+                <a:tab pos="3629025" algn="l"/>
+                <a:tab pos="4086225" algn="l"/>
+                <a:tab pos="4543425" algn="l"/>
+                <a:tab pos="5000625" algn="l"/>
+                <a:tab pos="5457825" algn="l"/>
+                <a:tab pos="5915025" algn="l"/>
+                <a:tab pos="6372225" algn="l"/>
+                <a:tab pos="6829425" algn="l"/>
+                <a:tab pos="7286625" algn="l"/>
+                <a:tab pos="7743825" algn="l"/>
+                <a:tab pos="8201025" algn="l"/>
+                <a:tab pos="8658225" algn="l"/>
+                <a:tab pos="9115425" algn="l"/>
+                <a:tab pos="9572625" algn="l"/>
+              </a:tabLst>
+              <a:defRPr sz="2400">
+                <a:solidFill>
+                  <a:srgbClr val="000000"/>
+                </a:solidFill>
+                <a:latin typeface="Arial" charset="0"/>
+                <a:ea typeface="ＭＳ Ｐゴシック" charset="0"/>
+                <a:cs typeface="DejaVu Sans" charset="0"/>
+              </a:defRPr>
+            </a:lvl5pPr>
+            <a:lvl6pPr marL="2514600" indent="-228600" fontAlgn="base" hangingPunct="0">
+              <a:lnSpc>
+                <a:spcPct val="96000"/>
+              </a:lnSpc>
+              <a:spcBef>
+                <a:spcPct val="0"/>
+              </a:spcBef>
+              <a:spcAft>
+                <a:spcPct val="0"/>
+              </a:spcAft>
+              <a:buClr>
+                <a:srgbClr val="000000"/>
+              </a:buClr>
+              <a:buSzPct val="100000"/>
+              <a:buFont typeface="Times New Roman" charset="0"/>
+              <a:tabLst>
+                <a:tab pos="428625" algn="l"/>
+                <a:tab pos="885825" algn="l"/>
+                <a:tab pos="1343025" algn="l"/>
+                <a:tab pos="1800225" algn="l"/>
+                <a:tab pos="2257425" algn="l"/>
+                <a:tab pos="2714625" algn="l"/>
+                <a:tab pos="3171825" algn="l"/>
+                <a:tab pos="3629025" algn="l"/>
+                <a:tab pos="4086225" algn="l"/>
+                <a:tab pos="4543425" algn="l"/>
+                <a:tab pos="5000625" algn="l"/>
+                <a:tab pos="5457825" algn="l"/>
+                <a:tab pos="5915025" algn="l"/>
+                <a:tab pos="6372225" algn="l"/>
+                <a:tab pos="6829425" algn="l"/>
+                <a:tab pos="7286625" algn="l"/>
+                <a:tab pos="7743825" algn="l"/>
+                <a:tab pos="8201025" algn="l"/>
+                <a:tab pos="8658225" algn="l"/>
+                <a:tab pos="9115425" algn="l"/>
+                <a:tab pos="9572625" algn="l"/>
+              </a:tabLst>
+              <a:defRPr sz="2400">
+                <a:solidFill>
+                  <a:srgbClr val="000000"/>
+                </a:solidFill>
+                <a:latin typeface="Arial" charset="0"/>
+                <a:ea typeface="ＭＳ Ｐゴシック" charset="0"/>
+                <a:cs typeface="DejaVu Sans" charset="0"/>
+              </a:defRPr>
+            </a:lvl6pPr>
+            <a:lvl7pPr marL="2971800" indent="-228600" fontAlgn="base" hangingPunct="0">
+              <a:lnSpc>
+                <a:spcPct val="96000"/>
+              </a:lnSpc>
+              <a:spcBef>
+                <a:spcPct val="0"/>
+              </a:spcBef>
+              <a:spcAft>
+                <a:spcPct val="0"/>
+              </a:spcAft>
+              <a:buClr>
+                <a:srgbClr val="000000"/>
+              </a:buClr>
+              <a:buSzPct val="100000"/>
+              <a:buFont typeface="Times New Roman" charset="0"/>
+              <a:tabLst>
+                <a:tab pos="428625" algn="l"/>
+                <a:tab pos="885825" algn="l"/>
+                <a:tab pos="1343025" algn="l"/>
+                <a:tab pos="1800225" algn="l"/>
+                <a:tab pos="2257425" algn="l"/>
+                <a:tab pos="2714625" algn="l"/>
+                <a:tab pos="3171825" algn="l"/>
+                <a:tab pos="3629025" algn="l"/>
+                <a:tab pos="4086225" algn="l"/>
+                <a:tab pos="4543425" algn="l"/>
+                <a:tab pos="5000625" algn="l"/>
+                <a:tab pos="5457825" algn="l"/>
+                <a:tab pos="5915025" algn="l"/>
+                <a:tab pos="6372225" algn="l"/>
+                <a:tab pos="6829425" algn="l"/>
+                <a:tab pos="7286625" algn="l"/>
+                <a:tab pos="7743825" algn="l"/>
+                <a:tab pos="8201025" algn="l"/>
+                <a:tab pos="8658225" algn="l"/>
+                <a:tab pos="9115425" algn="l"/>
+                <a:tab pos="9572625" algn="l"/>
+              </a:tabLst>
+              <a:defRPr sz="2400">
+                <a:solidFill>
+                  <a:srgbClr val="000000"/>
+                </a:solidFill>
+                <a:latin typeface="Arial" charset="0"/>
+                <a:ea typeface="ＭＳ Ｐゴシック" charset="0"/>
+                <a:cs typeface="DejaVu Sans" charset="0"/>
+              </a:defRPr>
+            </a:lvl7pPr>
+            <a:lvl8pPr marL="3429000" indent="-228600" fontAlgn="base" hangingPunct="0">
+              <a:lnSpc>
+                <a:spcPct val="96000"/>
+              </a:lnSpc>
+              <a:spcBef>
+                <a:spcPct val="0"/>
+              </a:spcBef>
+              <a:spcAft>
+                <a:spcPct val="0"/>
+              </a:spcAft>
+              <a:buClr>
+                <a:srgbClr val="000000"/>
+              </a:buClr>
+              <a:buSzPct val="100000"/>
+              <a:buFont typeface="Times New Roman" charset="0"/>
+              <a:tabLst>
+                <a:tab pos="428625" algn="l"/>
+                <a:tab pos="885825" algn="l"/>
+                <a:tab pos="1343025" algn="l"/>
+                <a:tab pos="1800225" algn="l"/>
+                <a:tab pos="2257425" algn="l"/>
+                <a:tab pos="2714625" algn="l"/>
+                <a:tab pos="3171825" algn="l"/>
+                <a:tab pos="3629025" algn="l"/>
+                <a:tab pos="4086225" algn="l"/>
+                <a:tab pos="4543425" algn="l"/>
+                <a:tab pos="5000625" algn="l"/>
+                <a:tab pos="5457825" algn="l"/>
+                <a:tab pos="5915025" algn="l"/>
+                <a:tab pos="6372225" algn="l"/>
+                <a:tab pos="6829425" algn="l"/>
+                <a:tab pos="7286625" algn="l"/>
+                <a:tab pos="7743825" algn="l"/>
+                <a:tab pos="8201025" algn="l"/>
+                <a:tab pos="8658225" algn="l"/>
+                <a:tab pos="9115425" algn="l"/>
+                <a:tab pos="9572625" algn="l"/>
+              </a:tabLst>
+              <a:defRPr sz="2400">
+                <a:solidFill>
+                  <a:srgbClr val="000000"/>
+                </a:solidFill>
+                <a:latin typeface="Arial" charset="0"/>
+                <a:ea typeface="ＭＳ Ｐゴシック" charset="0"/>
+                <a:cs typeface="DejaVu Sans" charset="0"/>
+              </a:defRPr>
+            </a:lvl8pPr>
+            <a:lvl9pPr marL="3886200" indent="-228600" fontAlgn="base" hangingPunct="0">
+              <a:lnSpc>
+                <a:spcPct val="96000"/>
+              </a:lnSpc>
+              <a:spcBef>
+                <a:spcPct val="0"/>
+              </a:spcBef>
+              <a:spcAft>
+                <a:spcPct val="0"/>
+              </a:spcAft>
+              <a:buClr>
+                <a:srgbClr val="000000"/>
+              </a:buClr>
+              <a:buSzPct val="100000"/>
+              <a:buFont typeface="Times New Roman" charset="0"/>
+              <a:tabLst>
+                <a:tab pos="428625" algn="l"/>
+                <a:tab pos="885825" algn="l"/>
+                <a:tab pos="1343025" algn="l"/>
+                <a:tab pos="1800225" algn="l"/>
+                <a:tab pos="2257425" algn="l"/>
+                <a:tab pos="2714625" algn="l"/>
+                <a:tab pos="3171825" algn="l"/>
+                <a:tab pos="3629025" algn="l"/>
+                <a:tab pos="4086225" algn="l"/>
+                <a:tab pos="4543425" algn="l"/>
+                <a:tab pos="5000625" algn="l"/>
+                <a:tab pos="5457825" algn="l"/>
+                <a:tab pos="5915025" algn="l"/>
+                <a:tab pos="6372225" algn="l"/>
+                <a:tab pos="6829425" algn="l"/>
+                <a:tab pos="7286625" algn="l"/>
+                <a:tab pos="7743825" algn="l"/>
+                <a:tab pos="8201025" algn="l"/>
+                <a:tab pos="8658225" algn="l"/>
+                <a:tab pos="9115425" algn="l"/>
+                <a:tab pos="9572625" algn="l"/>
+              </a:tabLst>
+              <a:defRPr sz="2400">
+                <a:solidFill>
+                  <a:srgbClr val="000000"/>
+                </a:solidFill>
+                <a:latin typeface="Arial" charset="0"/>
+                <a:ea typeface="ＭＳ Ｐゴシック" charset="0"/>
+                <a:cs typeface="DejaVu Sans" charset="0"/>
+              </a:defRPr>
+            </a:lvl9pPr>
+          </a:lstStyle>
+          <a:p>
+            <a:pPr>
+              <a:lnSpc>
+                <a:spcPct val="97000"/>
+              </a:lnSpc>
+              <a:spcAft>
+                <a:spcPts val="1413"/>
+              </a:spcAft>
+              <a:buClr>
+                <a:srgbClr val="FF6309"/>
+              </a:buClr>
+              <a:buSzPct val="45000"/>
+              <a:buFont typeface="Wingdings" charset="0"/>
+              <a:buChar char=""/>
+              <a:defRPr/>
+            </a:pPr>
+            <a:r>
+              <a:rPr lang="en-US" sz="2000" b="1" dirty="0">
+                <a:latin typeface="Courier" charset="0"/>
+                <a:ea typeface="Courier" charset="0"/>
+                <a:cs typeface="Courier" charset="0"/>
+              </a:rPr>
+              <a:t>l</a:t>
+            </a:r>
+            <a:r>
+              <a:rPr lang="en-US" sz="2000" b="1" dirty="0" smtClean="0">
+                <a:latin typeface="Courier" charset="0"/>
+                <a:ea typeface="Courier" charset="0"/>
+                <a:cs typeface="Courier" charset="0"/>
+              </a:rPr>
+              <a:t>imited</a:t>
+            </a:r>
+            <a:r>
+              <a:rPr lang="en-US" sz="2000" b="1" dirty="0"/>
+              <a:t>: </a:t>
+            </a:r>
+            <a:r>
+              <a:rPr lang="en-US" sz="2000" dirty="0"/>
+              <a:t>Indicates that if a client should abuse the number of packets rate control, the packets will be discarded by the sever. If the Kiss of Death packet is enabled, it will be sent back to the abusive host. The rates are configurable by an admin but the defaults are assumed here.</a:t>
+            </a:r>
+          </a:p>
+          <a:p>
+            <a:pPr>
+              <a:lnSpc>
+                <a:spcPct val="97000"/>
+              </a:lnSpc>
+              <a:spcAft>
+                <a:spcPts val="1413"/>
+              </a:spcAft>
+              <a:buClr>
+                <a:srgbClr val="FF6309"/>
+              </a:buClr>
+              <a:buSzPct val="45000"/>
+              <a:buFont typeface="Wingdings" charset="0"/>
+              <a:buChar char=""/>
+              <a:defRPr/>
+            </a:pPr>
+            <a:r>
+              <a:rPr lang="en-US" sz="2000" b="1" dirty="0" err="1" smtClean="0">
+                <a:latin typeface="Courier" charset="0"/>
+                <a:ea typeface="Courier" charset="0"/>
+                <a:cs typeface="Courier" charset="0"/>
+              </a:rPr>
+              <a:t>kod</a:t>
+            </a:r>
+            <a:r>
+              <a:rPr lang="en-US" sz="2000" b="1" dirty="0" smtClean="0"/>
+              <a:t>: </a:t>
+            </a:r>
+            <a:r>
+              <a:rPr lang="en-US" sz="2000" dirty="0"/>
+              <a:t>Kiss of Death. If a host violates the limit of packets to the server, the server will respond with s </a:t>
+            </a:r>
+            <a:r>
+              <a:rPr lang="en-US" sz="2000" dirty="0" err="1"/>
+              <a:t>KoD</a:t>
+            </a:r>
+            <a:r>
+              <a:rPr lang="en-US" sz="2000" dirty="0"/>
+              <a:t> packet to the violating host.</a:t>
+            </a:r>
+          </a:p>
+          <a:p>
+            <a:pPr>
+              <a:lnSpc>
+                <a:spcPct val="97000"/>
+              </a:lnSpc>
+              <a:spcAft>
+                <a:spcPts val="1413"/>
+              </a:spcAft>
+              <a:buClr>
+                <a:srgbClr val="FF6309"/>
+              </a:buClr>
+              <a:buSzPct val="45000"/>
+              <a:buFont typeface="Wingdings" charset="0"/>
+              <a:buChar char=""/>
+              <a:defRPr/>
+            </a:pPr>
+            <a:r>
+              <a:rPr lang="en-US" sz="2000" b="1" dirty="0" err="1" smtClean="0">
+                <a:latin typeface="Courier" charset="0"/>
+                <a:ea typeface="Courier" charset="0"/>
+                <a:cs typeface="Courier" charset="0"/>
+              </a:rPr>
+              <a:t>notrap</a:t>
+            </a:r>
+            <a:r>
+              <a:rPr lang="en-US" sz="2000" b="1" dirty="0"/>
+              <a:t>: </a:t>
+            </a:r>
+            <a:r>
+              <a:rPr lang="en-US" sz="2000" dirty="0"/>
+              <a:t>Decline mode 6 control messages. These control messages are used for remote logging programs.</a:t>
+            </a:r>
+          </a:p>
+          <a:p>
+            <a:pPr>
+              <a:lnSpc>
+                <a:spcPct val="97000"/>
+              </a:lnSpc>
+              <a:spcAft>
+                <a:spcPts val="1413"/>
+              </a:spcAft>
+              <a:buClr>
+                <a:srgbClr val="FF6309"/>
+              </a:buClr>
+              <a:buSzPct val="45000"/>
+              <a:buFont typeface="Wingdings" charset="0"/>
+              <a:buChar char=""/>
+              <a:defRPr/>
+            </a:pPr>
+            <a:r>
+              <a:rPr lang="en-US" sz="2000" b="1" dirty="0" err="1" smtClean="0">
+                <a:latin typeface="Courier" charset="0"/>
+                <a:ea typeface="Courier" charset="0"/>
+                <a:cs typeface="Courier" charset="0"/>
+              </a:rPr>
+              <a:t>nomodify</a:t>
+            </a:r>
+            <a:r>
+              <a:rPr lang="en-US" sz="2000" b="1" dirty="0"/>
+              <a:t>: </a:t>
+            </a:r>
+            <a:r>
+              <a:rPr lang="en-US" sz="2000" dirty="0"/>
+              <a:t>Prevents </a:t>
+            </a:r>
+            <a:r>
+              <a:rPr lang="en-US" sz="2000" dirty="0" err="1"/>
+              <a:t>ntpq</a:t>
+            </a:r>
+            <a:r>
+              <a:rPr lang="en-US" sz="2000" dirty="0"/>
+              <a:t> and </a:t>
+            </a:r>
+            <a:r>
+              <a:rPr lang="en-US" sz="2000" dirty="0" err="1"/>
+              <a:t>ntpdc</a:t>
+            </a:r>
+            <a:r>
+              <a:rPr lang="en-US" sz="2000" dirty="0"/>
+              <a:t> queries that would modify the server’s configuration but informational queries are still permitted.</a:t>
+            </a:r>
+          </a:p>
+          <a:p>
+            <a:pPr>
+              <a:lnSpc>
+                <a:spcPct val="97000"/>
+              </a:lnSpc>
+              <a:spcAft>
+                <a:spcPts val="1413"/>
+              </a:spcAft>
+              <a:buClr>
+                <a:srgbClr val="FF6309"/>
+              </a:buClr>
+              <a:buSzPct val="45000"/>
+              <a:buFont typeface="Wingdings" charset="0"/>
+              <a:buChar char=""/>
+              <a:defRPr/>
+            </a:pPr>
+            <a:r>
+              <a:rPr lang="en-US" sz="2000" b="1" dirty="0" err="1" smtClean="0">
+                <a:latin typeface="Courier" charset="0"/>
+                <a:ea typeface="Courier" charset="0"/>
+                <a:cs typeface="Courier" charset="0"/>
+              </a:rPr>
               <a:t>noquery</a:t>
             </a:r>
             <a:r>
@@ -20565,7 +23193,7 @@
 </p:sld>
 </file>
 
-<file path=ppt/slides/slide14.xml><?xml version="1.0" encoding="utf-8"?>
+<file path=ppt/slides/slide15.xml><?xml version="1.0" encoding="utf-8"?>
 <p:sld xmlns:a="http://schemas.openxmlformats.org/drawingml/2006/main" xmlns:r="http://schemas.openxmlformats.org/officeDocument/2006/relationships" xmlns:p="http://schemas.openxmlformats.org/presentationml/2006/main">
   <p:cSld>
     <p:bg>
@@ -22100,7 +24728,7 @@
 </p:sld>
 </file>
 
-<file path=ppt/slides/slide15.xml><?xml version="1.0" encoding="utf-8"?>
+<file path=ppt/slides/slide16.xml><?xml version="1.0" encoding="utf-8"?>
 <p:sld xmlns:a="http://schemas.openxmlformats.org/drawingml/2006/main" xmlns:r="http://schemas.openxmlformats.org/officeDocument/2006/relationships" xmlns:p="http://schemas.openxmlformats.org/presentationml/2006/main">
   <p:cSld>
     <p:bg>
@@ -22986,52 +25614,163 @@
             </a:pPr>
             <a:r>
               <a:rPr lang="en-GB" sz="3200" dirty="0" smtClean="0">
-                <a:latin typeface="Courier New" charset="0"/>
+                <a:latin typeface="Courier" charset="0"/>
+                <a:ea typeface="Courier" charset="0"/>
+                <a:cs typeface="Courier" charset="0"/>
+              </a:rPr>
+              <a:t>$ </a:t>
+            </a:r>
+            <a:r>
+              <a:rPr lang="en-GB" sz="3200" dirty="0" err="1" smtClean="0">
+                <a:latin typeface="Courier" charset="0"/>
+                <a:ea typeface="Courier" charset="0"/>
+                <a:cs typeface="Courier" charset="0"/>
+              </a:rPr>
+              <a:t>sudo</a:t>
+            </a:r>
+            <a:r>
+              <a:rPr lang="en-GB" sz="3200" dirty="0" smtClean="0">
+                <a:latin typeface="Courier" charset="0"/>
+                <a:ea typeface="Courier" charset="0"/>
+                <a:cs typeface="Courier" charset="0"/>
+              </a:rPr>
+              <a:t> /</a:t>
+            </a:r>
+            <a:r>
+              <a:rPr lang="en-GB" sz="3200" dirty="0" err="1" smtClean="0">
+                <a:latin typeface="Courier" charset="0"/>
+                <a:ea typeface="Courier" charset="0"/>
+                <a:cs typeface="Courier" charset="0"/>
+              </a:rPr>
+              <a:t>etc</a:t>
+            </a:r>
+            <a:r>
+              <a:rPr lang="en-GB" sz="3200" dirty="0" smtClean="0">
+                <a:latin typeface="Courier" charset="0"/>
+                <a:ea typeface="Courier" charset="0"/>
+                <a:cs typeface="Courier" charset="0"/>
               </a:rPr>
               <a:t>/</a:t>
             </a:r>
             <a:r>
               <a:rPr lang="en-GB" sz="3200" dirty="0" err="1" smtClean="0">
-                <a:latin typeface="Courier New" charset="0"/>
+                <a:latin typeface="Courier" charset="0"/>
+                <a:ea typeface="Courier" charset="0"/>
+                <a:cs typeface="Courier" charset="0"/>
               </a:rPr>
-              <a:t>etc</a:t>
+              <a:t>init.d</a:t>
             </a:r>
             <a:r>
               <a:rPr lang="en-GB" sz="3200" dirty="0" smtClean="0">
-                <a:latin typeface="Courier New" charset="0"/>
+                <a:latin typeface="Courier" charset="0"/>
+                <a:ea typeface="Courier" charset="0"/>
+                <a:cs typeface="Courier" charset="0"/>
               </a:rPr>
               <a:t>/</a:t>
             </a:r>
             <a:r>
               <a:rPr lang="en-GB" sz="3200" dirty="0" err="1" smtClean="0">
-                <a:latin typeface="Courier New" charset="0"/>
-              </a:rPr>
-              <a:t>init.d</a:t>
-            </a:r>
-            <a:r>
-              <a:rPr lang="en-GB" sz="3200" dirty="0" smtClean="0">
-                <a:latin typeface="Courier New" charset="0"/>
-              </a:rPr>
-              <a:t>/</a:t>
-            </a:r>
-            <a:r>
-              <a:rPr lang="en-GB" sz="3200" dirty="0" err="1" smtClean="0">
-                <a:latin typeface="Courier New" charset="0"/>
+                <a:latin typeface="Courier" charset="0"/>
+                <a:ea typeface="Courier" charset="0"/>
+                <a:cs typeface="Courier" charset="0"/>
               </a:rPr>
               <a:t>ntp</a:t>
             </a:r>
             <a:r>
               <a:rPr lang="en-GB" sz="3200" dirty="0" smtClean="0">
-                <a:latin typeface="Courier New" charset="0"/>
+                <a:latin typeface="Courier" charset="0"/>
+                <a:ea typeface="Courier" charset="0"/>
+                <a:cs typeface="Courier" charset="0"/>
               </a:rPr>
-              <a:t> </a:t>
-            </a:r>
+              <a:t> start</a:t>
+            </a:r>
+          </a:p>
+          <a:p>
+            <a:pPr>
+              <a:lnSpc>
+                <a:spcPct val="83000"/>
+              </a:lnSpc>
+              <a:spcAft>
+                <a:spcPts val="1413"/>
+              </a:spcAft>
+              <a:buClr>
+                <a:srgbClr val="FF6309"/>
+              </a:buClr>
+              <a:buSzPct val="45000"/>
+              <a:buFont typeface="Wingdings" charset="0"/>
+              <a:buChar char=""/>
+              <a:defRPr/>
+            </a:pPr>
             <a:r>
               <a:rPr lang="en-GB" sz="3200" dirty="0" smtClean="0">
-                <a:latin typeface="Courier New" charset="0"/>
+                <a:latin typeface="Courier" charset="0"/>
+                <a:ea typeface="Courier" charset="0"/>
+                <a:cs typeface="Courier" charset="0"/>
               </a:rPr>
-              <a:t>start</a:t>
-            </a:r>
+              <a:t>Or</a:t>
+            </a:r>
+          </a:p>
+          <a:p>
+            <a:pPr>
+              <a:lnSpc>
+                <a:spcPct val="83000"/>
+              </a:lnSpc>
+              <a:spcAft>
+                <a:spcPts val="1413"/>
+              </a:spcAft>
+              <a:buClr>
+                <a:srgbClr val="FF6309"/>
+              </a:buClr>
+              <a:buSzPct val="45000"/>
+              <a:buFont typeface="Wingdings" charset="0"/>
+              <a:buChar char=""/>
+              <a:defRPr/>
+            </a:pPr>
+            <a:r>
+              <a:rPr lang="en-GB" sz="3200" dirty="0" smtClean="0">
+                <a:latin typeface="Courier" charset="0"/>
+                <a:ea typeface="Courier" charset="0"/>
+                <a:cs typeface="Courier" charset="0"/>
+              </a:rPr>
+              <a:t>$ </a:t>
+            </a:r>
+            <a:r>
+              <a:rPr lang="en-GB" sz="3200" dirty="0" err="1" smtClean="0">
+                <a:latin typeface="Courier" charset="0"/>
+                <a:ea typeface="Courier" charset="0"/>
+                <a:cs typeface="Courier" charset="0"/>
+              </a:rPr>
+              <a:t>sudo</a:t>
+            </a:r>
+            <a:r>
+              <a:rPr lang="en-GB" sz="3200" dirty="0" smtClean="0">
+                <a:latin typeface="Courier" charset="0"/>
+                <a:ea typeface="Courier" charset="0"/>
+                <a:cs typeface="Courier" charset="0"/>
+              </a:rPr>
+              <a:t> service </a:t>
+            </a:r>
+            <a:r>
+              <a:rPr lang="en-GB" sz="3200" dirty="0" err="1" smtClean="0">
+                <a:latin typeface="Courier" charset="0"/>
+                <a:ea typeface="Courier" charset="0"/>
+                <a:cs typeface="Courier" charset="0"/>
+              </a:rPr>
+              <a:t>ntp</a:t>
+            </a:r>
+            <a:r>
+              <a:rPr lang="en-GB" sz="3200" dirty="0" smtClean="0">
+                <a:latin typeface="Courier" charset="0"/>
+                <a:ea typeface="Courier" charset="0"/>
+                <a:cs typeface="Courier" charset="0"/>
+              </a:rPr>
+              <a:t> start</a:t>
+            </a:r>
+            <a:endParaRPr lang="en-GB" sz="3200" dirty="0" smtClean="0">
+              <a:latin typeface="Courier" charset="0"/>
+              <a:ea typeface="Courier" charset="0"/>
+              <a:cs typeface="Courier" charset="0"/>
+            </a:endParaRPr>
           </a:p>
           <a:p>
             <a:pPr>
@@ -23095,6 +25834,76 @@
               <a:latin typeface="Trebuchet MS" charset="0"/>
             </a:endParaRPr>
           </a:p>
+          <a:p>
+            <a:pPr>
+              <a:lnSpc>
+                <a:spcPct val="97000"/>
+              </a:lnSpc>
+              <a:spcAft>
+                <a:spcPts val="1413"/>
+              </a:spcAft>
+              <a:buClr>
+                <a:srgbClr val="FF6309"/>
+              </a:buClr>
+              <a:buSzPct val="45000"/>
+              <a:buFont typeface="Wingdings" charset="0"/>
+              <a:buChar char=""/>
+              <a:defRPr/>
+            </a:pPr>
+            <a:r>
+              <a:rPr lang="en-GB" sz="3200" dirty="0" smtClean="0">
+                <a:latin typeface="Courier" charset="0"/>
+                <a:ea typeface="Courier" charset="0"/>
+                <a:cs typeface="Courier" charset="0"/>
+              </a:rPr>
+              <a:t>$ </a:t>
+            </a:r>
+            <a:r>
+              <a:rPr lang="en-GB" sz="3200" dirty="0" err="1" smtClean="0">
+                <a:latin typeface="Courier" charset="0"/>
+                <a:ea typeface="Courier" charset="0"/>
+                <a:cs typeface="Courier" charset="0"/>
+              </a:rPr>
+              <a:t>sudo</a:t>
+            </a:r>
+            <a:r>
+              <a:rPr lang="en-GB" sz="3200" dirty="0" smtClean="0">
+                <a:latin typeface="Courier" charset="0"/>
+                <a:ea typeface="Courier" charset="0"/>
+                <a:cs typeface="Courier" charset="0"/>
+              </a:rPr>
+              <a:t> </a:t>
+            </a:r>
+            <a:r>
+              <a:rPr lang="en-GB" sz="3200" dirty="0" err="1" smtClean="0">
+                <a:latin typeface="Courier" charset="0"/>
+                <a:ea typeface="Courier" charset="0"/>
+                <a:cs typeface="Courier" charset="0"/>
+              </a:rPr>
+              <a:t>ntpq</a:t>
+            </a:r>
+            <a:r>
+              <a:rPr lang="en-GB" sz="3200" dirty="0" smtClean="0">
+                <a:latin typeface="Courier" charset="0"/>
+                <a:ea typeface="Courier" charset="0"/>
+                <a:cs typeface="Courier" charset="0"/>
+              </a:rPr>
+              <a:t> -</a:t>
+            </a:r>
+            <a:r>
+              <a:rPr lang="en-GB" sz="3200" dirty="0" err="1" smtClean="0">
+                <a:latin typeface="Courier" charset="0"/>
+                <a:ea typeface="Courier" charset="0"/>
+                <a:cs typeface="Courier" charset="0"/>
+              </a:rPr>
+              <a:t>pn</a:t>
+            </a:r>
+            <a:endParaRPr lang="en-GB" sz="3200" dirty="0">
+              <a:latin typeface="Courier" charset="0"/>
+              <a:ea typeface="Courier" charset="0"/>
+              <a:cs typeface="Courier" charset="0"/>
+            </a:endParaRPr>
+          </a:p>
         </p:txBody>
       </p:sp>
       <p:sp>
@@ -23105,8 +25914,8 @@
         </p:nvSpPr>
         <p:spPr>
           <a:xfrm>
-            <a:off x="632617" y="3551237"/>
-            <a:ext cx="8973345" cy="2751522"/>
+            <a:off x="1" y="5227637"/>
+            <a:ext cx="10080624" cy="1983107"/>
           </a:xfrm>
           <a:prstGeom prst="rect">
             <a:avLst/>
@@ -23122,49 +25931,89 @@
           <a:lstStyle/>
           <a:p>
             <a:r>
-              <a:rPr lang="is-IS" sz="2000" dirty="0"/>
-              <a:t>ntpq -p</a:t>
+              <a:rPr lang="is-IS" sz="1600" smtClean="0">
+                <a:latin typeface="Courier" charset="0"/>
+                <a:ea typeface="Courier" charset="0"/>
+                <a:cs typeface="Courier" charset="0"/>
+              </a:rPr>
+              <a:t>$ sudo ntpq </a:t>
+            </a:r>
+            <a:r>
+              <a:rPr lang="is-IS" sz="1600" dirty="0">
+                <a:latin typeface="Courier" charset="0"/>
+                <a:ea typeface="Courier" charset="0"/>
+                <a:cs typeface="Courier" charset="0"/>
+              </a:rPr>
+              <a:t>-p</a:t>
             </a:r>
           </a:p>
           <a:p>
             <a:r>
-              <a:rPr lang="is-IS" sz="2000" dirty="0"/>
+              <a:rPr lang="is-IS" sz="1600" dirty="0">
+                <a:latin typeface="Courier" charset="0"/>
+                <a:ea typeface="Courier" charset="0"/>
+                <a:cs typeface="Courier" charset="0"/>
+              </a:rPr>
               <a:t>     remote           refid      st t when poll reach   delay   offset  jitter</a:t>
             </a:r>
           </a:p>
           <a:p>
             <a:r>
-              <a:rPr lang="is-IS" sz="2000" dirty="0"/>
+              <a:rPr lang="is-IS" sz="1600" dirty="0">
+                <a:latin typeface="Courier" charset="0"/>
+                <a:ea typeface="Courier" charset="0"/>
+                <a:cs typeface="Courier" charset="0"/>
+              </a:rPr>
               <a:t>==============================================================================</a:t>
             </a:r>
           </a:p>
           <a:p>
             <a:r>
-              <a:rPr lang="is-IS" sz="2000" dirty="0"/>
+              <a:rPr lang="is-IS" sz="1600" dirty="0">
+                <a:latin typeface="Courier" charset="0"/>
+                <a:ea typeface="Courier" charset="0"/>
+                <a:cs typeface="Courier" charset="0"/>
+              </a:rPr>
               <a:t>*riditt.de       131.188.3.221    2 u   27   64    1  183.792    0.439   0.079</a:t>
             </a:r>
           </a:p>
           <a:p>
             <a:r>
-              <a:rPr lang="is-IS" sz="2000" dirty="0"/>
+              <a:rPr lang="is-IS" sz="1600" dirty="0">
+                <a:latin typeface="Courier" charset="0"/>
+                <a:ea typeface="Courier" charset="0"/>
+                <a:cs typeface="Courier" charset="0"/>
+              </a:rPr>
               <a:t> lofn.fancube.co .INIT.          16 u    -   64    0    0.000    0.000   0.000</a:t>
             </a:r>
           </a:p>
           <a:p>
             <a:r>
-              <a:rPr lang="is-IS" sz="2000" dirty="0"/>
+              <a:rPr lang="is-IS" sz="1600" dirty="0">
+                <a:latin typeface="Courier" charset="0"/>
+                <a:ea typeface="Courier" charset="0"/>
+                <a:cs typeface="Courier" charset="0"/>
+              </a:rPr>
               <a:t> service1-eth3.d 228.143.95.23    2 u   28   64    1  200.457   -1.965   0.035</a:t>
             </a:r>
           </a:p>
           <a:p>
             <a:r>
-              <a:rPr lang="is-IS" sz="2000" dirty="0"/>
+              <a:rPr lang="is-IS" sz="1600" dirty="0">
+                <a:latin typeface="Courier" charset="0"/>
+                <a:ea typeface="Courier" charset="0"/>
+                <a:cs typeface="Courier" charset="0"/>
+              </a:rPr>
               <a:t> makaki.miuku.ne 218.186.3.36     2 u   28   64    1  377.207   -7.893   0.169</a:t>
             </a:r>
           </a:p>
           <a:p>
             <a:r>
-              <a:rPr lang="is-IS" sz="2000" dirty="0"/>
+              <a:rPr lang="is-IS" sz="1600" dirty="0">
+                <a:latin typeface="Courier" charset="0"/>
+                <a:ea typeface="Courier" charset="0"/>
+                <a:cs typeface="Courier" charset="0"/>
+              </a:rPr>
               <a:t> noc.mtg.afnog.o 45.222.43.250    3 u   27   64    1    0.284    1.810   0.040</a:t>
             </a:r>
           </a:p>
@@ -23206,7 +26055,7 @@
 </p:sld>
 </file>
 
-<file path=ppt/slides/slide16.xml><?xml version="1.0" encoding="utf-8"?>
+<file path=ppt/slides/slide17.xml><?xml version="1.0" encoding="utf-8"?>
 <p:sld xmlns:a="http://schemas.openxmlformats.org/drawingml/2006/main" xmlns:r="http://schemas.openxmlformats.org/officeDocument/2006/relationships" xmlns:p="http://schemas.openxmlformats.org/presentationml/2006/main">
   <p:cSld>
     <p:bg>
@@ -35589,15 +38438,27 @@
                 <a:ea typeface="Arial" charset="0"/>
                 <a:cs typeface="Arial" charset="0"/>
               </a:rPr>
-              <a:t>The configuration file for NTP is stored at ‘/</a:t>
+              <a:t>The configuration file for NTP is stored at </a:t>
+            </a:r>
+            <a:r>
+              <a:rPr lang="en-US" altLang="x-none" sz="2800" dirty="0" smtClean="0">
+                <a:solidFill>
+                  <a:srgbClr val="000000"/>
+                </a:solidFill>
+                <a:latin typeface="Courier" charset="0"/>
+                <a:ea typeface="Courier" charset="0"/>
+                <a:cs typeface="Courier" charset="0"/>
+              </a:rPr>
+              <a:t>‘/</a:t>
             </a:r>
             <a:r>
               <a:rPr lang="en-US" altLang="x-none" sz="2800" dirty="0" err="1" smtClean="0">
                 <a:solidFill>
                   <a:srgbClr val="000000"/>
                 </a:solidFill>
-                <a:ea typeface="Arial" charset="0"/>
-                <a:cs typeface="Arial" charset="0"/>
+                <a:latin typeface="Courier" charset="0"/>
+                <a:ea typeface="Courier" charset="0"/>
+                <a:cs typeface="Courier" charset="0"/>
               </a:rPr>
               <a:t>etc</a:t>
             </a:r>
@@ -35606,8 +38467,9 @@
                 <a:solidFill>
                   <a:srgbClr val="000000"/>
                 </a:solidFill>
-                <a:ea typeface="Arial" charset="0"/>
-                <a:cs typeface="Arial" charset="0"/>
+                <a:latin typeface="Courier" charset="0"/>
+                <a:ea typeface="Courier" charset="0"/>
+                <a:cs typeface="Courier" charset="0"/>
               </a:rPr>
               <a:t>/</a:t>
             </a:r>
@@ -35616,8 +38478,9 @@
                 <a:solidFill>
                   <a:srgbClr val="000000"/>
                 </a:solidFill>
-                <a:ea typeface="Arial" charset="0"/>
-                <a:cs typeface="Arial" charset="0"/>
+                <a:latin typeface="Courier" charset="0"/>
+                <a:ea typeface="Courier" charset="0"/>
+                <a:cs typeface="Courier" charset="0"/>
               </a:rPr>
               <a:t>ntp.conf</a:t>
             </a:r>

--- a/sse/ntp/ntp-service.pptx
+++ b/sse/ntp/ntp-service.pptx
@@ -278,7 +278,7 @@
           <a:effectLst/>
           <a:extLst>
             <a:ext uri="{91240B29-F687-4f45-9708-019B960494DF}">
-              <a14:hiddenLine xmlns:a14="http://schemas.microsoft.com/office/drawing/2010/main" xmlns="" w="9360" cap="sq">
+              <a14:hiddenLine xmlns="" xmlns:a14="http://schemas.microsoft.com/office/drawing/2010/main" w="9360" cap="sq">
                 <a:solidFill>
                   <a:srgbClr val="000000"/>
                 </a:solidFill>
@@ -288,7 +288,7 @@
               </a14:hiddenLine>
             </a:ext>
             <a:ext uri="{AF507438-7753-43e0-B8FC-AC1667EBCBE1}">
-              <a14:hiddenEffects xmlns:a14="http://schemas.microsoft.com/office/drawing/2010/main" xmlns="">
+              <a14:hiddenEffects xmlns="" xmlns:a14="http://schemas.microsoft.com/office/drawing/2010/main">
                 <a:effectLst>
                   <a:outerShdw blurRad="63500" dist="38099" dir="2700000" algn="ctr" rotWithShape="0">
                     <a:srgbClr val="000000">
@@ -341,7 +341,7 @@
           <a:effectLst/>
           <a:extLst>
             <a:ext uri="{91240B29-F687-4f45-9708-019B960494DF}">
-              <a14:hiddenLine xmlns:a14="http://schemas.microsoft.com/office/drawing/2010/main" xmlns="" w="9525" cap="flat">
+              <a14:hiddenLine xmlns="" xmlns:a14="http://schemas.microsoft.com/office/drawing/2010/main" w="9525" cap="flat">
                 <a:solidFill>
                   <a:srgbClr val="3465A4"/>
                 </a:solidFill>
@@ -351,7 +351,7 @@
               </a14:hiddenLine>
             </a:ext>
             <a:ext uri="{AF507438-7753-43e0-B8FC-AC1667EBCBE1}">
-              <a14:hiddenEffects xmlns:a14="http://schemas.microsoft.com/office/drawing/2010/main" xmlns="">
+              <a14:hiddenEffects xmlns="" xmlns:a14="http://schemas.microsoft.com/office/drawing/2010/main">
                 <a:effectLst>
                   <a:outerShdw blurRad="63500" dist="38099" dir="2700000" algn="ctr" rotWithShape="0">
                     <a:srgbClr val="000000">
@@ -405,14 +405,14 @@
               <ma14:placeholderFlag xmlns:ma14="http://schemas.microsoft.com/office/mac/drawingml/2011/main" val="1"/>
             </a:ext>
             <a:ext uri="{909E8E84-426E-40dd-AFC4-6F175D3DCCD1}">
-              <a14:hiddenFill xmlns:a14="http://schemas.microsoft.com/office/drawing/2010/main" xmlns="">
+              <a14:hiddenFill xmlns="" xmlns:a14="http://schemas.microsoft.com/office/drawing/2010/main">
                 <a:solidFill>
                   <a:srgbClr val="FFFFFF"/>
                 </a:solidFill>
               </a14:hiddenFill>
             </a:ext>
             <a:ext uri="{91240B29-F687-4f45-9708-019B960494DF}">
-              <a14:hiddenLine xmlns:a14="http://schemas.microsoft.com/office/drawing/2010/main" xmlns="" w="9525" cap="flat">
+              <a14:hiddenLine xmlns="" xmlns:a14="http://schemas.microsoft.com/office/drawing/2010/main" w="9525" cap="flat">
                 <a:solidFill>
                   <a:srgbClr val="3465A4"/>
                 </a:solidFill>
@@ -422,7 +422,7 @@
               </a14:hiddenLine>
             </a:ext>
             <a:ext uri="{AF507438-7753-43e0-B8FC-AC1667EBCBE1}">
-              <a14:hiddenEffects xmlns:a14="http://schemas.microsoft.com/office/drawing/2010/main" xmlns="">
+              <a14:hiddenEffects xmlns="" xmlns:a14="http://schemas.microsoft.com/office/drawing/2010/main">
                 <a:effectLst>
                   <a:outerShdw blurRad="63500" dist="38099" dir="2700000" algn="ctr" rotWithShape="0">
                     <a:schemeClr val="bg2">
@@ -463,14 +463,14 @@
               <ma14:placeholderFlag xmlns:ma14="http://schemas.microsoft.com/office/mac/drawingml/2011/main" val="1"/>
             </a:ext>
             <a:ext uri="{909E8E84-426E-40dd-AFC4-6F175D3DCCD1}">
-              <a14:hiddenFill xmlns:a14="http://schemas.microsoft.com/office/drawing/2010/main" xmlns="">
+              <a14:hiddenFill xmlns="" xmlns:a14="http://schemas.microsoft.com/office/drawing/2010/main">
                 <a:solidFill>
                   <a:srgbClr val="FFFFFF"/>
                 </a:solidFill>
               </a14:hiddenFill>
             </a:ext>
             <a:ext uri="{91240B29-F687-4f45-9708-019B960494DF}">
-              <a14:hiddenLine xmlns:a14="http://schemas.microsoft.com/office/drawing/2010/main" xmlns="" w="9525" cap="flat">
+              <a14:hiddenLine xmlns="" xmlns:a14="http://schemas.microsoft.com/office/drawing/2010/main" w="9525" cap="flat">
                 <a:solidFill>
                   <a:srgbClr val="3465A4"/>
                 </a:solidFill>
@@ -480,7 +480,7 @@
               </a14:hiddenLine>
             </a:ext>
             <a:ext uri="{AF507438-7753-43e0-B8FC-AC1667EBCBE1}">
-              <a14:hiddenEffects xmlns:a14="http://schemas.microsoft.com/office/drawing/2010/main" xmlns="">
+              <a14:hiddenEffects xmlns="" xmlns:a14="http://schemas.microsoft.com/office/drawing/2010/main">
                 <a:effectLst>
                   <a:outerShdw blurRad="63500" dist="38099" dir="2700000" algn="ctr" rotWithShape="0">
                     <a:schemeClr val="bg2">
@@ -528,14 +528,14 @@
           <a:effectLst/>
           <a:extLst>
             <a:ext uri="{909E8E84-426E-40dd-AFC4-6F175D3DCCD1}">
-              <a14:hiddenFill xmlns:a14="http://schemas.microsoft.com/office/drawing/2010/main" xmlns="">
+              <a14:hiddenFill xmlns="" xmlns:a14="http://schemas.microsoft.com/office/drawing/2010/main">
                 <a:solidFill>
                   <a:srgbClr val="FFFFFF"/>
                 </a:solidFill>
               </a14:hiddenFill>
             </a:ext>
             <a:ext uri="{91240B29-F687-4f45-9708-019B960494DF}">
-              <a14:hiddenLine xmlns:a14="http://schemas.microsoft.com/office/drawing/2010/main" xmlns="" w="9525" cap="flat">
+              <a14:hiddenLine xmlns="" xmlns:a14="http://schemas.microsoft.com/office/drawing/2010/main" w="9525" cap="flat">
                 <a:solidFill>
                   <a:srgbClr val="3465A4"/>
                 </a:solidFill>
@@ -545,7 +545,7 @@
               </a14:hiddenLine>
             </a:ext>
             <a:ext uri="{AF507438-7753-43e0-B8FC-AC1667EBCBE1}">
-              <a14:hiddenEffects xmlns:a14="http://schemas.microsoft.com/office/drawing/2010/main" xmlns="">
+              <a14:hiddenEffects xmlns="" xmlns:a14="http://schemas.microsoft.com/office/drawing/2010/main">
                 <a:effectLst>
                   <a:outerShdw blurRad="63500" dist="38099" dir="2700000" algn="ctr" rotWithShape="0">
                     <a:srgbClr val="000000">
@@ -594,14 +594,14 @@
           <a:effectLst/>
           <a:extLst>
             <a:ext uri="{909E8E84-426E-40dd-AFC4-6F175D3DCCD1}">
-              <a14:hiddenFill xmlns:a14="http://schemas.microsoft.com/office/drawing/2010/main" xmlns="">
+              <a14:hiddenFill xmlns="" xmlns:a14="http://schemas.microsoft.com/office/drawing/2010/main">
                 <a:solidFill>
                   <a:srgbClr val="FFFFFF"/>
                 </a:solidFill>
               </a14:hiddenFill>
             </a:ext>
             <a:ext uri="{91240B29-F687-4f45-9708-019B960494DF}">
-              <a14:hiddenLine xmlns:a14="http://schemas.microsoft.com/office/drawing/2010/main" xmlns="" w="9525" cap="flat">
+              <a14:hiddenLine xmlns="" xmlns:a14="http://schemas.microsoft.com/office/drawing/2010/main" w="9525" cap="flat">
                 <a:solidFill>
                   <a:srgbClr val="3465A4"/>
                 </a:solidFill>
@@ -611,7 +611,7 @@
               </a14:hiddenLine>
             </a:ext>
             <a:ext uri="{AF507438-7753-43e0-B8FC-AC1667EBCBE1}">
-              <a14:hiddenEffects xmlns:a14="http://schemas.microsoft.com/office/drawing/2010/main" xmlns="">
+              <a14:hiddenEffects xmlns="" xmlns:a14="http://schemas.microsoft.com/office/drawing/2010/main">
                 <a:effectLst>
                   <a:outerShdw blurRad="63500" dist="38099" dir="2700000" algn="ctr" rotWithShape="0">
                     <a:srgbClr val="000000">
@@ -660,14 +660,14 @@
           <a:effectLst/>
           <a:extLst>
             <a:ext uri="{909E8E84-426E-40dd-AFC4-6F175D3DCCD1}">
-              <a14:hiddenFill xmlns:a14="http://schemas.microsoft.com/office/drawing/2010/main" xmlns="">
+              <a14:hiddenFill xmlns="" xmlns:a14="http://schemas.microsoft.com/office/drawing/2010/main">
                 <a:solidFill>
                   <a:srgbClr val="FFFFFF"/>
                 </a:solidFill>
               </a14:hiddenFill>
             </a:ext>
             <a:ext uri="{91240B29-F687-4f45-9708-019B960494DF}">
-              <a14:hiddenLine xmlns:a14="http://schemas.microsoft.com/office/drawing/2010/main" xmlns="" w="9525" cap="flat">
+              <a14:hiddenLine xmlns="" xmlns:a14="http://schemas.microsoft.com/office/drawing/2010/main" w="9525" cap="flat">
                 <a:solidFill>
                   <a:srgbClr val="3465A4"/>
                 </a:solidFill>
@@ -677,7 +677,7 @@
               </a14:hiddenLine>
             </a:ext>
             <a:ext uri="{AF507438-7753-43e0-B8FC-AC1667EBCBE1}">
-              <a14:hiddenEffects xmlns:a14="http://schemas.microsoft.com/office/drawing/2010/main" xmlns="">
+              <a14:hiddenEffects xmlns="" xmlns:a14="http://schemas.microsoft.com/office/drawing/2010/main">
                 <a:effectLst>
                   <a:outerShdw blurRad="63500" dist="38099" dir="2700000" algn="ctr" rotWithShape="0">
                     <a:srgbClr val="000000">
@@ -731,14 +731,14 @@
               <ma14:placeholderFlag xmlns:ma14="http://schemas.microsoft.com/office/mac/drawingml/2011/main" val="1"/>
             </a:ext>
             <a:ext uri="{909E8E84-426E-40dd-AFC4-6F175D3DCCD1}">
-              <a14:hiddenFill xmlns:a14="http://schemas.microsoft.com/office/drawing/2010/main" xmlns="">
+              <a14:hiddenFill xmlns="" xmlns:a14="http://schemas.microsoft.com/office/drawing/2010/main">
                 <a:solidFill>
                   <a:srgbClr val="FFFFFF"/>
                 </a:solidFill>
               </a14:hiddenFill>
             </a:ext>
             <a:ext uri="{91240B29-F687-4f45-9708-019B960494DF}">
-              <a14:hiddenLine xmlns:a14="http://schemas.microsoft.com/office/drawing/2010/main" xmlns="" w="9525" cap="flat">
+              <a14:hiddenLine xmlns="" xmlns:a14="http://schemas.microsoft.com/office/drawing/2010/main" w="9525" cap="flat">
                 <a:solidFill>
                   <a:srgbClr val="3465A4"/>
                 </a:solidFill>
@@ -748,7 +748,7 @@
               </a14:hiddenLine>
             </a:ext>
             <a:ext uri="{AF507438-7753-43e0-B8FC-AC1667EBCBE1}">
-              <a14:hiddenEffects xmlns:a14="http://schemas.microsoft.com/office/drawing/2010/main" xmlns="">
+              <a14:hiddenEffects xmlns="" xmlns:a14="http://schemas.microsoft.com/office/drawing/2010/main">
                 <a:effectLst>
                   <a:outerShdw blurRad="63500" dist="38099" dir="2700000" algn="ctr" rotWithShape="0">
                     <a:schemeClr val="bg2">
@@ -1004,14 +1004,14 @@
         <p:spPr>
           <a:extLst>
             <a:ext uri="{909E8E84-426E-40dd-AFC4-6F175D3DCCD1}">
-              <a14:hiddenFill xmlns:a14="http://schemas.microsoft.com/office/drawing/2010/main" xmlns="">
+              <a14:hiddenFill xmlns="" xmlns:a14="http://schemas.microsoft.com/office/drawing/2010/main">
                 <a:solidFill>
                   <a:srgbClr val="FFFFFF"/>
                 </a:solidFill>
               </a14:hiddenFill>
             </a:ext>
             <a:ext uri="{91240B29-F687-4f45-9708-019B960494DF}">
-              <a14:hiddenLine xmlns:a14="http://schemas.microsoft.com/office/drawing/2010/main" xmlns="" w="9525" cap="flat">
+              <a14:hiddenLine xmlns="" xmlns:a14="http://schemas.microsoft.com/office/drawing/2010/main" w="9525" cap="flat">
                 <a:solidFill>
                   <a:srgbClr val="3465A4"/>
                 </a:solidFill>
@@ -1021,7 +1021,7 @@
               </a14:hiddenLine>
             </a:ext>
             <a:ext uri="{AF507438-7753-43e0-B8FC-AC1667EBCBE1}">
-              <a14:hiddenEffects xmlns:a14="http://schemas.microsoft.com/office/drawing/2010/main" xmlns="">
+              <a14:hiddenEffects xmlns="" xmlns:a14="http://schemas.microsoft.com/office/drawing/2010/main">
                 <a:effectLst>
                   <a:outerShdw blurRad="63500" dist="38099" dir="2700000" algn="ctr" rotWithShape="0">
                     <a:schemeClr val="bg2">
@@ -1425,14 +1425,14 @@
           <a:effectLst/>
           <a:extLst>
             <a:ext uri="{909E8E84-426E-40dd-AFC4-6F175D3DCCD1}">
-              <a14:hiddenFill xmlns:a14="http://schemas.microsoft.com/office/drawing/2010/main" xmlns="">
+              <a14:hiddenFill xmlns="" xmlns:a14="http://schemas.microsoft.com/office/drawing/2010/main">
                 <a:solidFill>
                   <a:srgbClr val="FFFFFF"/>
                 </a:solidFill>
               </a14:hiddenFill>
             </a:ext>
             <a:ext uri="{91240B29-F687-4f45-9708-019B960494DF}">
-              <a14:hiddenLine xmlns:a14="http://schemas.microsoft.com/office/drawing/2010/main" xmlns="" w="9525" cap="flat">
+              <a14:hiddenLine xmlns="" xmlns:a14="http://schemas.microsoft.com/office/drawing/2010/main" w="9525" cap="flat">
                 <a:solidFill>
                   <a:srgbClr val="3465A4"/>
                 </a:solidFill>
@@ -1442,7 +1442,7 @@
               </a14:hiddenLine>
             </a:ext>
             <a:ext uri="{AF507438-7753-43e0-B8FC-AC1667EBCBE1}">
-              <a14:hiddenEffects xmlns:a14="http://schemas.microsoft.com/office/drawing/2010/main" xmlns="">
+              <a14:hiddenEffects xmlns="" xmlns:a14="http://schemas.microsoft.com/office/drawing/2010/main">
                 <a:effectLst>
                   <a:outerShdw blurRad="63500" dist="38099" dir="2700000" algn="ctr" rotWithShape="0">
                     <a:srgbClr val="000000">
@@ -1861,7 +1861,7 @@
           </a:ln>
           <a:extLst>
             <a:ext uri="{AF507438-7753-43e0-B8FC-AC1667EBCBE1}">
-              <a14:hiddenEffects xmlns:a14="http://schemas.microsoft.com/office/drawing/2010/main" xmlns="">
+              <a14:hiddenEffects xmlns="" xmlns:a14="http://schemas.microsoft.com/office/drawing/2010/main">
                 <a:effectLst>
                   <a:outerShdw blurRad="63500" dist="38099" dir="2700000" algn="ctr" rotWithShape="0">
                     <a:srgbClr val="000000">
@@ -1897,14 +1897,14 @@
           <a:effectLst/>
           <a:extLst>
             <a:ext uri="{909E8E84-426E-40dd-AFC4-6F175D3DCCD1}">
-              <a14:hiddenFill xmlns:a14="http://schemas.microsoft.com/office/drawing/2010/main" xmlns="">
+              <a14:hiddenFill xmlns="" xmlns:a14="http://schemas.microsoft.com/office/drawing/2010/main">
                 <a:solidFill>
                   <a:srgbClr val="FFFFFF"/>
                 </a:solidFill>
               </a14:hiddenFill>
             </a:ext>
             <a:ext uri="{91240B29-F687-4f45-9708-019B960494DF}">
-              <a14:hiddenLine xmlns:a14="http://schemas.microsoft.com/office/drawing/2010/main" xmlns="" w="9525" cap="flat">
+              <a14:hiddenLine xmlns="" xmlns:a14="http://schemas.microsoft.com/office/drawing/2010/main" w="9525" cap="flat">
                 <a:solidFill>
                   <a:srgbClr val="3465A4"/>
                 </a:solidFill>
@@ -1914,7 +1914,7 @@
               </a14:hiddenLine>
             </a:ext>
             <a:ext uri="{AF507438-7753-43e0-B8FC-AC1667EBCBE1}">
-              <a14:hiddenEffects xmlns:a14="http://schemas.microsoft.com/office/drawing/2010/main" xmlns="">
+              <a14:hiddenEffects xmlns="" xmlns:a14="http://schemas.microsoft.com/office/drawing/2010/main">
                 <a:effectLst>
                   <a:outerShdw blurRad="63500" dist="38099" dir="2700000" algn="ctr" rotWithShape="0">
                     <a:srgbClr val="000000">
@@ -1986,14 +1986,14 @@
         <p:spPr>
           <a:extLst>
             <a:ext uri="{909E8E84-426E-40dd-AFC4-6F175D3DCCD1}">
-              <a14:hiddenFill xmlns:a14="http://schemas.microsoft.com/office/drawing/2010/main" xmlns="">
+              <a14:hiddenFill xmlns="" xmlns:a14="http://schemas.microsoft.com/office/drawing/2010/main">
                 <a:solidFill>
                   <a:srgbClr val="FFFFFF"/>
                 </a:solidFill>
               </a14:hiddenFill>
             </a:ext>
             <a:ext uri="{91240B29-F687-4f45-9708-019B960494DF}">
-              <a14:hiddenLine xmlns:a14="http://schemas.microsoft.com/office/drawing/2010/main" xmlns="" w="9525" cap="flat">
+              <a14:hiddenLine xmlns="" xmlns:a14="http://schemas.microsoft.com/office/drawing/2010/main" w="9525" cap="flat">
                 <a:solidFill>
                   <a:srgbClr val="3465A4"/>
                 </a:solidFill>
@@ -2003,7 +2003,7 @@
               </a14:hiddenLine>
             </a:ext>
             <a:ext uri="{AF507438-7753-43e0-B8FC-AC1667EBCBE1}">
-              <a14:hiddenEffects xmlns:a14="http://schemas.microsoft.com/office/drawing/2010/main" xmlns="">
+              <a14:hiddenEffects xmlns="" xmlns:a14="http://schemas.microsoft.com/office/drawing/2010/main">
                 <a:effectLst>
                   <a:outerShdw blurRad="63500" dist="38099" dir="2700000" algn="ctr" rotWithShape="0">
                     <a:schemeClr val="bg2">
@@ -2412,7 +2412,7 @@
           </a:ln>
           <a:extLst>
             <a:ext uri="{AF507438-7753-43e0-B8FC-AC1667EBCBE1}">
-              <a14:hiddenEffects xmlns:a14="http://schemas.microsoft.com/office/drawing/2010/main" xmlns="">
+              <a14:hiddenEffects xmlns="" xmlns:a14="http://schemas.microsoft.com/office/drawing/2010/main">
                 <a:effectLst>
                   <a:outerShdw blurRad="63500" dist="38099" dir="2700000" algn="ctr" rotWithShape="0">
                     <a:srgbClr val="000000">
@@ -2448,14 +2448,14 @@
           <a:effectLst/>
           <a:extLst>
             <a:ext uri="{909E8E84-426E-40dd-AFC4-6F175D3DCCD1}">
-              <a14:hiddenFill xmlns:a14="http://schemas.microsoft.com/office/drawing/2010/main" xmlns="">
+              <a14:hiddenFill xmlns="" xmlns:a14="http://schemas.microsoft.com/office/drawing/2010/main">
                 <a:solidFill>
                   <a:srgbClr val="FFFFFF"/>
                 </a:solidFill>
               </a14:hiddenFill>
             </a:ext>
             <a:ext uri="{91240B29-F687-4f45-9708-019B960494DF}">
-              <a14:hiddenLine xmlns:a14="http://schemas.microsoft.com/office/drawing/2010/main" xmlns="" w="9525" cap="flat">
+              <a14:hiddenLine xmlns="" xmlns:a14="http://schemas.microsoft.com/office/drawing/2010/main" w="9525" cap="flat">
                 <a:solidFill>
                   <a:srgbClr val="3465A4"/>
                 </a:solidFill>
@@ -2465,7 +2465,7 @@
               </a14:hiddenLine>
             </a:ext>
             <a:ext uri="{AF507438-7753-43e0-B8FC-AC1667EBCBE1}">
-              <a14:hiddenEffects xmlns:a14="http://schemas.microsoft.com/office/drawing/2010/main" xmlns="">
+              <a14:hiddenEffects xmlns="" xmlns:a14="http://schemas.microsoft.com/office/drawing/2010/main">
                 <a:effectLst>
                   <a:outerShdw blurRad="63500" dist="38099" dir="2700000" algn="ctr" rotWithShape="0">
                     <a:srgbClr val="000000">
@@ -2542,14 +2542,14 @@
         <p:spPr>
           <a:extLst>
             <a:ext uri="{909E8E84-426E-40dd-AFC4-6F175D3DCCD1}">
-              <a14:hiddenFill xmlns:a14="http://schemas.microsoft.com/office/drawing/2010/main" xmlns="">
+              <a14:hiddenFill xmlns="" xmlns:a14="http://schemas.microsoft.com/office/drawing/2010/main">
                 <a:solidFill>
                   <a:srgbClr val="FFFFFF"/>
                 </a:solidFill>
               </a14:hiddenFill>
             </a:ext>
             <a:ext uri="{91240B29-F687-4f45-9708-019B960494DF}">
-              <a14:hiddenLine xmlns:a14="http://schemas.microsoft.com/office/drawing/2010/main" xmlns="" w="9525" cap="flat">
+              <a14:hiddenLine xmlns="" xmlns:a14="http://schemas.microsoft.com/office/drawing/2010/main" w="9525" cap="flat">
                 <a:solidFill>
                   <a:srgbClr val="3465A4"/>
                 </a:solidFill>
@@ -2559,7 +2559,7 @@
               </a14:hiddenLine>
             </a:ext>
             <a:ext uri="{AF507438-7753-43e0-B8FC-AC1667EBCBE1}">
-              <a14:hiddenEffects xmlns:a14="http://schemas.microsoft.com/office/drawing/2010/main" xmlns="">
+              <a14:hiddenEffects xmlns="" xmlns:a14="http://schemas.microsoft.com/office/drawing/2010/main">
                 <a:effectLst>
                   <a:outerShdw blurRad="63500" dist="38099" dir="2700000" algn="ctr" rotWithShape="0">
                     <a:schemeClr val="bg2">
@@ -2968,7 +2968,7 @@
           </a:ln>
           <a:extLst>
             <a:ext uri="{AF507438-7753-43e0-B8FC-AC1667EBCBE1}">
-              <a14:hiddenEffects xmlns:a14="http://schemas.microsoft.com/office/drawing/2010/main" xmlns="">
+              <a14:hiddenEffects xmlns="" xmlns:a14="http://schemas.microsoft.com/office/drawing/2010/main">
                 <a:effectLst>
                   <a:outerShdw blurRad="63500" dist="38099" dir="2700000" algn="ctr" rotWithShape="0">
                     <a:srgbClr val="000000">
@@ -3004,14 +3004,14 @@
           <a:effectLst/>
           <a:extLst>
             <a:ext uri="{909E8E84-426E-40dd-AFC4-6F175D3DCCD1}">
-              <a14:hiddenFill xmlns:a14="http://schemas.microsoft.com/office/drawing/2010/main" xmlns="">
+              <a14:hiddenFill xmlns="" xmlns:a14="http://schemas.microsoft.com/office/drawing/2010/main">
                 <a:solidFill>
                   <a:srgbClr val="FFFFFF"/>
                 </a:solidFill>
               </a14:hiddenFill>
             </a:ext>
             <a:ext uri="{91240B29-F687-4f45-9708-019B960494DF}">
-              <a14:hiddenLine xmlns:a14="http://schemas.microsoft.com/office/drawing/2010/main" xmlns="" w="9525" cap="flat">
+              <a14:hiddenLine xmlns="" xmlns:a14="http://schemas.microsoft.com/office/drawing/2010/main" w="9525" cap="flat">
                 <a:solidFill>
                   <a:srgbClr val="3465A4"/>
                 </a:solidFill>
@@ -3021,7 +3021,7 @@
               </a14:hiddenLine>
             </a:ext>
             <a:ext uri="{AF507438-7753-43e0-B8FC-AC1667EBCBE1}">
-              <a14:hiddenEffects xmlns:a14="http://schemas.microsoft.com/office/drawing/2010/main" xmlns="">
+              <a14:hiddenEffects xmlns="" xmlns:a14="http://schemas.microsoft.com/office/drawing/2010/main">
                 <a:effectLst>
                   <a:outerShdw blurRad="63500" dist="38099" dir="2700000" algn="ctr" rotWithShape="0">
                     <a:srgbClr val="000000">
@@ -3093,14 +3093,14 @@
         <p:spPr>
           <a:extLst>
             <a:ext uri="{909E8E84-426E-40dd-AFC4-6F175D3DCCD1}">
-              <a14:hiddenFill xmlns:a14="http://schemas.microsoft.com/office/drawing/2010/main" xmlns="">
+              <a14:hiddenFill xmlns="" xmlns:a14="http://schemas.microsoft.com/office/drawing/2010/main">
                 <a:solidFill>
                   <a:srgbClr val="FFFFFF"/>
                 </a:solidFill>
               </a14:hiddenFill>
             </a:ext>
             <a:ext uri="{91240B29-F687-4f45-9708-019B960494DF}">
-              <a14:hiddenLine xmlns:a14="http://schemas.microsoft.com/office/drawing/2010/main" xmlns="" w="9525" cap="flat">
+              <a14:hiddenLine xmlns="" xmlns:a14="http://schemas.microsoft.com/office/drawing/2010/main" w="9525" cap="flat">
                 <a:solidFill>
                   <a:srgbClr val="3465A4"/>
                 </a:solidFill>
@@ -3110,7 +3110,7 @@
               </a14:hiddenLine>
             </a:ext>
             <a:ext uri="{AF507438-7753-43e0-B8FC-AC1667EBCBE1}">
-              <a14:hiddenEffects xmlns:a14="http://schemas.microsoft.com/office/drawing/2010/main" xmlns="">
+              <a14:hiddenEffects xmlns="" xmlns:a14="http://schemas.microsoft.com/office/drawing/2010/main">
                 <a:effectLst>
                   <a:outerShdw blurRad="63500" dist="38099" dir="2700000" algn="ctr" rotWithShape="0">
                     <a:schemeClr val="bg2">
@@ -3519,7 +3519,7 @@
           </a:ln>
           <a:extLst>
             <a:ext uri="{AF507438-7753-43e0-B8FC-AC1667EBCBE1}">
-              <a14:hiddenEffects xmlns:a14="http://schemas.microsoft.com/office/drawing/2010/main" xmlns="">
+              <a14:hiddenEffects xmlns="" xmlns:a14="http://schemas.microsoft.com/office/drawing/2010/main">
                 <a:effectLst>
                   <a:outerShdw blurRad="63500" dist="38099" dir="2700000" algn="ctr" rotWithShape="0">
                     <a:srgbClr val="000000">
@@ -3555,14 +3555,14 @@
           <a:effectLst/>
           <a:extLst>
             <a:ext uri="{909E8E84-426E-40dd-AFC4-6F175D3DCCD1}">
-              <a14:hiddenFill xmlns:a14="http://schemas.microsoft.com/office/drawing/2010/main" xmlns="">
+              <a14:hiddenFill xmlns="" xmlns:a14="http://schemas.microsoft.com/office/drawing/2010/main">
                 <a:solidFill>
                   <a:srgbClr val="FFFFFF"/>
                 </a:solidFill>
               </a14:hiddenFill>
             </a:ext>
             <a:ext uri="{91240B29-F687-4f45-9708-019B960494DF}">
-              <a14:hiddenLine xmlns:a14="http://schemas.microsoft.com/office/drawing/2010/main" xmlns="" w="9525" cap="flat">
+              <a14:hiddenLine xmlns="" xmlns:a14="http://schemas.microsoft.com/office/drawing/2010/main" w="9525" cap="flat">
                 <a:solidFill>
                   <a:srgbClr val="3465A4"/>
                 </a:solidFill>
@@ -3572,7 +3572,7 @@
               </a14:hiddenLine>
             </a:ext>
             <a:ext uri="{AF507438-7753-43e0-B8FC-AC1667EBCBE1}">
-              <a14:hiddenEffects xmlns:a14="http://schemas.microsoft.com/office/drawing/2010/main" xmlns="">
+              <a14:hiddenEffects xmlns="" xmlns:a14="http://schemas.microsoft.com/office/drawing/2010/main">
                 <a:effectLst>
                   <a:outerShdw blurRad="63500" dist="38099" dir="2700000" algn="ctr" rotWithShape="0">
                     <a:srgbClr val="000000">
@@ -3649,14 +3649,14 @@
         <p:spPr>
           <a:extLst>
             <a:ext uri="{909E8E84-426E-40dd-AFC4-6F175D3DCCD1}">
-              <a14:hiddenFill xmlns:a14="http://schemas.microsoft.com/office/drawing/2010/main" xmlns="">
+              <a14:hiddenFill xmlns="" xmlns:a14="http://schemas.microsoft.com/office/drawing/2010/main">
                 <a:solidFill>
                   <a:srgbClr val="FFFFFF"/>
                 </a:solidFill>
               </a14:hiddenFill>
             </a:ext>
             <a:ext uri="{91240B29-F687-4f45-9708-019B960494DF}">
-              <a14:hiddenLine xmlns:a14="http://schemas.microsoft.com/office/drawing/2010/main" xmlns="" w="9525" cap="flat">
+              <a14:hiddenLine xmlns="" xmlns:a14="http://schemas.microsoft.com/office/drawing/2010/main" w="9525" cap="flat">
                 <a:solidFill>
                   <a:srgbClr val="3465A4"/>
                 </a:solidFill>
@@ -3666,7 +3666,7 @@
               </a14:hiddenLine>
             </a:ext>
             <a:ext uri="{AF507438-7753-43e0-B8FC-AC1667EBCBE1}">
-              <a14:hiddenEffects xmlns:a14="http://schemas.microsoft.com/office/drawing/2010/main" xmlns="">
+              <a14:hiddenEffects xmlns="" xmlns:a14="http://schemas.microsoft.com/office/drawing/2010/main">
                 <a:effectLst>
                   <a:outerShdw blurRad="63500" dist="38099" dir="2700000" algn="ctr" rotWithShape="0">
                     <a:schemeClr val="bg2">
@@ -4075,7 +4075,7 @@
           </a:ln>
           <a:extLst>
             <a:ext uri="{AF507438-7753-43e0-B8FC-AC1667EBCBE1}">
-              <a14:hiddenEffects xmlns:a14="http://schemas.microsoft.com/office/drawing/2010/main" xmlns="">
+              <a14:hiddenEffects xmlns="" xmlns:a14="http://schemas.microsoft.com/office/drawing/2010/main">
                 <a:effectLst>
                   <a:outerShdw blurRad="63500" dist="38099" dir="2700000" algn="ctr" rotWithShape="0">
                     <a:srgbClr val="000000">
@@ -4111,14 +4111,14 @@
           <a:effectLst/>
           <a:extLst>
             <a:ext uri="{909E8E84-426E-40dd-AFC4-6F175D3DCCD1}">
-              <a14:hiddenFill xmlns:a14="http://schemas.microsoft.com/office/drawing/2010/main" xmlns="">
+              <a14:hiddenFill xmlns="" xmlns:a14="http://schemas.microsoft.com/office/drawing/2010/main">
                 <a:solidFill>
                   <a:srgbClr val="FFFFFF"/>
                 </a:solidFill>
               </a14:hiddenFill>
             </a:ext>
             <a:ext uri="{91240B29-F687-4f45-9708-019B960494DF}">
-              <a14:hiddenLine xmlns:a14="http://schemas.microsoft.com/office/drawing/2010/main" xmlns="" w="9525" cap="flat">
+              <a14:hiddenLine xmlns="" xmlns:a14="http://schemas.microsoft.com/office/drawing/2010/main" w="9525" cap="flat">
                 <a:solidFill>
                   <a:srgbClr val="3465A4"/>
                 </a:solidFill>
@@ -4128,7 +4128,7 @@
               </a14:hiddenLine>
             </a:ext>
             <a:ext uri="{AF507438-7753-43e0-B8FC-AC1667EBCBE1}">
-              <a14:hiddenEffects xmlns:a14="http://schemas.microsoft.com/office/drawing/2010/main" xmlns="">
+              <a14:hiddenEffects xmlns="" xmlns:a14="http://schemas.microsoft.com/office/drawing/2010/main">
                 <a:effectLst>
                   <a:outerShdw blurRad="63500" dist="38099" dir="2700000" algn="ctr" rotWithShape="0">
                     <a:srgbClr val="000000">
@@ -4205,14 +4205,14 @@
         <p:spPr>
           <a:extLst>
             <a:ext uri="{909E8E84-426E-40dd-AFC4-6F175D3DCCD1}">
-              <a14:hiddenFill xmlns:a14="http://schemas.microsoft.com/office/drawing/2010/main" xmlns="">
+              <a14:hiddenFill xmlns="" xmlns:a14="http://schemas.microsoft.com/office/drawing/2010/main">
                 <a:solidFill>
                   <a:srgbClr val="FFFFFF"/>
                 </a:solidFill>
               </a14:hiddenFill>
             </a:ext>
             <a:ext uri="{91240B29-F687-4f45-9708-019B960494DF}">
-              <a14:hiddenLine xmlns:a14="http://schemas.microsoft.com/office/drawing/2010/main" xmlns="" w="9525" cap="flat">
+              <a14:hiddenLine xmlns="" xmlns:a14="http://schemas.microsoft.com/office/drawing/2010/main" w="9525" cap="flat">
                 <a:solidFill>
                   <a:srgbClr val="3465A4"/>
                 </a:solidFill>
@@ -4222,7 +4222,7 @@
               </a14:hiddenLine>
             </a:ext>
             <a:ext uri="{AF507438-7753-43e0-B8FC-AC1667EBCBE1}">
-              <a14:hiddenEffects xmlns:a14="http://schemas.microsoft.com/office/drawing/2010/main" xmlns="">
+              <a14:hiddenEffects xmlns="" xmlns:a14="http://schemas.microsoft.com/office/drawing/2010/main">
                 <a:effectLst>
                   <a:outerShdw blurRad="63500" dist="38099" dir="2700000" algn="ctr" rotWithShape="0">
                     <a:schemeClr val="bg2">
@@ -4631,7 +4631,7 @@
           </a:ln>
           <a:extLst>
             <a:ext uri="{AF507438-7753-43e0-B8FC-AC1667EBCBE1}">
-              <a14:hiddenEffects xmlns:a14="http://schemas.microsoft.com/office/drawing/2010/main" xmlns="">
+              <a14:hiddenEffects xmlns="" xmlns:a14="http://schemas.microsoft.com/office/drawing/2010/main">
                 <a:effectLst>
                   <a:outerShdw blurRad="63500" dist="38099" dir="2700000" algn="ctr" rotWithShape="0">
                     <a:srgbClr val="000000">
@@ -4667,14 +4667,14 @@
           <a:effectLst/>
           <a:extLst>
             <a:ext uri="{909E8E84-426E-40dd-AFC4-6F175D3DCCD1}">
-              <a14:hiddenFill xmlns:a14="http://schemas.microsoft.com/office/drawing/2010/main" xmlns="">
+              <a14:hiddenFill xmlns="" xmlns:a14="http://schemas.microsoft.com/office/drawing/2010/main">
                 <a:solidFill>
                   <a:srgbClr val="FFFFFF"/>
                 </a:solidFill>
               </a14:hiddenFill>
             </a:ext>
             <a:ext uri="{91240B29-F687-4f45-9708-019B960494DF}">
-              <a14:hiddenLine xmlns:a14="http://schemas.microsoft.com/office/drawing/2010/main" xmlns="" w="9525" cap="flat">
+              <a14:hiddenLine xmlns="" xmlns:a14="http://schemas.microsoft.com/office/drawing/2010/main" w="9525" cap="flat">
                 <a:solidFill>
                   <a:srgbClr val="3465A4"/>
                 </a:solidFill>
@@ -4684,7 +4684,7 @@
               </a14:hiddenLine>
             </a:ext>
             <a:ext uri="{AF507438-7753-43e0-B8FC-AC1667EBCBE1}">
-              <a14:hiddenEffects xmlns:a14="http://schemas.microsoft.com/office/drawing/2010/main" xmlns="">
+              <a14:hiddenEffects xmlns="" xmlns:a14="http://schemas.microsoft.com/office/drawing/2010/main">
                 <a:effectLst>
                   <a:outerShdw blurRad="63500" dist="38099" dir="2700000" algn="ctr" rotWithShape="0">
                     <a:srgbClr val="000000">
@@ -4761,14 +4761,14 @@
         <p:spPr>
           <a:extLst>
             <a:ext uri="{909E8E84-426E-40dd-AFC4-6F175D3DCCD1}">
-              <a14:hiddenFill xmlns:a14="http://schemas.microsoft.com/office/drawing/2010/main" xmlns="">
+              <a14:hiddenFill xmlns="" xmlns:a14="http://schemas.microsoft.com/office/drawing/2010/main">
                 <a:solidFill>
                   <a:srgbClr val="FFFFFF"/>
                 </a:solidFill>
               </a14:hiddenFill>
             </a:ext>
             <a:ext uri="{91240B29-F687-4f45-9708-019B960494DF}">
-              <a14:hiddenLine xmlns:a14="http://schemas.microsoft.com/office/drawing/2010/main" xmlns="" w="9525" cap="flat">
+              <a14:hiddenLine xmlns="" xmlns:a14="http://schemas.microsoft.com/office/drawing/2010/main" w="9525" cap="flat">
                 <a:solidFill>
                   <a:srgbClr val="3465A4"/>
                 </a:solidFill>
@@ -4778,7 +4778,7 @@
               </a14:hiddenLine>
             </a:ext>
             <a:ext uri="{AF507438-7753-43e0-B8FC-AC1667EBCBE1}">
-              <a14:hiddenEffects xmlns:a14="http://schemas.microsoft.com/office/drawing/2010/main" xmlns="">
+              <a14:hiddenEffects xmlns="" xmlns:a14="http://schemas.microsoft.com/office/drawing/2010/main">
                 <a:effectLst>
                   <a:outerShdw blurRad="63500" dist="38099" dir="2700000" algn="ctr" rotWithShape="0">
                     <a:schemeClr val="bg2">
@@ -5182,14 +5182,14 @@
           <a:effectLst/>
           <a:extLst>
             <a:ext uri="{909E8E84-426E-40dd-AFC4-6F175D3DCCD1}">
-              <a14:hiddenFill xmlns:a14="http://schemas.microsoft.com/office/drawing/2010/main" xmlns="">
+              <a14:hiddenFill xmlns="" xmlns:a14="http://schemas.microsoft.com/office/drawing/2010/main">
                 <a:solidFill>
                   <a:srgbClr val="FFFFFF"/>
                 </a:solidFill>
               </a14:hiddenFill>
             </a:ext>
             <a:ext uri="{91240B29-F687-4f45-9708-019B960494DF}">
-              <a14:hiddenLine xmlns:a14="http://schemas.microsoft.com/office/drawing/2010/main" xmlns="" w="9525" cap="flat">
+              <a14:hiddenLine xmlns="" xmlns:a14="http://schemas.microsoft.com/office/drawing/2010/main" w="9525" cap="flat">
                 <a:solidFill>
                   <a:srgbClr val="3465A4"/>
                 </a:solidFill>
@@ -5199,7 +5199,7 @@
               </a14:hiddenLine>
             </a:ext>
             <a:ext uri="{AF507438-7753-43e0-B8FC-AC1667EBCBE1}">
-              <a14:hiddenEffects xmlns:a14="http://schemas.microsoft.com/office/drawing/2010/main" xmlns="">
+              <a14:hiddenEffects xmlns="" xmlns:a14="http://schemas.microsoft.com/office/drawing/2010/main">
                 <a:effectLst>
                   <a:outerShdw blurRad="63500" dist="38099" dir="2700000" algn="ctr" rotWithShape="0">
                     <a:srgbClr val="000000">
@@ -5618,7 +5618,7 @@
           </a:ln>
           <a:extLst>
             <a:ext uri="{AF507438-7753-43e0-B8FC-AC1667EBCBE1}">
-              <a14:hiddenEffects xmlns:a14="http://schemas.microsoft.com/office/drawing/2010/main" xmlns="">
+              <a14:hiddenEffects xmlns="" xmlns:a14="http://schemas.microsoft.com/office/drawing/2010/main">
                 <a:effectLst>
                   <a:outerShdw blurRad="63500" dist="38099" dir="2700000" algn="ctr" rotWithShape="0">
                     <a:srgbClr val="000000">
@@ -5654,14 +5654,14 @@
           <a:effectLst/>
           <a:extLst>
             <a:ext uri="{909E8E84-426E-40dd-AFC4-6F175D3DCCD1}">
-              <a14:hiddenFill xmlns:a14="http://schemas.microsoft.com/office/drawing/2010/main" xmlns="">
+              <a14:hiddenFill xmlns="" xmlns:a14="http://schemas.microsoft.com/office/drawing/2010/main">
                 <a:solidFill>
                   <a:srgbClr val="FFFFFF"/>
                 </a:solidFill>
               </a14:hiddenFill>
             </a:ext>
             <a:ext uri="{91240B29-F687-4f45-9708-019B960494DF}">
-              <a14:hiddenLine xmlns:a14="http://schemas.microsoft.com/office/drawing/2010/main" xmlns="" w="9525" cap="flat">
+              <a14:hiddenLine xmlns="" xmlns:a14="http://schemas.microsoft.com/office/drawing/2010/main" w="9525" cap="flat">
                 <a:solidFill>
                   <a:srgbClr val="3465A4"/>
                 </a:solidFill>
@@ -5671,7 +5671,7 @@
               </a14:hiddenLine>
             </a:ext>
             <a:ext uri="{AF507438-7753-43e0-B8FC-AC1667EBCBE1}">
-              <a14:hiddenEffects xmlns:a14="http://schemas.microsoft.com/office/drawing/2010/main" xmlns="">
+              <a14:hiddenEffects xmlns="" xmlns:a14="http://schemas.microsoft.com/office/drawing/2010/main">
                 <a:effectLst>
                   <a:outerShdw blurRad="63500" dist="38099" dir="2700000" algn="ctr" rotWithShape="0">
                     <a:srgbClr val="000000">
@@ -5743,14 +5743,14 @@
         <p:spPr>
           <a:extLst>
             <a:ext uri="{909E8E84-426E-40dd-AFC4-6F175D3DCCD1}">
-              <a14:hiddenFill xmlns:a14="http://schemas.microsoft.com/office/drawing/2010/main" xmlns="">
+              <a14:hiddenFill xmlns="" xmlns:a14="http://schemas.microsoft.com/office/drawing/2010/main">
                 <a:solidFill>
                   <a:srgbClr val="FFFFFF"/>
                 </a:solidFill>
               </a14:hiddenFill>
             </a:ext>
             <a:ext uri="{91240B29-F687-4f45-9708-019B960494DF}">
-              <a14:hiddenLine xmlns:a14="http://schemas.microsoft.com/office/drawing/2010/main" xmlns="" w="9525" cap="flat">
+              <a14:hiddenLine xmlns="" xmlns:a14="http://schemas.microsoft.com/office/drawing/2010/main" w="9525" cap="flat">
                 <a:solidFill>
                   <a:srgbClr val="3465A4"/>
                 </a:solidFill>
@@ -5760,7 +5760,7 @@
               </a14:hiddenLine>
             </a:ext>
             <a:ext uri="{AF507438-7753-43e0-B8FC-AC1667EBCBE1}">
-              <a14:hiddenEffects xmlns:a14="http://schemas.microsoft.com/office/drawing/2010/main" xmlns="">
+              <a14:hiddenEffects xmlns="" xmlns:a14="http://schemas.microsoft.com/office/drawing/2010/main">
                 <a:effectLst>
                   <a:outerShdw blurRad="63500" dist="38099" dir="2700000" algn="ctr" rotWithShape="0">
                     <a:schemeClr val="bg2">
@@ -6164,14 +6164,14 @@
           <a:effectLst/>
           <a:extLst>
             <a:ext uri="{909E8E84-426E-40dd-AFC4-6F175D3DCCD1}">
-              <a14:hiddenFill xmlns:a14="http://schemas.microsoft.com/office/drawing/2010/main" xmlns="">
+              <a14:hiddenFill xmlns="" xmlns:a14="http://schemas.microsoft.com/office/drawing/2010/main">
                 <a:solidFill>
                   <a:srgbClr val="FFFFFF"/>
                 </a:solidFill>
               </a14:hiddenFill>
             </a:ext>
             <a:ext uri="{91240B29-F687-4f45-9708-019B960494DF}">
-              <a14:hiddenLine xmlns:a14="http://schemas.microsoft.com/office/drawing/2010/main" xmlns="" w="9525" cap="flat">
+              <a14:hiddenLine xmlns="" xmlns:a14="http://schemas.microsoft.com/office/drawing/2010/main" w="9525" cap="flat">
                 <a:solidFill>
                   <a:srgbClr val="3465A4"/>
                 </a:solidFill>
@@ -6181,7 +6181,7 @@
               </a14:hiddenLine>
             </a:ext>
             <a:ext uri="{AF507438-7753-43e0-B8FC-AC1667EBCBE1}">
-              <a14:hiddenEffects xmlns:a14="http://schemas.microsoft.com/office/drawing/2010/main" xmlns="">
+              <a14:hiddenEffects xmlns="" xmlns:a14="http://schemas.microsoft.com/office/drawing/2010/main">
                 <a:effectLst>
                   <a:outerShdw blurRad="63500" dist="38099" dir="2700000" algn="ctr" rotWithShape="0">
                     <a:srgbClr val="000000">
@@ -6600,7 +6600,7 @@
           </a:ln>
           <a:extLst>
             <a:ext uri="{AF507438-7753-43e0-B8FC-AC1667EBCBE1}">
-              <a14:hiddenEffects xmlns:a14="http://schemas.microsoft.com/office/drawing/2010/main" xmlns="">
+              <a14:hiddenEffects xmlns="" xmlns:a14="http://schemas.microsoft.com/office/drawing/2010/main">
                 <a:effectLst>
                   <a:outerShdw blurRad="63500" dist="38099" dir="2700000" algn="ctr" rotWithShape="0">
                     <a:srgbClr val="000000">
@@ -6636,14 +6636,14 @@
           <a:effectLst/>
           <a:extLst>
             <a:ext uri="{909E8E84-426E-40dd-AFC4-6F175D3DCCD1}">
-              <a14:hiddenFill xmlns:a14="http://schemas.microsoft.com/office/drawing/2010/main" xmlns="">
+              <a14:hiddenFill xmlns="" xmlns:a14="http://schemas.microsoft.com/office/drawing/2010/main">
                 <a:solidFill>
                   <a:srgbClr val="FFFFFF"/>
                 </a:solidFill>
               </a14:hiddenFill>
             </a:ext>
             <a:ext uri="{91240B29-F687-4f45-9708-019B960494DF}">
-              <a14:hiddenLine xmlns:a14="http://schemas.microsoft.com/office/drawing/2010/main" xmlns="" w="9525" cap="flat">
+              <a14:hiddenLine xmlns="" xmlns:a14="http://schemas.microsoft.com/office/drawing/2010/main" w="9525" cap="flat">
                 <a:solidFill>
                   <a:srgbClr val="3465A4"/>
                 </a:solidFill>
@@ -6653,7 +6653,7 @@
               </a14:hiddenLine>
             </a:ext>
             <a:ext uri="{AF507438-7753-43e0-B8FC-AC1667EBCBE1}">
-              <a14:hiddenEffects xmlns:a14="http://schemas.microsoft.com/office/drawing/2010/main" xmlns="">
+              <a14:hiddenEffects xmlns="" xmlns:a14="http://schemas.microsoft.com/office/drawing/2010/main">
                 <a:effectLst>
                   <a:outerShdw blurRad="63500" dist="38099" dir="2700000" algn="ctr" rotWithShape="0">
                     <a:srgbClr val="000000">
@@ -6725,14 +6725,14 @@
         <p:spPr>
           <a:extLst>
             <a:ext uri="{909E8E84-426E-40dd-AFC4-6F175D3DCCD1}">
-              <a14:hiddenFill xmlns:a14="http://schemas.microsoft.com/office/drawing/2010/main" xmlns="">
+              <a14:hiddenFill xmlns="" xmlns:a14="http://schemas.microsoft.com/office/drawing/2010/main">
                 <a:solidFill>
                   <a:srgbClr val="FFFFFF"/>
                 </a:solidFill>
               </a14:hiddenFill>
             </a:ext>
             <a:ext uri="{91240B29-F687-4f45-9708-019B960494DF}">
-              <a14:hiddenLine xmlns:a14="http://schemas.microsoft.com/office/drawing/2010/main" xmlns="" w="9525" cap="flat">
+              <a14:hiddenLine xmlns="" xmlns:a14="http://schemas.microsoft.com/office/drawing/2010/main" w="9525" cap="flat">
                 <a:solidFill>
                   <a:srgbClr val="3465A4"/>
                 </a:solidFill>
@@ -6742,7 +6742,7 @@
               </a14:hiddenLine>
             </a:ext>
             <a:ext uri="{AF507438-7753-43e0-B8FC-AC1667EBCBE1}">
-              <a14:hiddenEffects xmlns:a14="http://schemas.microsoft.com/office/drawing/2010/main" xmlns="">
+              <a14:hiddenEffects xmlns="" xmlns:a14="http://schemas.microsoft.com/office/drawing/2010/main">
                 <a:effectLst>
                   <a:outerShdw blurRad="63500" dist="38099" dir="2700000" algn="ctr" rotWithShape="0">
                     <a:schemeClr val="bg2">
@@ -7151,7 +7151,7 @@
           </a:ln>
           <a:extLst>
             <a:ext uri="{AF507438-7753-43e0-B8FC-AC1667EBCBE1}">
-              <a14:hiddenEffects xmlns:a14="http://schemas.microsoft.com/office/drawing/2010/main" xmlns="">
+              <a14:hiddenEffects xmlns="" xmlns:a14="http://schemas.microsoft.com/office/drawing/2010/main">
                 <a:effectLst>
                   <a:outerShdw blurRad="63500" dist="38099" dir="2700000" algn="ctr" rotWithShape="0">
                     <a:srgbClr val="000000">
@@ -7187,14 +7187,14 @@
           <a:effectLst/>
           <a:extLst>
             <a:ext uri="{909E8E84-426E-40dd-AFC4-6F175D3DCCD1}">
-              <a14:hiddenFill xmlns:a14="http://schemas.microsoft.com/office/drawing/2010/main" xmlns="">
+              <a14:hiddenFill xmlns="" xmlns:a14="http://schemas.microsoft.com/office/drawing/2010/main">
                 <a:solidFill>
                   <a:srgbClr val="FFFFFF"/>
                 </a:solidFill>
               </a14:hiddenFill>
             </a:ext>
             <a:ext uri="{91240B29-F687-4f45-9708-019B960494DF}">
-              <a14:hiddenLine xmlns:a14="http://schemas.microsoft.com/office/drawing/2010/main" xmlns="" w="9525" cap="flat">
+              <a14:hiddenLine xmlns="" xmlns:a14="http://schemas.microsoft.com/office/drawing/2010/main" w="9525" cap="flat">
                 <a:solidFill>
                   <a:srgbClr val="3465A4"/>
                 </a:solidFill>
@@ -7204,7 +7204,7 @@
               </a14:hiddenLine>
             </a:ext>
             <a:ext uri="{AF507438-7753-43e0-B8FC-AC1667EBCBE1}">
-              <a14:hiddenEffects xmlns:a14="http://schemas.microsoft.com/office/drawing/2010/main" xmlns="">
+              <a14:hiddenEffects xmlns="" xmlns:a14="http://schemas.microsoft.com/office/drawing/2010/main">
                 <a:effectLst>
                   <a:outerShdw blurRad="63500" dist="38099" dir="2700000" algn="ctr" rotWithShape="0">
                     <a:srgbClr val="000000">
@@ -7276,14 +7276,14 @@
         <p:spPr>
           <a:extLst>
             <a:ext uri="{909E8E84-426E-40dd-AFC4-6F175D3DCCD1}">
-              <a14:hiddenFill xmlns:a14="http://schemas.microsoft.com/office/drawing/2010/main" xmlns="">
+              <a14:hiddenFill xmlns="" xmlns:a14="http://schemas.microsoft.com/office/drawing/2010/main">
                 <a:solidFill>
                   <a:srgbClr val="FFFFFF"/>
                 </a:solidFill>
               </a14:hiddenFill>
             </a:ext>
             <a:ext uri="{91240B29-F687-4f45-9708-019B960494DF}">
-              <a14:hiddenLine xmlns:a14="http://schemas.microsoft.com/office/drawing/2010/main" xmlns="" w="9525" cap="flat">
+              <a14:hiddenLine xmlns="" xmlns:a14="http://schemas.microsoft.com/office/drawing/2010/main" w="9525" cap="flat">
                 <a:solidFill>
                   <a:srgbClr val="3465A4"/>
                 </a:solidFill>
@@ -7293,7 +7293,7 @@
               </a14:hiddenLine>
             </a:ext>
             <a:ext uri="{AF507438-7753-43e0-B8FC-AC1667EBCBE1}">
-              <a14:hiddenEffects xmlns:a14="http://schemas.microsoft.com/office/drawing/2010/main" xmlns="">
+              <a14:hiddenEffects xmlns="" xmlns:a14="http://schemas.microsoft.com/office/drawing/2010/main">
                 <a:effectLst>
                   <a:outerShdw blurRad="63500" dist="38099" dir="2700000" algn="ctr" rotWithShape="0">
                     <a:schemeClr val="bg2">
@@ -7697,14 +7697,14 @@
           <a:effectLst/>
           <a:extLst>
             <a:ext uri="{909E8E84-426E-40dd-AFC4-6F175D3DCCD1}">
-              <a14:hiddenFill xmlns:a14="http://schemas.microsoft.com/office/drawing/2010/main" xmlns="">
+              <a14:hiddenFill xmlns="" xmlns:a14="http://schemas.microsoft.com/office/drawing/2010/main">
                 <a:solidFill>
                   <a:srgbClr val="FFFFFF"/>
                 </a:solidFill>
               </a14:hiddenFill>
             </a:ext>
             <a:ext uri="{91240B29-F687-4f45-9708-019B960494DF}">
-              <a14:hiddenLine xmlns:a14="http://schemas.microsoft.com/office/drawing/2010/main" xmlns="" w="9525" cap="flat">
+              <a14:hiddenLine xmlns="" xmlns:a14="http://schemas.microsoft.com/office/drawing/2010/main" w="9525" cap="flat">
                 <a:solidFill>
                   <a:srgbClr val="3465A4"/>
                 </a:solidFill>
@@ -7714,7 +7714,7 @@
               </a14:hiddenLine>
             </a:ext>
             <a:ext uri="{AF507438-7753-43e0-B8FC-AC1667EBCBE1}">
-              <a14:hiddenEffects xmlns:a14="http://schemas.microsoft.com/office/drawing/2010/main" xmlns="">
+              <a14:hiddenEffects xmlns="" xmlns:a14="http://schemas.microsoft.com/office/drawing/2010/main">
                 <a:effectLst>
                   <a:outerShdw blurRad="63500" dist="38099" dir="2700000" algn="ctr" rotWithShape="0">
                     <a:srgbClr val="000000">
@@ -8133,7 +8133,7 @@
           </a:ln>
           <a:extLst>
             <a:ext uri="{AF507438-7753-43e0-B8FC-AC1667EBCBE1}">
-              <a14:hiddenEffects xmlns:a14="http://schemas.microsoft.com/office/drawing/2010/main" xmlns="">
+              <a14:hiddenEffects xmlns="" xmlns:a14="http://schemas.microsoft.com/office/drawing/2010/main">
                 <a:effectLst>
                   <a:outerShdw blurRad="63500" dist="38099" dir="2700000" algn="ctr" rotWithShape="0">
                     <a:srgbClr val="000000">
@@ -8169,14 +8169,14 @@
           <a:effectLst/>
           <a:extLst>
             <a:ext uri="{909E8E84-426E-40dd-AFC4-6F175D3DCCD1}">
-              <a14:hiddenFill xmlns:a14="http://schemas.microsoft.com/office/drawing/2010/main" xmlns="">
+              <a14:hiddenFill xmlns="" xmlns:a14="http://schemas.microsoft.com/office/drawing/2010/main">
                 <a:solidFill>
                   <a:srgbClr val="FFFFFF"/>
                 </a:solidFill>
               </a14:hiddenFill>
             </a:ext>
             <a:ext uri="{91240B29-F687-4f45-9708-019B960494DF}">
-              <a14:hiddenLine xmlns:a14="http://schemas.microsoft.com/office/drawing/2010/main" xmlns="" w="9525" cap="flat">
+              <a14:hiddenLine xmlns="" xmlns:a14="http://schemas.microsoft.com/office/drawing/2010/main" w="9525" cap="flat">
                 <a:solidFill>
                   <a:srgbClr val="3465A4"/>
                 </a:solidFill>
@@ -8186,7 +8186,7 @@
               </a14:hiddenLine>
             </a:ext>
             <a:ext uri="{AF507438-7753-43e0-B8FC-AC1667EBCBE1}">
-              <a14:hiddenEffects xmlns:a14="http://schemas.microsoft.com/office/drawing/2010/main" xmlns="">
+              <a14:hiddenEffects xmlns="" xmlns:a14="http://schemas.microsoft.com/office/drawing/2010/main">
                 <a:effectLst>
                   <a:outerShdw blurRad="63500" dist="38099" dir="2700000" algn="ctr" rotWithShape="0">
                     <a:srgbClr val="000000">
@@ -8258,14 +8258,14 @@
         <p:spPr>
           <a:extLst>
             <a:ext uri="{909E8E84-426E-40dd-AFC4-6F175D3DCCD1}">
-              <a14:hiddenFill xmlns:a14="http://schemas.microsoft.com/office/drawing/2010/main" xmlns="">
+              <a14:hiddenFill xmlns="" xmlns:a14="http://schemas.microsoft.com/office/drawing/2010/main">
                 <a:solidFill>
                   <a:srgbClr val="FFFFFF"/>
                 </a:solidFill>
               </a14:hiddenFill>
             </a:ext>
             <a:ext uri="{91240B29-F687-4f45-9708-019B960494DF}">
-              <a14:hiddenLine xmlns:a14="http://schemas.microsoft.com/office/drawing/2010/main" xmlns="" w="9525" cap="flat">
+              <a14:hiddenLine xmlns="" xmlns:a14="http://schemas.microsoft.com/office/drawing/2010/main" w="9525" cap="flat">
                 <a:solidFill>
                   <a:srgbClr val="3465A4"/>
                 </a:solidFill>
@@ -8275,7 +8275,7 @@
               </a14:hiddenLine>
             </a:ext>
             <a:ext uri="{AF507438-7753-43e0-B8FC-AC1667EBCBE1}">
-              <a14:hiddenEffects xmlns:a14="http://schemas.microsoft.com/office/drawing/2010/main" xmlns="">
+              <a14:hiddenEffects xmlns="" xmlns:a14="http://schemas.microsoft.com/office/drawing/2010/main">
                 <a:effectLst>
                   <a:outerShdw blurRad="63500" dist="38099" dir="2700000" algn="ctr" rotWithShape="0">
                     <a:schemeClr val="bg2">
@@ -8679,14 +8679,14 @@
           <a:effectLst/>
           <a:extLst>
             <a:ext uri="{909E8E84-426E-40dd-AFC4-6F175D3DCCD1}">
-              <a14:hiddenFill xmlns:a14="http://schemas.microsoft.com/office/drawing/2010/main" xmlns="">
+              <a14:hiddenFill xmlns="" xmlns:a14="http://schemas.microsoft.com/office/drawing/2010/main">
                 <a:solidFill>
                   <a:srgbClr val="FFFFFF"/>
                 </a:solidFill>
               </a14:hiddenFill>
             </a:ext>
             <a:ext uri="{91240B29-F687-4f45-9708-019B960494DF}">
-              <a14:hiddenLine xmlns:a14="http://schemas.microsoft.com/office/drawing/2010/main" xmlns="" w="9525" cap="flat">
+              <a14:hiddenLine xmlns="" xmlns:a14="http://schemas.microsoft.com/office/drawing/2010/main" w="9525" cap="flat">
                 <a:solidFill>
                   <a:srgbClr val="3465A4"/>
                 </a:solidFill>
@@ -8696,7 +8696,7 @@
               </a14:hiddenLine>
             </a:ext>
             <a:ext uri="{AF507438-7753-43e0-B8FC-AC1667EBCBE1}">
-              <a14:hiddenEffects xmlns:a14="http://schemas.microsoft.com/office/drawing/2010/main" xmlns="">
+              <a14:hiddenEffects xmlns="" xmlns:a14="http://schemas.microsoft.com/office/drawing/2010/main">
                 <a:effectLst>
                   <a:outerShdw blurRad="63500" dist="38099" dir="2700000" algn="ctr" rotWithShape="0">
                     <a:srgbClr val="000000">
@@ -9115,7 +9115,7 @@
           </a:ln>
           <a:extLst>
             <a:ext uri="{AF507438-7753-43e0-B8FC-AC1667EBCBE1}">
-              <a14:hiddenEffects xmlns:a14="http://schemas.microsoft.com/office/drawing/2010/main" xmlns="">
+              <a14:hiddenEffects xmlns="" xmlns:a14="http://schemas.microsoft.com/office/drawing/2010/main">
                 <a:effectLst>
                   <a:outerShdw blurRad="63500" dist="38099" dir="2700000" algn="ctr" rotWithShape="0">
                     <a:srgbClr val="000000">
@@ -9151,14 +9151,14 @@
           <a:effectLst/>
           <a:extLst>
             <a:ext uri="{909E8E84-426E-40dd-AFC4-6F175D3DCCD1}">
-              <a14:hiddenFill xmlns:a14="http://schemas.microsoft.com/office/drawing/2010/main" xmlns="">
+              <a14:hiddenFill xmlns="" xmlns:a14="http://schemas.microsoft.com/office/drawing/2010/main">
                 <a:solidFill>
                   <a:srgbClr val="FFFFFF"/>
                 </a:solidFill>
               </a14:hiddenFill>
             </a:ext>
             <a:ext uri="{91240B29-F687-4f45-9708-019B960494DF}">
-              <a14:hiddenLine xmlns:a14="http://schemas.microsoft.com/office/drawing/2010/main" xmlns="" w="9525" cap="flat">
+              <a14:hiddenLine xmlns="" xmlns:a14="http://schemas.microsoft.com/office/drawing/2010/main" w="9525" cap="flat">
                 <a:solidFill>
                   <a:srgbClr val="3465A4"/>
                 </a:solidFill>
@@ -9168,7 +9168,7 @@
               </a14:hiddenLine>
             </a:ext>
             <a:ext uri="{AF507438-7753-43e0-B8FC-AC1667EBCBE1}">
-              <a14:hiddenEffects xmlns:a14="http://schemas.microsoft.com/office/drawing/2010/main" xmlns="">
+              <a14:hiddenEffects xmlns="" xmlns:a14="http://schemas.microsoft.com/office/drawing/2010/main">
                 <a:effectLst>
                   <a:outerShdw blurRad="63500" dist="38099" dir="2700000" algn="ctr" rotWithShape="0">
                     <a:srgbClr val="000000">
@@ -9245,14 +9245,14 @@
         <p:spPr>
           <a:extLst>
             <a:ext uri="{909E8E84-426E-40dd-AFC4-6F175D3DCCD1}">
-              <a14:hiddenFill xmlns:a14="http://schemas.microsoft.com/office/drawing/2010/main" xmlns="">
+              <a14:hiddenFill xmlns="" xmlns:a14="http://schemas.microsoft.com/office/drawing/2010/main">
                 <a:solidFill>
                   <a:srgbClr val="FFFFFF"/>
                 </a:solidFill>
               </a14:hiddenFill>
             </a:ext>
             <a:ext uri="{91240B29-F687-4f45-9708-019B960494DF}">
-              <a14:hiddenLine xmlns:a14="http://schemas.microsoft.com/office/drawing/2010/main" xmlns="" w="9525" cap="flat">
+              <a14:hiddenLine xmlns="" xmlns:a14="http://schemas.microsoft.com/office/drawing/2010/main" w="9525" cap="flat">
                 <a:solidFill>
                   <a:srgbClr val="3465A4"/>
                 </a:solidFill>
@@ -9262,7 +9262,7 @@
               </a14:hiddenLine>
             </a:ext>
             <a:ext uri="{AF507438-7753-43e0-B8FC-AC1667EBCBE1}">
-              <a14:hiddenEffects xmlns:a14="http://schemas.microsoft.com/office/drawing/2010/main" xmlns="">
+              <a14:hiddenEffects xmlns="" xmlns:a14="http://schemas.microsoft.com/office/drawing/2010/main">
                 <a:effectLst>
                   <a:outerShdw blurRad="63500" dist="38099" dir="2700000" algn="ctr" rotWithShape="0">
                     <a:schemeClr val="bg2">
@@ -9671,7 +9671,7 @@
           </a:ln>
           <a:extLst>
             <a:ext uri="{AF507438-7753-43e0-B8FC-AC1667EBCBE1}">
-              <a14:hiddenEffects xmlns:a14="http://schemas.microsoft.com/office/drawing/2010/main" xmlns="">
+              <a14:hiddenEffects xmlns="" xmlns:a14="http://schemas.microsoft.com/office/drawing/2010/main">
                 <a:effectLst>
                   <a:outerShdw blurRad="63500" dist="38099" dir="2700000" algn="ctr" rotWithShape="0">
                     <a:srgbClr val="000000">
@@ -9707,14 +9707,14 @@
           <a:effectLst/>
           <a:extLst>
             <a:ext uri="{909E8E84-426E-40dd-AFC4-6F175D3DCCD1}">
-              <a14:hiddenFill xmlns:a14="http://schemas.microsoft.com/office/drawing/2010/main" xmlns="">
+              <a14:hiddenFill xmlns="" xmlns:a14="http://schemas.microsoft.com/office/drawing/2010/main">
                 <a:solidFill>
                   <a:srgbClr val="FFFFFF"/>
                 </a:solidFill>
               </a14:hiddenFill>
             </a:ext>
             <a:ext uri="{91240B29-F687-4f45-9708-019B960494DF}">
-              <a14:hiddenLine xmlns:a14="http://schemas.microsoft.com/office/drawing/2010/main" xmlns="" w="9525" cap="flat">
+              <a14:hiddenLine xmlns="" xmlns:a14="http://schemas.microsoft.com/office/drawing/2010/main" w="9525" cap="flat">
                 <a:solidFill>
                   <a:srgbClr val="3465A4"/>
                 </a:solidFill>
@@ -9724,7 +9724,7 @@
               </a14:hiddenLine>
             </a:ext>
             <a:ext uri="{AF507438-7753-43e0-B8FC-AC1667EBCBE1}">
-              <a14:hiddenEffects xmlns:a14="http://schemas.microsoft.com/office/drawing/2010/main" xmlns="">
+              <a14:hiddenEffects xmlns="" xmlns:a14="http://schemas.microsoft.com/office/drawing/2010/main">
                 <a:effectLst>
                   <a:outerShdw blurRad="63500" dist="38099" dir="2700000" algn="ctr" rotWithShape="0">
                     <a:srgbClr val="000000">
@@ -9796,14 +9796,14 @@
         <p:spPr>
           <a:extLst>
             <a:ext uri="{909E8E84-426E-40dd-AFC4-6F175D3DCCD1}">
-              <a14:hiddenFill xmlns:a14="http://schemas.microsoft.com/office/drawing/2010/main" xmlns="">
+              <a14:hiddenFill xmlns="" xmlns:a14="http://schemas.microsoft.com/office/drawing/2010/main">
                 <a:solidFill>
                   <a:srgbClr val="FFFFFF"/>
                 </a:solidFill>
               </a14:hiddenFill>
             </a:ext>
             <a:ext uri="{91240B29-F687-4f45-9708-019B960494DF}">
-              <a14:hiddenLine xmlns:a14="http://schemas.microsoft.com/office/drawing/2010/main" xmlns="" w="9525" cap="flat">
+              <a14:hiddenLine xmlns="" xmlns:a14="http://schemas.microsoft.com/office/drawing/2010/main" w="9525" cap="flat">
                 <a:solidFill>
                   <a:srgbClr val="3465A4"/>
                 </a:solidFill>
@@ -9813,7 +9813,7 @@
               </a14:hiddenLine>
             </a:ext>
             <a:ext uri="{AF507438-7753-43e0-B8FC-AC1667EBCBE1}">
-              <a14:hiddenEffects xmlns:a14="http://schemas.microsoft.com/office/drawing/2010/main" xmlns="">
+              <a14:hiddenEffects xmlns="" xmlns:a14="http://schemas.microsoft.com/office/drawing/2010/main">
                 <a:effectLst>
                   <a:outerShdw blurRad="63500" dist="38099" dir="2700000" algn="ctr" rotWithShape="0">
                     <a:schemeClr val="bg2">
@@ -10222,7 +10222,7 @@
           </a:ln>
           <a:extLst>
             <a:ext uri="{AF507438-7753-43e0-B8FC-AC1667EBCBE1}">
-              <a14:hiddenEffects xmlns:a14="http://schemas.microsoft.com/office/drawing/2010/main" xmlns="">
+              <a14:hiddenEffects xmlns="" xmlns:a14="http://schemas.microsoft.com/office/drawing/2010/main">
                 <a:effectLst>
                   <a:outerShdw blurRad="63500" dist="38099" dir="2700000" algn="ctr" rotWithShape="0">
                     <a:srgbClr val="000000">
@@ -10258,14 +10258,14 @@
           <a:effectLst/>
           <a:extLst>
             <a:ext uri="{909E8E84-426E-40dd-AFC4-6F175D3DCCD1}">
-              <a14:hiddenFill xmlns:a14="http://schemas.microsoft.com/office/drawing/2010/main" xmlns="">
+              <a14:hiddenFill xmlns="" xmlns:a14="http://schemas.microsoft.com/office/drawing/2010/main">
                 <a:solidFill>
                   <a:srgbClr val="FFFFFF"/>
                 </a:solidFill>
               </a14:hiddenFill>
             </a:ext>
             <a:ext uri="{91240B29-F687-4f45-9708-019B960494DF}">
-              <a14:hiddenLine xmlns:a14="http://schemas.microsoft.com/office/drawing/2010/main" xmlns="" w="9525" cap="flat">
+              <a14:hiddenLine xmlns="" xmlns:a14="http://schemas.microsoft.com/office/drawing/2010/main" w="9525" cap="flat">
                 <a:solidFill>
                   <a:srgbClr val="3465A4"/>
                 </a:solidFill>
@@ -10275,7 +10275,7 @@
               </a14:hiddenLine>
             </a:ext>
             <a:ext uri="{AF507438-7753-43e0-B8FC-AC1667EBCBE1}">
-              <a14:hiddenEffects xmlns:a14="http://schemas.microsoft.com/office/drawing/2010/main" xmlns="">
+              <a14:hiddenEffects xmlns="" xmlns:a14="http://schemas.microsoft.com/office/drawing/2010/main">
                 <a:effectLst>
                   <a:outerShdw blurRad="63500" dist="38099" dir="2700000" algn="ctr" rotWithShape="0">
                     <a:srgbClr val="000000">
@@ -10347,14 +10347,14 @@
         <p:spPr>
           <a:extLst>
             <a:ext uri="{909E8E84-426E-40dd-AFC4-6F175D3DCCD1}">
-              <a14:hiddenFill xmlns:a14="http://schemas.microsoft.com/office/drawing/2010/main" xmlns="">
+              <a14:hiddenFill xmlns="" xmlns:a14="http://schemas.microsoft.com/office/drawing/2010/main">
                 <a:solidFill>
                   <a:srgbClr val="FFFFFF"/>
                 </a:solidFill>
               </a14:hiddenFill>
             </a:ext>
             <a:ext uri="{91240B29-F687-4f45-9708-019B960494DF}">
-              <a14:hiddenLine xmlns:a14="http://schemas.microsoft.com/office/drawing/2010/main" xmlns="" w="9525" cap="flat">
+              <a14:hiddenLine xmlns="" xmlns:a14="http://schemas.microsoft.com/office/drawing/2010/main" w="9525" cap="flat">
                 <a:solidFill>
                   <a:srgbClr val="3465A4"/>
                 </a:solidFill>
@@ -10364,7 +10364,7 @@
               </a14:hiddenLine>
             </a:ext>
             <a:ext uri="{AF507438-7753-43e0-B8FC-AC1667EBCBE1}">
-              <a14:hiddenEffects xmlns:a14="http://schemas.microsoft.com/office/drawing/2010/main" xmlns="">
+              <a14:hiddenEffects xmlns="" xmlns:a14="http://schemas.microsoft.com/office/drawing/2010/main">
                 <a:effectLst>
                   <a:outerShdw blurRad="63500" dist="38099" dir="2700000" algn="ctr" rotWithShape="0">
                     <a:schemeClr val="bg2">
@@ -10773,7 +10773,7 @@
           </a:ln>
           <a:extLst>
             <a:ext uri="{AF507438-7753-43e0-B8FC-AC1667EBCBE1}">
-              <a14:hiddenEffects xmlns:a14="http://schemas.microsoft.com/office/drawing/2010/main" xmlns="">
+              <a14:hiddenEffects xmlns="" xmlns:a14="http://schemas.microsoft.com/office/drawing/2010/main">
                 <a:effectLst>
                   <a:outerShdw blurRad="63500" dist="38099" dir="2700000" algn="ctr" rotWithShape="0">
                     <a:srgbClr val="000000">
@@ -10809,14 +10809,14 @@
           <a:effectLst/>
           <a:extLst>
             <a:ext uri="{909E8E84-426E-40dd-AFC4-6F175D3DCCD1}">
-              <a14:hiddenFill xmlns:a14="http://schemas.microsoft.com/office/drawing/2010/main" xmlns="">
+              <a14:hiddenFill xmlns="" xmlns:a14="http://schemas.microsoft.com/office/drawing/2010/main">
                 <a:solidFill>
                   <a:srgbClr val="FFFFFF"/>
                 </a:solidFill>
               </a14:hiddenFill>
             </a:ext>
             <a:ext uri="{91240B29-F687-4f45-9708-019B960494DF}">
-              <a14:hiddenLine xmlns:a14="http://schemas.microsoft.com/office/drawing/2010/main" xmlns="" w="9525" cap="flat">
+              <a14:hiddenLine xmlns="" xmlns:a14="http://schemas.microsoft.com/office/drawing/2010/main" w="9525" cap="flat">
                 <a:solidFill>
                   <a:srgbClr val="3465A4"/>
                 </a:solidFill>
@@ -10826,7 +10826,7 @@
               </a14:hiddenLine>
             </a:ext>
             <a:ext uri="{AF507438-7753-43e0-B8FC-AC1667EBCBE1}">
-              <a14:hiddenEffects xmlns:a14="http://schemas.microsoft.com/office/drawing/2010/main" xmlns="">
+              <a14:hiddenEffects xmlns="" xmlns:a14="http://schemas.microsoft.com/office/drawing/2010/main">
                 <a:effectLst>
                   <a:outerShdw blurRad="63500" dist="38099" dir="2700000" algn="ctr" rotWithShape="0">
                     <a:srgbClr val="000000">
@@ -10903,14 +10903,14 @@
         <p:spPr>
           <a:extLst>
             <a:ext uri="{909E8E84-426E-40dd-AFC4-6F175D3DCCD1}">
-              <a14:hiddenFill xmlns:a14="http://schemas.microsoft.com/office/drawing/2010/main" xmlns="">
+              <a14:hiddenFill xmlns="" xmlns:a14="http://schemas.microsoft.com/office/drawing/2010/main">
                 <a:solidFill>
                   <a:srgbClr val="FFFFFF"/>
                 </a:solidFill>
               </a14:hiddenFill>
             </a:ext>
             <a:ext uri="{91240B29-F687-4f45-9708-019B960494DF}">
-              <a14:hiddenLine xmlns:a14="http://schemas.microsoft.com/office/drawing/2010/main" xmlns="" w="9525" cap="flat">
+              <a14:hiddenLine xmlns="" xmlns:a14="http://schemas.microsoft.com/office/drawing/2010/main" w="9525" cap="flat">
                 <a:solidFill>
                   <a:srgbClr val="3465A4"/>
                 </a:solidFill>
@@ -10920,7 +10920,7 @@
               </a14:hiddenLine>
             </a:ext>
             <a:ext uri="{AF507438-7753-43e0-B8FC-AC1667EBCBE1}">
-              <a14:hiddenEffects xmlns:a14="http://schemas.microsoft.com/office/drawing/2010/main" xmlns="">
+              <a14:hiddenEffects xmlns="" xmlns:a14="http://schemas.microsoft.com/office/drawing/2010/main">
                 <a:effectLst>
                   <a:outerShdw blurRad="63500" dist="38099" dir="2700000" algn="ctr" rotWithShape="0">
                     <a:schemeClr val="bg2">
@@ -11329,7 +11329,7 @@
           </a:ln>
           <a:extLst>
             <a:ext uri="{AF507438-7753-43e0-B8FC-AC1667EBCBE1}">
-              <a14:hiddenEffects xmlns:a14="http://schemas.microsoft.com/office/drawing/2010/main" xmlns="">
+              <a14:hiddenEffects xmlns="" xmlns:a14="http://schemas.microsoft.com/office/drawing/2010/main">
                 <a:effectLst>
                   <a:outerShdw blurRad="63500" dist="38099" dir="2700000" algn="ctr" rotWithShape="0">
                     <a:srgbClr val="000000">
@@ -11365,14 +11365,14 @@
           <a:effectLst/>
           <a:extLst>
             <a:ext uri="{909E8E84-426E-40dd-AFC4-6F175D3DCCD1}">
-              <a14:hiddenFill xmlns:a14="http://schemas.microsoft.com/office/drawing/2010/main" xmlns="">
+              <a14:hiddenFill xmlns="" xmlns:a14="http://schemas.microsoft.com/office/drawing/2010/main">
                 <a:solidFill>
                   <a:srgbClr val="FFFFFF"/>
                 </a:solidFill>
               </a14:hiddenFill>
             </a:ext>
             <a:ext uri="{91240B29-F687-4f45-9708-019B960494DF}">
-              <a14:hiddenLine xmlns:a14="http://schemas.microsoft.com/office/drawing/2010/main" xmlns="" w="9525" cap="flat">
+              <a14:hiddenLine xmlns="" xmlns:a14="http://schemas.microsoft.com/office/drawing/2010/main" w="9525" cap="flat">
                 <a:solidFill>
                   <a:srgbClr val="3465A4"/>
                 </a:solidFill>
@@ -11382,7 +11382,7 @@
               </a14:hiddenLine>
             </a:ext>
             <a:ext uri="{AF507438-7753-43e0-B8FC-AC1667EBCBE1}">
-              <a14:hiddenEffects xmlns:a14="http://schemas.microsoft.com/office/drawing/2010/main" xmlns="">
+              <a14:hiddenEffects xmlns="" xmlns:a14="http://schemas.microsoft.com/office/drawing/2010/main">
                 <a:effectLst>
                   <a:outerShdw blurRad="63500" dist="38099" dir="2700000" algn="ctr" rotWithShape="0">
                     <a:srgbClr val="000000">
@@ -11454,14 +11454,14 @@
         <p:spPr>
           <a:extLst>
             <a:ext uri="{909E8E84-426E-40dd-AFC4-6F175D3DCCD1}">
-              <a14:hiddenFill xmlns:a14="http://schemas.microsoft.com/office/drawing/2010/main" xmlns="">
+              <a14:hiddenFill xmlns="" xmlns:a14="http://schemas.microsoft.com/office/drawing/2010/main">
                 <a:solidFill>
                   <a:srgbClr val="FFFFFF"/>
                 </a:solidFill>
               </a14:hiddenFill>
             </a:ext>
             <a:ext uri="{91240B29-F687-4f45-9708-019B960494DF}">
-              <a14:hiddenLine xmlns:a14="http://schemas.microsoft.com/office/drawing/2010/main" xmlns="" w="9525" cap="flat">
+              <a14:hiddenLine xmlns="" xmlns:a14="http://schemas.microsoft.com/office/drawing/2010/main" w="9525" cap="flat">
                 <a:solidFill>
                   <a:srgbClr val="3465A4"/>
                 </a:solidFill>
@@ -11471,7 +11471,7 @@
               </a14:hiddenLine>
             </a:ext>
             <a:ext uri="{AF507438-7753-43e0-B8FC-AC1667EBCBE1}">
-              <a14:hiddenEffects xmlns:a14="http://schemas.microsoft.com/office/drawing/2010/main" xmlns="">
+              <a14:hiddenEffects xmlns="" xmlns:a14="http://schemas.microsoft.com/office/drawing/2010/main">
                 <a:effectLst>
                   <a:outerShdw blurRad="63500" dist="38099" dir="2700000" algn="ctr" rotWithShape="0">
                     <a:schemeClr val="bg2">
@@ -11880,7 +11880,7 @@
           </a:ln>
           <a:extLst>
             <a:ext uri="{AF507438-7753-43e0-B8FC-AC1667EBCBE1}">
-              <a14:hiddenEffects xmlns:a14="http://schemas.microsoft.com/office/drawing/2010/main" xmlns="">
+              <a14:hiddenEffects xmlns="" xmlns:a14="http://schemas.microsoft.com/office/drawing/2010/main">
                 <a:effectLst>
                   <a:outerShdw blurRad="63500" dist="38099" dir="2700000" algn="ctr" rotWithShape="0">
                     <a:srgbClr val="000000">
@@ -11916,14 +11916,14 @@
           <a:effectLst/>
           <a:extLst>
             <a:ext uri="{909E8E84-426E-40dd-AFC4-6F175D3DCCD1}">
-              <a14:hiddenFill xmlns:a14="http://schemas.microsoft.com/office/drawing/2010/main" xmlns="">
+              <a14:hiddenFill xmlns="" xmlns:a14="http://schemas.microsoft.com/office/drawing/2010/main">
                 <a:solidFill>
                   <a:srgbClr val="FFFFFF"/>
                 </a:solidFill>
               </a14:hiddenFill>
             </a:ext>
             <a:ext uri="{91240B29-F687-4f45-9708-019B960494DF}">
-              <a14:hiddenLine xmlns:a14="http://schemas.microsoft.com/office/drawing/2010/main" xmlns="" w="9525" cap="flat">
+              <a14:hiddenLine xmlns="" xmlns:a14="http://schemas.microsoft.com/office/drawing/2010/main" w="9525" cap="flat">
                 <a:solidFill>
                   <a:srgbClr val="3465A4"/>
                 </a:solidFill>
@@ -11933,7 +11933,7 @@
               </a14:hiddenLine>
             </a:ext>
             <a:ext uri="{AF507438-7753-43e0-B8FC-AC1667EBCBE1}">
-              <a14:hiddenEffects xmlns:a14="http://schemas.microsoft.com/office/drawing/2010/main" xmlns="">
+              <a14:hiddenEffects xmlns="" xmlns:a14="http://schemas.microsoft.com/office/drawing/2010/main">
                 <a:effectLst>
                   <a:outerShdw blurRad="63500" dist="38099" dir="2700000" algn="ctr" rotWithShape="0">
                     <a:srgbClr val="000000">
@@ -12005,14 +12005,14 @@
         <p:spPr>
           <a:extLst>
             <a:ext uri="{909E8E84-426E-40dd-AFC4-6F175D3DCCD1}">
-              <a14:hiddenFill xmlns:a14="http://schemas.microsoft.com/office/drawing/2010/main" xmlns="">
+              <a14:hiddenFill xmlns="" xmlns:a14="http://schemas.microsoft.com/office/drawing/2010/main">
                 <a:solidFill>
                   <a:srgbClr val="FFFFFF"/>
                 </a:solidFill>
               </a14:hiddenFill>
             </a:ext>
             <a:ext uri="{91240B29-F687-4f45-9708-019B960494DF}">
-              <a14:hiddenLine xmlns:a14="http://schemas.microsoft.com/office/drawing/2010/main" xmlns="" w="9525" cap="flat">
+              <a14:hiddenLine xmlns="" xmlns:a14="http://schemas.microsoft.com/office/drawing/2010/main" w="9525" cap="flat">
                 <a:solidFill>
                   <a:srgbClr val="3465A4"/>
                 </a:solidFill>
@@ -12022,7 +12022,7 @@
               </a14:hiddenLine>
             </a:ext>
             <a:ext uri="{AF507438-7753-43e0-B8FC-AC1667EBCBE1}">
-              <a14:hiddenEffects xmlns:a14="http://schemas.microsoft.com/office/drawing/2010/main" xmlns="">
+              <a14:hiddenEffects xmlns="" xmlns:a14="http://schemas.microsoft.com/office/drawing/2010/main">
                 <a:effectLst>
                   <a:outerShdw blurRad="63500" dist="38099" dir="2700000" algn="ctr" rotWithShape="0">
                     <a:schemeClr val="bg2">
@@ -12431,7 +12431,7 @@
           </a:ln>
           <a:extLst>
             <a:ext uri="{AF507438-7753-43e0-B8FC-AC1667EBCBE1}">
-              <a14:hiddenEffects xmlns:a14="http://schemas.microsoft.com/office/drawing/2010/main" xmlns="">
+              <a14:hiddenEffects xmlns="" xmlns:a14="http://schemas.microsoft.com/office/drawing/2010/main">
                 <a:effectLst>
                   <a:outerShdw blurRad="63500" dist="38099" dir="2700000" algn="ctr" rotWithShape="0">
                     <a:srgbClr val="000000">
@@ -12467,14 +12467,14 @@
           <a:effectLst/>
           <a:extLst>
             <a:ext uri="{909E8E84-426E-40dd-AFC4-6F175D3DCCD1}">
-              <a14:hiddenFill xmlns:a14="http://schemas.microsoft.com/office/drawing/2010/main" xmlns="">
+              <a14:hiddenFill xmlns="" xmlns:a14="http://schemas.microsoft.com/office/drawing/2010/main">
                 <a:solidFill>
                   <a:srgbClr val="FFFFFF"/>
                 </a:solidFill>
               </a14:hiddenFill>
             </a:ext>
             <a:ext uri="{91240B29-F687-4f45-9708-019B960494DF}">
-              <a14:hiddenLine xmlns:a14="http://schemas.microsoft.com/office/drawing/2010/main" xmlns="" w="9525" cap="flat">
+              <a14:hiddenLine xmlns="" xmlns:a14="http://schemas.microsoft.com/office/drawing/2010/main" w="9525" cap="flat">
                 <a:solidFill>
                   <a:srgbClr val="3465A4"/>
                 </a:solidFill>
@@ -12484,7 +12484,7 @@
               </a14:hiddenLine>
             </a:ext>
             <a:ext uri="{AF507438-7753-43e0-B8FC-AC1667EBCBE1}">
-              <a14:hiddenEffects xmlns:a14="http://schemas.microsoft.com/office/drawing/2010/main" xmlns="">
+              <a14:hiddenEffects xmlns="" xmlns:a14="http://schemas.microsoft.com/office/drawing/2010/main">
                 <a:effectLst>
                   <a:outerShdw blurRad="63500" dist="38099" dir="2700000" algn="ctr" rotWithShape="0">
                     <a:srgbClr val="000000">
@@ -14637,7 +14637,7 @@
           <a:effectLst/>
           <a:extLst>
             <a:ext uri="{AF507438-7753-43e0-B8FC-AC1667EBCBE1}">
-              <a14:hiddenEffects xmlns:a14="http://schemas.microsoft.com/office/drawing/2010/main" xmlns="">
+              <a14:hiddenEffects xmlns="" xmlns:a14="http://schemas.microsoft.com/office/drawing/2010/main">
                 <a:effectLst>
                   <a:outerShdw blurRad="63500" dist="38099" dir="2700000" algn="ctr" rotWithShape="0">
                     <a:srgbClr val="000000">
@@ -14690,14 +14690,14 @@
               <ma14:placeholderFlag xmlns:ma14="http://schemas.microsoft.com/office/mac/drawingml/2011/main" val="1"/>
             </a:ext>
             <a:ext uri="{909E8E84-426E-40dd-AFC4-6F175D3DCCD1}">
-              <a14:hiddenFill xmlns:a14="http://schemas.microsoft.com/office/drawing/2010/main" xmlns="">
+              <a14:hiddenFill xmlns="" xmlns:a14="http://schemas.microsoft.com/office/drawing/2010/main">
                 <a:solidFill>
                   <a:srgbClr val="FFFFFF"/>
                 </a:solidFill>
               </a14:hiddenFill>
             </a:ext>
             <a:ext uri="{91240B29-F687-4f45-9708-019B960494DF}">
-              <a14:hiddenLine xmlns:a14="http://schemas.microsoft.com/office/drawing/2010/main" xmlns="" w="9525" cap="flat">
+              <a14:hiddenLine xmlns="" xmlns:a14="http://schemas.microsoft.com/office/drawing/2010/main" w="9525" cap="flat">
                 <a:solidFill>
                   <a:srgbClr val="3465A4"/>
                 </a:solidFill>
@@ -14707,7 +14707,7 @@
               </a14:hiddenLine>
             </a:ext>
             <a:ext uri="{AF507438-7753-43e0-B8FC-AC1667EBCBE1}">
-              <a14:hiddenEffects xmlns:a14="http://schemas.microsoft.com/office/drawing/2010/main" xmlns="">
+              <a14:hiddenEffects xmlns="" xmlns:a14="http://schemas.microsoft.com/office/drawing/2010/main">
                 <a:effectLst>
                   <a:outerShdw blurRad="63500" dist="38099" dir="2700000" algn="ctr" rotWithShape="0">
                     <a:schemeClr val="bg2">
@@ -14763,14 +14763,14 @@
               <ma14:placeholderFlag xmlns:ma14="http://schemas.microsoft.com/office/mac/drawingml/2011/main" val="1"/>
             </a:ext>
             <a:ext uri="{909E8E84-426E-40dd-AFC4-6F175D3DCCD1}">
-              <a14:hiddenFill xmlns:a14="http://schemas.microsoft.com/office/drawing/2010/main" xmlns="">
+              <a14:hiddenFill xmlns="" xmlns:a14="http://schemas.microsoft.com/office/drawing/2010/main">
                 <a:solidFill>
                   <a:srgbClr val="FFFFFF"/>
                 </a:solidFill>
               </a14:hiddenFill>
             </a:ext>
             <a:ext uri="{91240B29-F687-4f45-9708-019B960494DF}">
-              <a14:hiddenLine xmlns:a14="http://schemas.microsoft.com/office/drawing/2010/main" xmlns="" w="9525" cap="flat">
+              <a14:hiddenLine xmlns="" xmlns:a14="http://schemas.microsoft.com/office/drawing/2010/main" w="9525" cap="flat">
                 <a:solidFill>
                   <a:srgbClr val="3465A4"/>
                 </a:solidFill>
@@ -14780,7 +14780,7 @@
               </a14:hiddenLine>
             </a:ext>
             <a:ext uri="{AF507438-7753-43e0-B8FC-AC1667EBCBE1}">
-              <a14:hiddenEffects xmlns:a14="http://schemas.microsoft.com/office/drawing/2010/main" xmlns="">
+              <a14:hiddenEffects xmlns="" xmlns:a14="http://schemas.microsoft.com/office/drawing/2010/main">
                 <a:effectLst>
                   <a:outerShdw blurRad="63500" dist="38099" dir="2700000" algn="ctr" rotWithShape="0">
                     <a:schemeClr val="bg2">
@@ -14873,14 +14873,14 @@
           <a:effectLst/>
           <a:extLst>
             <a:ext uri="{909E8E84-426E-40dd-AFC4-6F175D3DCCD1}">
-              <a14:hiddenFill xmlns:a14="http://schemas.microsoft.com/office/drawing/2010/main" xmlns="">
+              <a14:hiddenFill xmlns="" xmlns:a14="http://schemas.microsoft.com/office/drawing/2010/main">
                 <a:solidFill>
                   <a:srgbClr val="FFFFFF"/>
                 </a:solidFill>
               </a14:hiddenFill>
             </a:ext>
             <a:ext uri="{91240B29-F687-4f45-9708-019B960494DF}">
-              <a14:hiddenLine xmlns:a14="http://schemas.microsoft.com/office/drawing/2010/main" xmlns="" w="9525" cap="flat">
+              <a14:hiddenLine xmlns="" xmlns:a14="http://schemas.microsoft.com/office/drawing/2010/main" w="9525" cap="flat">
                 <a:solidFill>
                   <a:srgbClr val="3465A4"/>
                 </a:solidFill>
@@ -14890,7 +14890,7 @@
               </a14:hiddenLine>
             </a:ext>
             <a:ext uri="{AF507438-7753-43e0-B8FC-AC1667EBCBE1}">
-              <a14:hiddenEffects xmlns:a14="http://schemas.microsoft.com/office/drawing/2010/main" xmlns="">
+              <a14:hiddenEffects xmlns="" xmlns:a14="http://schemas.microsoft.com/office/drawing/2010/main">
                 <a:effectLst>
                   <a:outerShdw blurRad="63500" dist="38099" dir="2700000" algn="ctr" rotWithShape="0">
                     <a:srgbClr val="000000">
@@ -14943,14 +14943,14 @@
               <ma14:placeholderFlag xmlns:ma14="http://schemas.microsoft.com/office/mac/drawingml/2011/main" val="1"/>
             </a:ext>
             <a:ext uri="{909E8E84-426E-40dd-AFC4-6F175D3DCCD1}">
-              <a14:hiddenFill xmlns:a14="http://schemas.microsoft.com/office/drawing/2010/main" xmlns="">
+              <a14:hiddenFill xmlns="" xmlns:a14="http://schemas.microsoft.com/office/drawing/2010/main">
                 <a:solidFill>
                   <a:srgbClr val="FFFFFF"/>
                 </a:solidFill>
               </a14:hiddenFill>
             </a:ext>
             <a:ext uri="{91240B29-F687-4f45-9708-019B960494DF}">
-              <a14:hiddenLine xmlns:a14="http://schemas.microsoft.com/office/drawing/2010/main" xmlns="" w="9525" cap="flat">
+              <a14:hiddenLine xmlns="" xmlns:a14="http://schemas.microsoft.com/office/drawing/2010/main" w="9525" cap="flat">
                 <a:solidFill>
                   <a:srgbClr val="3465A4"/>
                 </a:solidFill>
@@ -14960,7 +14960,7 @@
               </a14:hiddenLine>
             </a:ext>
             <a:ext uri="{AF507438-7753-43e0-B8FC-AC1667EBCBE1}">
-              <a14:hiddenEffects xmlns:a14="http://schemas.microsoft.com/office/drawing/2010/main" xmlns="">
+              <a14:hiddenEffects xmlns="" xmlns:a14="http://schemas.microsoft.com/office/drawing/2010/main">
                 <a:effectLst>
                   <a:outerShdw blurRad="63500" dist="38099" dir="2700000" algn="ctr" rotWithShape="0">
                     <a:schemeClr val="bg2">
@@ -15059,7 +15059,7 @@
           <a:effectLst/>
           <a:extLst>
             <a:ext uri="{909E8E84-426E-40dd-AFC4-6F175D3DCCD1}">
-              <a14:hiddenFill xmlns:a14="http://schemas.microsoft.com/office/drawing/2010/main" xmlns="">
+              <a14:hiddenFill xmlns="" xmlns:a14="http://schemas.microsoft.com/office/drawing/2010/main">
                 <a:blipFill dpi="0" rotWithShape="0">
                   <a:blip xmlns:r="http://schemas.openxmlformats.org/officeDocument/2006/relationships"/>
                   <a:srcRect/>
@@ -15070,7 +15070,7 @@
               </a14:hiddenFill>
             </a:ext>
             <a:ext uri="{91240B29-F687-4f45-9708-019B960494DF}">
-              <a14:hiddenLine xmlns:a14="http://schemas.microsoft.com/office/drawing/2010/main" xmlns="" w="9525" cap="flat">
+              <a14:hiddenLine xmlns="" xmlns:a14="http://schemas.microsoft.com/office/drawing/2010/main" w="9525" cap="flat">
                 <a:solidFill>
                   <a:srgbClr val="3465A4"/>
                 </a:solidFill>
@@ -15080,7 +15080,7 @@
               </a14:hiddenLine>
             </a:ext>
             <a:ext uri="{AF507438-7753-43e0-B8FC-AC1667EBCBE1}">
-              <a14:hiddenEffects xmlns:a14="http://schemas.microsoft.com/office/drawing/2010/main" xmlns="">
+              <a14:hiddenEffects xmlns="" xmlns:a14="http://schemas.microsoft.com/office/drawing/2010/main">
                 <a:effectLst>
                   <a:outerShdw blurRad="63500" dist="38099" dir="2700000" algn="ctr" rotWithShape="0">
                     <a:srgbClr val="000000">
@@ -15116,14 +15116,14 @@
           <a:effectLst/>
           <a:extLst>
             <a:ext uri="{909E8E84-426E-40dd-AFC4-6F175D3DCCD1}">
-              <a14:hiddenFill xmlns:a14="http://schemas.microsoft.com/office/drawing/2010/main" xmlns="">
+              <a14:hiddenFill xmlns="" xmlns:a14="http://schemas.microsoft.com/office/drawing/2010/main">
                 <a:solidFill>
                   <a:srgbClr val="FFFFFF"/>
                 </a:solidFill>
               </a14:hiddenFill>
             </a:ext>
             <a:ext uri="{91240B29-F687-4f45-9708-019B960494DF}">
-              <a14:hiddenLine xmlns:a14="http://schemas.microsoft.com/office/drawing/2010/main" xmlns="" w="9525" cap="flat">
+              <a14:hiddenLine xmlns="" xmlns:a14="http://schemas.microsoft.com/office/drawing/2010/main" w="9525" cap="flat">
                 <a:solidFill>
                   <a:srgbClr val="3465A4"/>
                 </a:solidFill>
@@ -15133,7 +15133,7 @@
               </a14:hiddenLine>
             </a:ext>
             <a:ext uri="{AF507438-7753-43e0-B8FC-AC1667EBCBE1}">
-              <a14:hiddenEffects xmlns:a14="http://schemas.microsoft.com/office/drawing/2010/main" xmlns="">
+              <a14:hiddenEffects xmlns="" xmlns:a14="http://schemas.microsoft.com/office/drawing/2010/main">
                 <a:effectLst>
                   <a:outerShdw blurRad="63500" dist="38099" dir="2700000" algn="ctr" rotWithShape="0">
                     <a:srgbClr val="000000">
@@ -15792,7 +15792,6 @@
               <a:rPr lang="en-GB" dirty="0" smtClean="0"/>
               <a:t>Network Time Protocol (NTP)</a:t>
             </a:r>
-            <a:endParaRPr lang="en-GB" dirty="0" smtClean="0"/>
           </a:p>
         </p:txBody>
       </p:sp>
@@ -16108,7 +16107,7 @@
   <p:timing>
     <p:tnLst>
       <p:par>
-        <p:cTn id="1" dur="indefinite" nodeType="tmRoot">
+        <p:cTn id="1" dur="indefinite" restart="never" nodeType="tmRoot">
           <p:childTnLst>
             <p:seq concurrent="1" nextAc="seek">
               <p:cTn id="2" dur="0" nodeType="mainSeq"/>
@@ -16185,14 +16184,14 @@
           <a:effectLst/>
           <a:extLst>
             <a:ext uri="{909E8E84-426E-40dd-AFC4-6F175D3DCCD1}">
-              <a14:hiddenFill xmlns:a14="http://schemas.microsoft.com/office/drawing/2010/main" xmlns="">
+              <a14:hiddenFill xmlns="" xmlns:a14="http://schemas.microsoft.com/office/drawing/2010/main">
                 <a:solidFill>
                   <a:srgbClr val="FFFFFF"/>
                 </a:solidFill>
               </a14:hiddenFill>
             </a:ext>
             <a:ext uri="{91240B29-F687-4f45-9708-019B960494DF}">
-              <a14:hiddenLine xmlns:a14="http://schemas.microsoft.com/office/drawing/2010/main" xmlns="" w="9525" cap="flat">
+              <a14:hiddenLine xmlns="" xmlns:a14="http://schemas.microsoft.com/office/drawing/2010/main" w="9525" cap="flat">
                 <a:solidFill>
                   <a:srgbClr val="3465A4"/>
                 </a:solidFill>
@@ -16202,7 +16201,7 @@
               </a14:hiddenLine>
             </a:ext>
             <a:ext uri="{AF507438-7753-43e0-B8FC-AC1667EBCBE1}">
-              <a14:hiddenEffects xmlns:a14="http://schemas.microsoft.com/office/drawing/2010/main" xmlns="">
+              <a14:hiddenEffects xmlns="" xmlns:a14="http://schemas.microsoft.com/office/drawing/2010/main">
                 <a:effectLst>
                   <a:outerShdw blurRad="63500" dist="38099" dir="2700000" algn="ctr" rotWithShape="0">
                     <a:srgbClr val="000000">
@@ -16588,9 +16587,6 @@
               </a:rPr>
               <a:t>Step 2: NTP Server Configuration </a:t>
             </a:r>
-            <a:endParaRPr lang="en-US" sz="4400" b="1" dirty="0" smtClean="0">
-              <a:latin typeface="Trebuchet MS" charset="0"/>
-            </a:endParaRPr>
           </a:p>
         </p:txBody>
       </p:sp>
@@ -16617,14 +16613,14 @@
           <a:effectLst/>
           <a:extLst>
             <a:ext uri="{909E8E84-426E-40dd-AFC4-6F175D3DCCD1}">
-              <a14:hiddenFill xmlns:a14="http://schemas.microsoft.com/office/drawing/2010/main" xmlns="">
+              <a14:hiddenFill xmlns="" xmlns:a14="http://schemas.microsoft.com/office/drawing/2010/main">
                 <a:solidFill>
                   <a:srgbClr val="FFFFFF"/>
                 </a:solidFill>
               </a14:hiddenFill>
             </a:ext>
             <a:ext uri="{91240B29-F687-4f45-9708-019B960494DF}">
-              <a14:hiddenLine xmlns:a14="http://schemas.microsoft.com/office/drawing/2010/main" xmlns="" w="9525" cap="flat">
+              <a14:hiddenLine xmlns="" xmlns:a14="http://schemas.microsoft.com/office/drawing/2010/main" w="9525" cap="flat">
                 <a:solidFill>
                   <a:srgbClr val="3465A4"/>
                 </a:solidFill>
@@ -16634,7 +16630,7 @@
               </a14:hiddenLine>
             </a:ext>
             <a:ext uri="{AF507438-7753-43e0-B8FC-AC1667EBCBE1}">
-              <a14:hiddenEffects xmlns:a14="http://schemas.microsoft.com/office/drawing/2010/main" xmlns="">
+              <a14:hiddenEffects xmlns="" xmlns:a14="http://schemas.microsoft.com/office/drawing/2010/main">
                 <a:effectLst>
                   <a:outerShdw blurRad="63500" dist="38099" dir="2700000" algn="ctr" rotWithShape="0">
                     <a:srgbClr val="000000">
@@ -17643,7 +17639,7 @@
   <p:timing>
     <p:tnLst>
       <p:par>
-        <p:cTn id="1" dur="indefinite" nodeType="tmRoot">
+        <p:cTn id="1" dur="indefinite" restart="never" nodeType="tmRoot">
           <p:childTnLst>
             <p:seq concurrent="1" nextAc="seek">
               <p:cTn id="2" dur="0" nodeType="mainSeq"/>
@@ -17720,14 +17716,14 @@
           <a:effectLst/>
           <a:extLst>
             <a:ext uri="{909E8E84-426E-40dd-AFC4-6F175D3DCCD1}">
-              <a14:hiddenFill xmlns:a14="http://schemas.microsoft.com/office/drawing/2010/main" xmlns="">
+              <a14:hiddenFill xmlns="" xmlns:a14="http://schemas.microsoft.com/office/drawing/2010/main">
                 <a:solidFill>
                   <a:srgbClr val="FFFFFF"/>
                 </a:solidFill>
               </a14:hiddenFill>
             </a:ext>
             <a:ext uri="{91240B29-F687-4f45-9708-019B960494DF}">
-              <a14:hiddenLine xmlns:a14="http://schemas.microsoft.com/office/drawing/2010/main" xmlns="" w="9525" cap="flat">
+              <a14:hiddenLine xmlns="" xmlns:a14="http://schemas.microsoft.com/office/drawing/2010/main" w="9525" cap="flat">
                 <a:solidFill>
                   <a:srgbClr val="3465A4"/>
                 </a:solidFill>
@@ -17737,7 +17733,7 @@
               </a14:hiddenLine>
             </a:ext>
             <a:ext uri="{AF507438-7753-43e0-B8FC-AC1667EBCBE1}">
-              <a14:hiddenEffects xmlns:a14="http://schemas.microsoft.com/office/drawing/2010/main" xmlns="">
+              <a14:hiddenEffects xmlns="" xmlns:a14="http://schemas.microsoft.com/office/drawing/2010/main">
                 <a:effectLst>
                   <a:outerShdw blurRad="63500" dist="38099" dir="2700000" algn="ctr" rotWithShape="0">
                     <a:srgbClr val="000000">
@@ -18161,14 +18157,14 @@
           <a:effectLst/>
           <a:extLst>
             <a:ext uri="{909E8E84-426E-40dd-AFC4-6F175D3DCCD1}">
-              <a14:hiddenFill xmlns:a14="http://schemas.microsoft.com/office/drawing/2010/main" xmlns="">
+              <a14:hiddenFill xmlns="" xmlns:a14="http://schemas.microsoft.com/office/drawing/2010/main">
                 <a:solidFill>
                   <a:srgbClr val="FFFFFF"/>
                 </a:solidFill>
               </a14:hiddenFill>
             </a:ext>
             <a:ext uri="{91240B29-F687-4f45-9708-019B960494DF}">
-              <a14:hiddenLine xmlns:a14="http://schemas.microsoft.com/office/drawing/2010/main" xmlns="" w="9525" cap="flat">
+              <a14:hiddenLine xmlns="" xmlns:a14="http://schemas.microsoft.com/office/drawing/2010/main" w="9525" cap="flat">
                 <a:solidFill>
                   <a:srgbClr val="3465A4"/>
                 </a:solidFill>
@@ -18178,7 +18174,7 @@
               </a14:hiddenLine>
             </a:ext>
             <a:ext uri="{AF507438-7753-43e0-B8FC-AC1667EBCBE1}">
-              <a14:hiddenEffects xmlns:a14="http://schemas.microsoft.com/office/drawing/2010/main" xmlns="">
+              <a14:hiddenEffects xmlns="" xmlns:a14="http://schemas.microsoft.com/office/drawing/2010/main">
                 <a:effectLst>
                   <a:outerShdw blurRad="63500" dist="38099" dir="2700000" algn="ctr" rotWithShape="0">
                     <a:srgbClr val="000000">
@@ -18678,20 +18674,6 @@
               <a:buChar char=""/>
               <a:defRPr/>
             </a:pPr>
-            <a:r>
-              <a:rPr lang="en-US" sz="2800" dirty="0" smtClean="0">
-                <a:ea typeface="Arial" charset="0"/>
-                <a:cs typeface="Arial" charset="0"/>
-              </a:rPr>
-              <a:t>Now restrict who is allowed to query the server for time </a:t>
-            </a:r>
-            <a:r>
-              <a:rPr lang="en-US" sz="2800" dirty="0">
-                <a:ea typeface="Arial" charset="0"/>
-                <a:cs typeface="Arial" charset="0"/>
-              </a:rPr>
-              <a:t>and what else they are allowed to do with the NTP server</a:t>
-            </a:r>
             <a:endParaRPr lang="en-US" sz="2800" dirty="0" smtClean="0">
               <a:ea typeface="Arial" charset="0"/>
               <a:cs typeface="Arial" charset="0"/>
@@ -19032,7 +19014,7 @@
   <p:timing>
     <p:tnLst>
       <p:par>
-        <p:cTn id="1" dur="indefinite" nodeType="tmRoot">
+        <p:cTn id="1" dur="indefinite" restart="never" nodeType="tmRoot">
           <p:childTnLst>
             <p:seq concurrent="1" nextAc="seek">
               <p:cTn id="2" dur="0" nodeType="mainSeq"/>
@@ -19109,14 +19091,14 @@
           <a:effectLst/>
           <a:extLst>
             <a:ext uri="{909E8E84-426E-40dd-AFC4-6F175D3DCCD1}">
-              <a14:hiddenFill xmlns:a14="http://schemas.microsoft.com/office/drawing/2010/main" xmlns="">
+              <a14:hiddenFill xmlns="" xmlns:a14="http://schemas.microsoft.com/office/drawing/2010/main">
                 <a:solidFill>
                   <a:srgbClr val="FFFFFF"/>
                 </a:solidFill>
               </a14:hiddenFill>
             </a:ext>
             <a:ext uri="{91240B29-F687-4f45-9708-019B960494DF}">
-              <a14:hiddenLine xmlns:a14="http://schemas.microsoft.com/office/drawing/2010/main" xmlns="" w="9525" cap="flat">
+              <a14:hiddenLine xmlns="" xmlns:a14="http://schemas.microsoft.com/office/drawing/2010/main" w="9525" cap="flat">
                 <a:solidFill>
                   <a:srgbClr val="3465A4"/>
                 </a:solidFill>
@@ -19126,7 +19108,7 @@
               </a14:hiddenLine>
             </a:ext>
             <a:ext uri="{AF507438-7753-43e0-B8FC-AC1667EBCBE1}">
-              <a14:hiddenEffects xmlns:a14="http://schemas.microsoft.com/office/drawing/2010/main" xmlns="">
+              <a14:hiddenEffects xmlns="" xmlns:a14="http://schemas.microsoft.com/office/drawing/2010/main">
                 <a:effectLst>
                   <a:outerShdw blurRad="63500" dist="38099" dir="2700000" algn="ctr" rotWithShape="0">
                     <a:srgbClr val="000000">
@@ -19550,14 +19532,14 @@
           <a:effectLst/>
           <a:extLst>
             <a:ext uri="{909E8E84-426E-40dd-AFC4-6F175D3DCCD1}">
-              <a14:hiddenFill xmlns:a14="http://schemas.microsoft.com/office/drawing/2010/main" xmlns="">
+              <a14:hiddenFill xmlns="" xmlns:a14="http://schemas.microsoft.com/office/drawing/2010/main">
                 <a:solidFill>
                   <a:srgbClr val="FFFFFF"/>
                 </a:solidFill>
               </a14:hiddenFill>
             </a:ext>
             <a:ext uri="{91240B29-F687-4f45-9708-019B960494DF}">
-              <a14:hiddenLine xmlns:a14="http://schemas.microsoft.com/office/drawing/2010/main" xmlns="" w="9525" cap="flat">
+              <a14:hiddenLine xmlns="" xmlns:a14="http://schemas.microsoft.com/office/drawing/2010/main" w="9525" cap="flat">
                 <a:solidFill>
                   <a:srgbClr val="3465A4"/>
                 </a:solidFill>
@@ -19567,7 +19549,7 @@
               </a14:hiddenLine>
             </a:ext>
             <a:ext uri="{AF507438-7753-43e0-B8FC-AC1667EBCBE1}">
-              <a14:hiddenEffects xmlns:a14="http://schemas.microsoft.com/office/drawing/2010/main" xmlns="">
+              <a14:hiddenEffects xmlns="" xmlns:a14="http://schemas.microsoft.com/office/drawing/2010/main">
                 <a:effectLst>
                   <a:outerShdw blurRad="63500" dist="38099" dir="2700000" algn="ctr" rotWithShape="0">
                     <a:srgbClr val="000000">
@@ -20517,7 +20499,7 @@
   <p:timing>
     <p:tnLst>
       <p:par>
-        <p:cTn id="1" dur="indefinite" nodeType="tmRoot">
+        <p:cTn id="1" dur="indefinite" restart="never" nodeType="tmRoot">
           <p:childTnLst>
             <p:seq concurrent="1" nextAc="seek">
               <p:cTn id="2" dur="0" nodeType="mainSeq"/>
@@ -20594,14 +20576,14 @@
           <a:effectLst/>
           <a:extLst>
             <a:ext uri="{909E8E84-426E-40dd-AFC4-6F175D3DCCD1}">
-              <a14:hiddenFill xmlns:a14="http://schemas.microsoft.com/office/drawing/2010/main" xmlns="">
+              <a14:hiddenFill xmlns="" xmlns:a14="http://schemas.microsoft.com/office/drawing/2010/main">
                 <a:solidFill>
                   <a:srgbClr val="FFFFFF"/>
                 </a:solidFill>
               </a14:hiddenFill>
             </a:ext>
             <a:ext uri="{91240B29-F687-4f45-9708-019B960494DF}">
-              <a14:hiddenLine xmlns:a14="http://schemas.microsoft.com/office/drawing/2010/main" xmlns="" w="9525" cap="flat">
+              <a14:hiddenLine xmlns="" xmlns:a14="http://schemas.microsoft.com/office/drawing/2010/main" w="9525" cap="flat">
                 <a:solidFill>
                   <a:srgbClr val="3465A4"/>
                 </a:solidFill>
@@ -20611,7 +20593,7 @@
               </a14:hiddenLine>
             </a:ext>
             <a:ext uri="{AF507438-7753-43e0-B8FC-AC1667EBCBE1}">
-              <a14:hiddenEffects xmlns:a14="http://schemas.microsoft.com/office/drawing/2010/main" xmlns="">
+              <a14:hiddenEffects xmlns="" xmlns:a14="http://schemas.microsoft.com/office/drawing/2010/main">
                 <a:effectLst>
                   <a:outerShdw blurRad="63500" dist="38099" dir="2700000" algn="ctr" rotWithShape="0">
                     <a:srgbClr val="000000">
@@ -21035,14 +21017,14 @@
           <a:effectLst/>
           <a:extLst>
             <a:ext uri="{909E8E84-426E-40dd-AFC4-6F175D3DCCD1}">
-              <a14:hiddenFill xmlns:a14="http://schemas.microsoft.com/office/drawing/2010/main" xmlns="">
+              <a14:hiddenFill xmlns="" xmlns:a14="http://schemas.microsoft.com/office/drawing/2010/main">
                 <a:solidFill>
                   <a:srgbClr val="FFFFFF"/>
                 </a:solidFill>
               </a14:hiddenFill>
             </a:ext>
             <a:ext uri="{91240B29-F687-4f45-9708-019B960494DF}">
-              <a14:hiddenLine xmlns:a14="http://schemas.microsoft.com/office/drawing/2010/main" xmlns="" w="9525" cap="flat">
+              <a14:hiddenLine xmlns="" xmlns:a14="http://schemas.microsoft.com/office/drawing/2010/main" w="9525" cap="flat">
                 <a:solidFill>
                   <a:srgbClr val="3465A4"/>
                 </a:solidFill>
@@ -21052,7 +21034,7 @@
               </a14:hiddenLine>
             </a:ext>
             <a:ext uri="{AF507438-7753-43e0-B8FC-AC1667EBCBE1}">
-              <a14:hiddenEffects xmlns:a14="http://schemas.microsoft.com/office/drawing/2010/main" xmlns="">
+              <a14:hiddenEffects xmlns="" xmlns:a14="http://schemas.microsoft.com/office/drawing/2010/main">
                 <a:effectLst>
                   <a:outerShdw blurRad="63500" dist="38099" dir="2700000" algn="ctr" rotWithShape="0">
                     <a:srgbClr val="000000">
@@ -21995,7 +21977,7 @@
   <p:timing>
     <p:tnLst>
       <p:par>
-        <p:cTn id="1" dur="indefinite" nodeType="tmRoot">
+        <p:cTn id="1" dur="indefinite" restart="never" nodeType="tmRoot">
           <p:childTnLst>
             <p:seq concurrent="1" nextAc="seek">
               <p:cTn id="2" dur="0" nodeType="mainSeq"/>
@@ -22072,14 +22054,14 @@
           <a:effectLst/>
           <a:extLst>
             <a:ext uri="{909E8E84-426E-40dd-AFC4-6F175D3DCCD1}">
-              <a14:hiddenFill xmlns:a14="http://schemas.microsoft.com/office/drawing/2010/main" xmlns="">
+              <a14:hiddenFill xmlns="" xmlns:a14="http://schemas.microsoft.com/office/drawing/2010/main">
                 <a:solidFill>
                   <a:srgbClr val="FFFFFF"/>
                 </a:solidFill>
               </a14:hiddenFill>
             </a:ext>
             <a:ext uri="{91240B29-F687-4f45-9708-019B960494DF}">
-              <a14:hiddenLine xmlns:a14="http://schemas.microsoft.com/office/drawing/2010/main" xmlns="" w="9525" cap="flat">
+              <a14:hiddenLine xmlns="" xmlns:a14="http://schemas.microsoft.com/office/drawing/2010/main" w="9525" cap="flat">
                 <a:solidFill>
                   <a:srgbClr val="3465A4"/>
                 </a:solidFill>
@@ -22089,7 +22071,7 @@
               </a14:hiddenLine>
             </a:ext>
             <a:ext uri="{AF507438-7753-43e0-B8FC-AC1667EBCBE1}">
-              <a14:hiddenEffects xmlns:a14="http://schemas.microsoft.com/office/drawing/2010/main" xmlns="">
+              <a14:hiddenEffects xmlns="" xmlns:a14="http://schemas.microsoft.com/office/drawing/2010/main">
                 <a:effectLst>
                   <a:outerShdw blurRad="63500" dist="38099" dir="2700000" algn="ctr" rotWithShape="0">
                     <a:srgbClr val="000000">
@@ -22513,14 +22495,14 @@
           <a:effectLst/>
           <a:extLst>
             <a:ext uri="{909E8E84-426E-40dd-AFC4-6F175D3DCCD1}">
-              <a14:hiddenFill xmlns:a14="http://schemas.microsoft.com/office/drawing/2010/main" xmlns="">
+              <a14:hiddenFill xmlns="" xmlns:a14="http://schemas.microsoft.com/office/drawing/2010/main">
                 <a:solidFill>
                   <a:srgbClr val="FFFFFF"/>
                 </a:solidFill>
               </a14:hiddenFill>
             </a:ext>
             <a:ext uri="{91240B29-F687-4f45-9708-019B960494DF}">
-              <a14:hiddenLine xmlns:a14="http://schemas.microsoft.com/office/drawing/2010/main" xmlns="" w="9525" cap="flat">
+              <a14:hiddenLine xmlns="" xmlns:a14="http://schemas.microsoft.com/office/drawing/2010/main" w="9525" cap="flat">
                 <a:solidFill>
                   <a:srgbClr val="3465A4"/>
                 </a:solidFill>
@@ -22530,7 +22512,7 @@
               </a14:hiddenLine>
             </a:ext>
             <a:ext uri="{AF507438-7753-43e0-B8FC-AC1667EBCBE1}">
-              <a14:hiddenEffects xmlns:a14="http://schemas.microsoft.com/office/drawing/2010/main" xmlns="">
+              <a14:hiddenEffects xmlns="" xmlns:a14="http://schemas.microsoft.com/office/drawing/2010/main">
                 <a:effectLst>
                   <a:outerShdw blurRad="63500" dist="38099" dir="2700000" algn="ctr" rotWithShape="0">
                     <a:srgbClr val="000000">
@@ -23166,7 +23148,7 @@
   <p:timing>
     <p:tnLst>
       <p:par>
-        <p:cTn id="1" dur="indefinite" nodeType="tmRoot">
+        <p:cTn id="1" dur="indefinite" restart="never" nodeType="tmRoot">
           <p:childTnLst>
             <p:seq concurrent="1" nextAc="seek">
               <p:cTn id="2" dur="0" nodeType="mainSeq"/>
@@ -23243,14 +23225,14 @@
           <a:effectLst/>
           <a:extLst>
             <a:ext uri="{909E8E84-426E-40dd-AFC4-6F175D3DCCD1}">
-              <a14:hiddenFill xmlns:a14="http://schemas.microsoft.com/office/drawing/2010/main" xmlns="">
+              <a14:hiddenFill xmlns="" xmlns:a14="http://schemas.microsoft.com/office/drawing/2010/main">
                 <a:solidFill>
                   <a:srgbClr val="FFFFFF"/>
                 </a:solidFill>
               </a14:hiddenFill>
             </a:ext>
             <a:ext uri="{91240B29-F687-4f45-9708-019B960494DF}">
-              <a14:hiddenLine xmlns:a14="http://schemas.microsoft.com/office/drawing/2010/main" xmlns="" w="9525" cap="flat">
+              <a14:hiddenLine xmlns="" xmlns:a14="http://schemas.microsoft.com/office/drawing/2010/main" w="9525" cap="flat">
                 <a:solidFill>
                   <a:srgbClr val="3465A4"/>
                 </a:solidFill>
@@ -23260,7 +23242,7 @@
               </a14:hiddenLine>
             </a:ext>
             <a:ext uri="{AF507438-7753-43e0-B8FC-AC1667EBCBE1}">
-              <a14:hiddenEffects xmlns:a14="http://schemas.microsoft.com/office/drawing/2010/main" xmlns="">
+              <a14:hiddenEffects xmlns="" xmlns:a14="http://schemas.microsoft.com/office/drawing/2010/main">
                 <a:effectLst>
                   <a:outerShdw blurRad="63500" dist="38099" dir="2700000" algn="ctr" rotWithShape="0">
                     <a:srgbClr val="000000">
@@ -23646,9 +23628,6 @@
               </a:rPr>
               <a:t>Step 4: Starting NTP</a:t>
             </a:r>
-            <a:endParaRPr lang="en-GB" sz="4400" b="1" dirty="0" smtClean="0">
-              <a:latin typeface="Trebuchet MS" charset="0"/>
-            </a:endParaRPr>
           </a:p>
         </p:txBody>
       </p:sp>
@@ -23675,14 +23654,14 @@
           <a:effectLst/>
           <a:extLst>
             <a:ext uri="{909E8E84-426E-40dd-AFC4-6F175D3DCCD1}">
-              <a14:hiddenFill xmlns:a14="http://schemas.microsoft.com/office/drawing/2010/main" xmlns="">
+              <a14:hiddenFill xmlns="" xmlns:a14="http://schemas.microsoft.com/office/drawing/2010/main">
                 <a:solidFill>
                   <a:srgbClr val="FFFFFF"/>
                 </a:solidFill>
               </a14:hiddenFill>
             </a:ext>
             <a:ext uri="{91240B29-F687-4f45-9708-019B960494DF}">
-              <a14:hiddenLine xmlns:a14="http://schemas.microsoft.com/office/drawing/2010/main" xmlns="" w="9525" cap="flat">
+              <a14:hiddenLine xmlns="" xmlns:a14="http://schemas.microsoft.com/office/drawing/2010/main" w="9525" cap="flat">
                 <a:solidFill>
                   <a:srgbClr val="3465A4"/>
                 </a:solidFill>
@@ -23692,7 +23671,7 @@
               </a14:hiddenLine>
             </a:ext>
             <a:ext uri="{AF507438-7753-43e0-B8FC-AC1667EBCBE1}">
-              <a14:hiddenEffects xmlns:a14="http://schemas.microsoft.com/office/drawing/2010/main" xmlns="">
+              <a14:hiddenEffects xmlns="" xmlns:a14="http://schemas.microsoft.com/office/drawing/2010/main">
                 <a:effectLst>
                   <a:outerShdw blurRad="63500" dist="38099" dir="2700000" algn="ctr" rotWithShape="0">
                     <a:srgbClr val="000000">
@@ -24701,7 +24680,7 @@
   <p:timing>
     <p:tnLst>
       <p:par>
-        <p:cTn id="1" dur="indefinite" nodeType="tmRoot">
+        <p:cTn id="1" dur="indefinite" restart="never" nodeType="tmRoot">
           <p:childTnLst>
             <p:seq concurrent="1" nextAc="seek">
               <p:cTn id="2" dur="0" nodeType="mainSeq"/>
@@ -24778,14 +24757,14 @@
           <a:effectLst/>
           <a:extLst>
             <a:ext uri="{909E8E84-426E-40dd-AFC4-6F175D3DCCD1}">
-              <a14:hiddenFill xmlns:a14="http://schemas.microsoft.com/office/drawing/2010/main" xmlns="">
+              <a14:hiddenFill xmlns="" xmlns:a14="http://schemas.microsoft.com/office/drawing/2010/main">
                 <a:solidFill>
                   <a:srgbClr val="FFFFFF"/>
                 </a:solidFill>
               </a14:hiddenFill>
             </a:ext>
             <a:ext uri="{91240B29-F687-4f45-9708-019B960494DF}">
-              <a14:hiddenLine xmlns:a14="http://schemas.microsoft.com/office/drawing/2010/main" xmlns="" w="9525" cap="flat">
+              <a14:hiddenLine xmlns="" xmlns:a14="http://schemas.microsoft.com/office/drawing/2010/main" w="9525" cap="flat">
                 <a:solidFill>
                   <a:srgbClr val="3465A4"/>
                 </a:solidFill>
@@ -24795,7 +24774,7 @@
               </a14:hiddenLine>
             </a:ext>
             <a:ext uri="{AF507438-7753-43e0-B8FC-AC1667EBCBE1}">
-              <a14:hiddenEffects xmlns:a14="http://schemas.microsoft.com/office/drawing/2010/main" xmlns="">
+              <a14:hiddenEffects xmlns="" xmlns:a14="http://schemas.microsoft.com/office/drawing/2010/main">
                 <a:effectLst>
                   <a:outerShdw blurRad="63500" dist="38099" dir="2700000" algn="ctr" rotWithShape="0">
                     <a:srgbClr val="000000">
@@ -25181,9 +25160,6 @@
               </a:rPr>
               <a:t>Step 5: Start NTP!</a:t>
             </a:r>
-            <a:endParaRPr lang="en-GB" sz="4400" b="1" dirty="0" smtClean="0">
-              <a:latin typeface="Trebuchet MS" charset="0"/>
-            </a:endParaRPr>
           </a:p>
         </p:txBody>
       </p:sp>
@@ -25210,14 +25186,14 @@
           <a:effectLst/>
           <a:extLst>
             <a:ext uri="{909E8E84-426E-40dd-AFC4-6F175D3DCCD1}">
-              <a14:hiddenFill xmlns:a14="http://schemas.microsoft.com/office/drawing/2010/main" xmlns="">
+              <a14:hiddenFill xmlns="" xmlns:a14="http://schemas.microsoft.com/office/drawing/2010/main">
                 <a:solidFill>
                   <a:srgbClr val="FFFFFF"/>
                 </a:solidFill>
               </a14:hiddenFill>
             </a:ext>
             <a:ext uri="{91240B29-F687-4f45-9708-019B960494DF}">
-              <a14:hiddenLine xmlns:a14="http://schemas.microsoft.com/office/drawing/2010/main" xmlns="" w="9525" cap="flat">
+              <a14:hiddenLine xmlns="" xmlns:a14="http://schemas.microsoft.com/office/drawing/2010/main" w="9525" cap="flat">
                 <a:solidFill>
                   <a:srgbClr val="3465A4"/>
                 </a:solidFill>
@@ -25227,7 +25203,7 @@
               </a14:hiddenLine>
             </a:ext>
             <a:ext uri="{AF507438-7753-43e0-B8FC-AC1667EBCBE1}">
-              <a14:hiddenEffects xmlns:a14="http://schemas.microsoft.com/office/drawing/2010/main" xmlns="">
+              <a14:hiddenEffects xmlns="" xmlns:a14="http://schemas.microsoft.com/office/drawing/2010/main">
                 <a:effectLst>
                   <a:outerShdw blurRad="63500" dist="38099" dir="2700000" algn="ctr" rotWithShape="0">
                     <a:srgbClr val="000000">
@@ -25766,11 +25742,6 @@
               </a:rPr>
               <a:t> start</a:t>
             </a:r>
-            <a:endParaRPr lang="en-GB" sz="3200" dirty="0" smtClean="0">
-              <a:latin typeface="Courier" charset="0"/>
-              <a:ea typeface="Courier" charset="0"/>
-              <a:cs typeface="Courier" charset="0"/>
-            </a:endParaRPr>
           </a:p>
           <a:p>
             <a:pPr>
@@ -25792,13 +25763,7 @@
               <a:rPr lang="en-GB" sz="3200" dirty="0" smtClean="0">
                 <a:latin typeface="Trebuchet MS" charset="0"/>
               </a:rPr>
-              <a:t>Check that </a:t>
-            </a:r>
-            <a:r>
-              <a:rPr lang="en-GB" sz="3200" dirty="0" smtClean="0">
-                <a:latin typeface="Trebuchet MS" charset="0"/>
-              </a:rPr>
-              <a:t>your server is synchronized with the </a:t>
+              <a:t>Check that your server is synchronized with the </a:t>
             </a:r>
             <a:r>
               <a:rPr lang="en-GB" sz="3200" dirty="0" err="1" smtClean="0">
@@ -26028,7 +25993,7 @@
   <p:timing>
     <p:tnLst>
       <p:par>
-        <p:cTn id="1" dur="indefinite" nodeType="tmRoot">
+        <p:cTn id="1" dur="indefinite" restart="never" nodeType="tmRoot">
           <p:childTnLst>
             <p:seq concurrent="1" nextAc="seek">
               <p:cTn id="2" dur="0" nodeType="mainSeq"/>
@@ -26105,14 +26070,14 @@
           <a:effectLst/>
           <a:extLst>
             <a:ext uri="{909E8E84-426E-40dd-AFC4-6F175D3DCCD1}">
-              <a14:hiddenFill xmlns:a14="http://schemas.microsoft.com/office/drawing/2010/main" xmlns="">
+              <a14:hiddenFill xmlns="" xmlns:a14="http://schemas.microsoft.com/office/drawing/2010/main">
                 <a:solidFill>
                   <a:srgbClr val="FFFFFF"/>
                 </a:solidFill>
               </a14:hiddenFill>
             </a:ext>
             <a:ext uri="{91240B29-F687-4f45-9708-019B960494DF}">
-              <a14:hiddenLine xmlns:a14="http://schemas.microsoft.com/office/drawing/2010/main" xmlns="" w="9525" cap="flat">
+              <a14:hiddenLine xmlns="" xmlns:a14="http://schemas.microsoft.com/office/drawing/2010/main" w="9525" cap="flat">
                 <a:solidFill>
                   <a:srgbClr val="3465A4"/>
                 </a:solidFill>
@@ -26122,7 +26087,7 @@
               </a14:hiddenLine>
             </a:ext>
             <a:ext uri="{AF507438-7753-43e0-B8FC-AC1667EBCBE1}">
-              <a14:hiddenEffects xmlns:a14="http://schemas.microsoft.com/office/drawing/2010/main" xmlns="">
+              <a14:hiddenEffects xmlns="" xmlns:a14="http://schemas.microsoft.com/office/drawing/2010/main">
                 <a:effectLst>
                   <a:outerShdw blurRad="63500" dist="38099" dir="2700000" algn="ctr" rotWithShape="0">
                     <a:srgbClr val="000000">
@@ -26508,9 +26473,6 @@
               </a:rPr>
               <a:t>NTP Exercises</a:t>
             </a:r>
-            <a:endParaRPr lang="en-US" sz="4400" b="1" dirty="0" smtClean="0">
-              <a:latin typeface="Trebuchet MS" charset="0"/>
-            </a:endParaRPr>
           </a:p>
         </p:txBody>
       </p:sp>
@@ -26537,14 +26499,14 @@
           <a:effectLst/>
           <a:extLst>
             <a:ext uri="{909E8E84-426E-40dd-AFC4-6F175D3DCCD1}">
-              <a14:hiddenFill xmlns:a14="http://schemas.microsoft.com/office/drawing/2010/main" xmlns="">
+              <a14:hiddenFill xmlns="" xmlns:a14="http://schemas.microsoft.com/office/drawing/2010/main">
                 <a:solidFill>
                   <a:srgbClr val="FFFFFF"/>
                 </a:solidFill>
               </a14:hiddenFill>
             </a:ext>
             <a:ext uri="{91240B29-F687-4f45-9708-019B960494DF}">
-              <a14:hiddenLine xmlns:a14="http://schemas.microsoft.com/office/drawing/2010/main" xmlns="" w="9525" cap="flat">
+              <a14:hiddenLine xmlns="" xmlns:a14="http://schemas.microsoft.com/office/drawing/2010/main" w="9525" cap="flat">
                 <a:solidFill>
                   <a:srgbClr val="3465A4"/>
                 </a:solidFill>
@@ -26554,7 +26516,7 @@
               </a14:hiddenLine>
             </a:ext>
             <a:ext uri="{AF507438-7753-43e0-B8FC-AC1667EBCBE1}">
-              <a14:hiddenEffects xmlns:a14="http://schemas.microsoft.com/office/drawing/2010/main" xmlns="">
+              <a14:hiddenEffects xmlns="" xmlns:a14="http://schemas.microsoft.com/office/drawing/2010/main">
                 <a:effectLst>
                   <a:outerShdw blurRad="63500" dist="38099" dir="2700000" algn="ctr" rotWithShape="0">
                     <a:srgbClr val="000000">
@@ -26588,7 +26550,7 @@
   <p:timing>
     <p:tnLst>
       <p:par>
-        <p:cTn id="1" dur="indefinite" nodeType="tmRoot">
+        <p:cTn id="1" dur="indefinite" restart="never" nodeType="tmRoot">
           <p:childTnLst>
             <p:seq concurrent="1" nextAc="seek">
               <p:cTn id="2" dur="0" nodeType="mainSeq"/>
@@ -26665,14 +26627,14 @@
           <a:effectLst/>
           <a:extLst>
             <a:ext uri="{909E8E84-426E-40dd-AFC4-6F175D3DCCD1}">
-              <a14:hiddenFill xmlns:a14="http://schemas.microsoft.com/office/drawing/2010/main" xmlns="">
+              <a14:hiddenFill xmlns="" xmlns:a14="http://schemas.microsoft.com/office/drawing/2010/main">
                 <a:solidFill>
                   <a:srgbClr val="FFFFFF"/>
                 </a:solidFill>
               </a14:hiddenFill>
             </a:ext>
             <a:ext uri="{91240B29-F687-4f45-9708-019B960494DF}">
-              <a14:hiddenLine xmlns:a14="http://schemas.microsoft.com/office/drawing/2010/main" xmlns="" w="9525" cap="flat">
+              <a14:hiddenLine xmlns="" xmlns:a14="http://schemas.microsoft.com/office/drawing/2010/main" w="9525" cap="flat">
                 <a:solidFill>
                   <a:srgbClr val="3465A4"/>
                 </a:solidFill>
@@ -26682,7 +26644,7 @@
               </a14:hiddenLine>
             </a:ext>
             <a:ext uri="{AF507438-7753-43e0-B8FC-AC1667EBCBE1}">
-              <a14:hiddenEffects xmlns:a14="http://schemas.microsoft.com/office/drawing/2010/main" xmlns="">
+              <a14:hiddenEffects xmlns="" xmlns:a14="http://schemas.microsoft.com/office/drawing/2010/main">
                 <a:effectLst>
                   <a:outerShdw blurRad="63500" dist="38099" dir="2700000" algn="ctr" rotWithShape="0">
                     <a:srgbClr val="000000">
@@ -27066,17 +27028,8 @@
               <a:rPr lang="en-GB" sz="4400" b="1" dirty="0" smtClean="0">
                 <a:latin typeface="Trebuchet MS" charset="0"/>
               </a:rPr>
-              <a:t>About </a:t>
-            </a:r>
-            <a:r>
-              <a:rPr lang="en-GB" sz="4400" b="1" dirty="0" smtClean="0">
-                <a:latin typeface="Trebuchet MS" charset="0"/>
-              </a:rPr>
-              <a:t>NTP</a:t>
-            </a:r>
-            <a:endParaRPr lang="en-GB" sz="4400" b="1" dirty="0" smtClean="0">
-              <a:latin typeface="Trebuchet MS" charset="0"/>
-            </a:endParaRPr>
+              <a:t>About NTP</a:t>
+            </a:r>
           </a:p>
         </p:txBody>
       </p:sp>
@@ -27103,14 +27056,14 @@
           <a:effectLst/>
           <a:extLst>
             <a:ext uri="{909E8E84-426E-40dd-AFC4-6F175D3DCCD1}">
-              <a14:hiddenFill xmlns:a14="http://schemas.microsoft.com/office/drawing/2010/main" xmlns="">
+              <a14:hiddenFill xmlns="" xmlns:a14="http://schemas.microsoft.com/office/drawing/2010/main">
                 <a:solidFill>
                   <a:srgbClr val="FFFFFF"/>
                 </a:solidFill>
               </a14:hiddenFill>
             </a:ext>
             <a:ext uri="{91240B29-F687-4f45-9708-019B960494DF}">
-              <a14:hiddenLine xmlns:a14="http://schemas.microsoft.com/office/drawing/2010/main" xmlns="" w="9525" cap="flat">
+              <a14:hiddenLine xmlns="" xmlns:a14="http://schemas.microsoft.com/office/drawing/2010/main" w="9525" cap="flat">
                 <a:solidFill>
                   <a:srgbClr val="3465A4"/>
                 </a:solidFill>
@@ -27120,7 +27073,7 @@
               </a14:hiddenLine>
             </a:ext>
             <a:ext uri="{AF507438-7753-43e0-B8FC-AC1667EBCBE1}">
-              <a14:hiddenEffects xmlns:a14="http://schemas.microsoft.com/office/drawing/2010/main" xmlns="">
+              <a14:hiddenEffects xmlns="" xmlns:a14="http://schemas.microsoft.com/office/drawing/2010/main">
                 <a:effectLst>
                   <a:outerShdw blurRad="63500" dist="38099" dir="2700000" algn="ctr" rotWithShape="0">
                     <a:srgbClr val="000000">
@@ -27511,6 +27464,35 @@
               </a:rPr>
               <a:t>Network Time Protocol project</a:t>
             </a:r>
+          </a:p>
+          <a:p>
+            <a:pPr>
+              <a:lnSpc>
+                <a:spcPct val="97000"/>
+              </a:lnSpc>
+              <a:spcAft>
+                <a:spcPts val="1413"/>
+              </a:spcAft>
+              <a:buClr>
+                <a:srgbClr val="FF6309"/>
+              </a:buClr>
+              <a:buSzPct val="45000"/>
+              <a:buFont typeface="Wingdings" charset="0"/>
+              <a:buChar char=""/>
+              <a:defRPr/>
+            </a:pPr>
+            <a:r>
+              <a:rPr lang="en-GB" sz="3200" dirty="0" smtClean="0">
+                <a:latin typeface="Trebuchet MS" charset="0"/>
+              </a:rPr>
+              <a:t>http://</a:t>
+            </a:r>
+            <a:r>
+              <a:rPr lang="en-GB" sz="3200" dirty="0" err="1" smtClean="0">
+                <a:latin typeface="Trebuchet MS" charset="0"/>
+              </a:rPr>
+              <a:t>ntp.org</a:t>
+            </a:r>
             <a:endParaRPr lang="en-GB" sz="3200" dirty="0" smtClean="0">
               <a:latin typeface="Trebuchet MS" charset="0"/>
             </a:endParaRPr>
@@ -27532,44 +27514,6 @@
               <a:defRPr/>
             </a:pPr>
             <a:r>
-              <a:rPr lang="en-GB" sz="3200" dirty="0" smtClean="0">
-                <a:latin typeface="Trebuchet MS" charset="0"/>
-              </a:rPr>
-              <a:t>http</a:t>
-            </a:r>
-            <a:r>
-              <a:rPr lang="en-GB" sz="3200" dirty="0" smtClean="0">
-                <a:latin typeface="Trebuchet MS" charset="0"/>
-              </a:rPr>
-              <a:t>://</a:t>
-            </a:r>
-            <a:r>
-              <a:rPr lang="en-GB" sz="3200" dirty="0" err="1" smtClean="0">
-                <a:latin typeface="Trebuchet MS" charset="0"/>
-              </a:rPr>
-              <a:t>ntp.org</a:t>
-            </a:r>
-            <a:endParaRPr lang="en-GB" sz="3200" dirty="0" smtClean="0">
-              <a:latin typeface="Trebuchet MS" charset="0"/>
-            </a:endParaRPr>
-          </a:p>
-          <a:p>
-            <a:pPr>
-              <a:lnSpc>
-                <a:spcPct val="97000"/>
-              </a:lnSpc>
-              <a:spcAft>
-                <a:spcPts val="1413"/>
-              </a:spcAft>
-              <a:buClr>
-                <a:srgbClr val="FF6309"/>
-              </a:buClr>
-              <a:buSzPct val="45000"/>
-              <a:buFont typeface="Wingdings" charset="0"/>
-              <a:buChar char=""/>
-              <a:defRPr/>
-            </a:pPr>
-            <a:r>
               <a:rPr lang="en-GB" sz="3200" dirty="0">
                 <a:latin typeface="Trebuchet MS" charset="0"/>
               </a:rPr>
@@ -27593,7 +27537,7 @@
   <p:timing>
     <p:tnLst>
       <p:par>
-        <p:cTn id="1" dur="indefinite" nodeType="tmRoot">
+        <p:cTn id="1" dur="indefinite" restart="never" nodeType="tmRoot">
           <p:childTnLst>
             <p:seq concurrent="1" nextAc="seek">
               <p:cTn id="2" dur="0" nodeType="mainSeq"/>
@@ -27670,14 +27614,14 @@
           <a:effectLst/>
           <a:extLst>
             <a:ext uri="{909E8E84-426E-40dd-AFC4-6F175D3DCCD1}">
-              <a14:hiddenFill xmlns:a14="http://schemas.microsoft.com/office/drawing/2010/main" xmlns="">
+              <a14:hiddenFill xmlns="" xmlns:a14="http://schemas.microsoft.com/office/drawing/2010/main">
                 <a:solidFill>
                   <a:srgbClr val="FFFFFF"/>
                 </a:solidFill>
               </a14:hiddenFill>
             </a:ext>
             <a:ext uri="{91240B29-F687-4f45-9708-019B960494DF}">
-              <a14:hiddenLine xmlns:a14="http://schemas.microsoft.com/office/drawing/2010/main" xmlns="" w="9525" cap="flat">
+              <a14:hiddenLine xmlns="" xmlns:a14="http://schemas.microsoft.com/office/drawing/2010/main" w="9525" cap="flat">
                 <a:solidFill>
                   <a:srgbClr val="3465A4"/>
                 </a:solidFill>
@@ -27687,7 +27631,7 @@
               </a14:hiddenLine>
             </a:ext>
             <a:ext uri="{AF507438-7753-43e0-B8FC-AC1667EBCBE1}">
-              <a14:hiddenEffects xmlns:a14="http://schemas.microsoft.com/office/drawing/2010/main" xmlns="">
+              <a14:hiddenEffects xmlns="" xmlns:a14="http://schemas.microsoft.com/office/drawing/2010/main">
                 <a:effectLst>
                   <a:outerShdw blurRad="63500" dist="38099" dir="2700000" algn="ctr" rotWithShape="0">
                     <a:srgbClr val="000000">
@@ -28071,17 +28015,8 @@
               <a:rPr lang="en-GB" sz="4400" b="1" dirty="0" smtClean="0">
                 <a:latin typeface="Trebuchet MS" charset="0"/>
               </a:rPr>
-              <a:t>About </a:t>
-            </a:r>
-            <a:r>
-              <a:rPr lang="en-GB" sz="4400" b="1" dirty="0" smtClean="0">
-                <a:latin typeface="Trebuchet MS" charset="0"/>
-              </a:rPr>
-              <a:t>NTP</a:t>
-            </a:r>
-            <a:endParaRPr lang="en-GB" sz="4400" b="1" dirty="0" smtClean="0">
-              <a:latin typeface="Trebuchet MS" charset="0"/>
-            </a:endParaRPr>
+              <a:t>About NTP</a:t>
+            </a:r>
           </a:p>
         </p:txBody>
       </p:sp>
@@ -28108,14 +28043,14 @@
           <a:effectLst/>
           <a:extLst>
             <a:ext uri="{909E8E84-426E-40dd-AFC4-6F175D3DCCD1}">
-              <a14:hiddenFill xmlns:a14="http://schemas.microsoft.com/office/drawing/2010/main" xmlns="">
+              <a14:hiddenFill xmlns="" xmlns:a14="http://schemas.microsoft.com/office/drawing/2010/main">
                 <a:solidFill>
                   <a:srgbClr val="FFFFFF"/>
                 </a:solidFill>
               </a14:hiddenFill>
             </a:ext>
             <a:ext uri="{91240B29-F687-4f45-9708-019B960494DF}">
-              <a14:hiddenLine xmlns:a14="http://schemas.microsoft.com/office/drawing/2010/main" xmlns="" w="9525" cap="flat">
+              <a14:hiddenLine xmlns="" xmlns:a14="http://schemas.microsoft.com/office/drawing/2010/main" w="9525" cap="flat">
                 <a:solidFill>
                   <a:srgbClr val="3465A4"/>
                 </a:solidFill>
@@ -28125,7 +28060,7 @@
               </a14:hiddenLine>
             </a:ext>
             <a:ext uri="{AF507438-7753-43e0-B8FC-AC1667EBCBE1}">
-              <a14:hiddenEffects xmlns:a14="http://schemas.microsoft.com/office/drawing/2010/main" xmlns="">
+              <a14:hiddenEffects xmlns="" xmlns:a14="http://schemas.microsoft.com/office/drawing/2010/main">
                 <a:effectLst>
                   <a:outerShdw blurRad="63500" dist="38099" dir="2700000" algn="ctr" rotWithShape="0">
                     <a:srgbClr val="000000">
@@ -28516,11 +28451,7 @@
             </a:r>
             <a:r>
               <a:rPr lang="en-GB" sz="3200" dirty="0"/>
-              <a:t>version 4, a significant revision of the previous NTP standard, </a:t>
-            </a:r>
-            <a:r>
-              <a:rPr lang="en-GB" sz="3200" dirty="0"/>
-              <a:t>is the current development version. </a:t>
+              <a:t>version 4, a significant revision of the previous NTP standard, is the current development version. </a:t>
             </a:r>
             <a:r>
               <a:rPr lang="en-GB" sz="3200" dirty="0" smtClean="0"/>
@@ -28674,7 +28605,7 @@
   <p:timing>
     <p:tnLst>
       <p:par>
-        <p:cTn id="1" dur="indefinite" nodeType="tmRoot">
+        <p:cTn id="1" dur="indefinite" restart="never" nodeType="tmRoot">
           <p:childTnLst>
             <p:seq concurrent="1" nextAc="seek">
               <p:cTn id="2" dur="0" nodeType="mainSeq"/>
@@ -28751,14 +28682,14 @@
           <a:effectLst/>
           <a:extLst>
             <a:ext uri="{909E8E84-426E-40dd-AFC4-6F175D3DCCD1}">
-              <a14:hiddenFill xmlns:a14="http://schemas.microsoft.com/office/drawing/2010/main" xmlns="">
+              <a14:hiddenFill xmlns="" xmlns:a14="http://schemas.microsoft.com/office/drawing/2010/main">
                 <a:solidFill>
                   <a:srgbClr val="FFFFFF"/>
                 </a:solidFill>
               </a14:hiddenFill>
             </a:ext>
             <a:ext uri="{91240B29-F687-4f45-9708-019B960494DF}">
-              <a14:hiddenLine xmlns:a14="http://schemas.microsoft.com/office/drawing/2010/main" xmlns="" w="9525" cap="flat">
+              <a14:hiddenLine xmlns="" xmlns:a14="http://schemas.microsoft.com/office/drawing/2010/main" w="9525" cap="flat">
                 <a:solidFill>
                   <a:srgbClr val="3465A4"/>
                 </a:solidFill>
@@ -28768,7 +28699,7 @@
               </a14:hiddenLine>
             </a:ext>
             <a:ext uri="{AF507438-7753-43e0-B8FC-AC1667EBCBE1}">
-              <a14:hiddenEffects xmlns:a14="http://schemas.microsoft.com/office/drawing/2010/main" xmlns="">
+              <a14:hiddenEffects xmlns="" xmlns:a14="http://schemas.microsoft.com/office/drawing/2010/main">
                 <a:effectLst>
                   <a:outerShdw blurRad="63500" dist="38099" dir="2700000" algn="ctr" rotWithShape="0">
                     <a:srgbClr val="000000">
@@ -29154,9 +29085,6 @@
               </a:rPr>
               <a:t>NTP and Time Synchronization</a:t>
             </a:r>
-            <a:endParaRPr lang="en-US" sz="4400" b="1" dirty="0" smtClean="0">
-              <a:latin typeface="Trebuchet MS" charset="0"/>
-            </a:endParaRPr>
           </a:p>
         </p:txBody>
       </p:sp>
@@ -29183,14 +29111,14 @@
           <a:effectLst/>
           <a:extLst>
             <a:ext uri="{909E8E84-426E-40dd-AFC4-6F175D3DCCD1}">
-              <a14:hiddenFill xmlns:a14="http://schemas.microsoft.com/office/drawing/2010/main" xmlns="">
+              <a14:hiddenFill xmlns="" xmlns:a14="http://schemas.microsoft.com/office/drawing/2010/main">
                 <a:solidFill>
                   <a:srgbClr val="FFFFFF"/>
                 </a:solidFill>
               </a14:hiddenFill>
             </a:ext>
             <a:ext uri="{91240B29-F687-4f45-9708-019B960494DF}">
-              <a14:hiddenLine xmlns:a14="http://schemas.microsoft.com/office/drawing/2010/main" xmlns="" w="9525" cap="flat">
+              <a14:hiddenLine xmlns="" xmlns:a14="http://schemas.microsoft.com/office/drawing/2010/main" w="9525" cap="flat">
                 <a:solidFill>
                   <a:srgbClr val="3465A4"/>
                 </a:solidFill>
@@ -29200,7 +29128,7 @@
               </a14:hiddenLine>
             </a:ext>
             <a:ext uri="{AF507438-7753-43e0-B8FC-AC1667EBCBE1}">
-              <a14:hiddenEffects xmlns:a14="http://schemas.microsoft.com/office/drawing/2010/main" xmlns="">
+              <a14:hiddenEffects xmlns="" xmlns:a14="http://schemas.microsoft.com/office/drawing/2010/main">
                 <a:effectLst>
                   <a:outerShdw blurRad="63500" dist="38099" dir="2700000" algn="ctr" rotWithShape="0">
                     <a:srgbClr val="000000">
@@ -29765,7 +29693,7 @@
   <p:timing>
     <p:tnLst>
       <p:par>
-        <p:cTn id="1" dur="indefinite" nodeType="tmRoot">
+        <p:cTn id="1" dur="indefinite" restart="never" nodeType="tmRoot">
           <p:childTnLst>
             <p:seq concurrent="1" nextAc="seek">
               <p:cTn id="2" dur="0" nodeType="mainSeq"/>
@@ -29842,14 +29770,14 @@
           <a:effectLst/>
           <a:extLst>
             <a:ext uri="{909E8E84-426E-40dd-AFC4-6F175D3DCCD1}">
-              <a14:hiddenFill xmlns:a14="http://schemas.microsoft.com/office/drawing/2010/main" xmlns="">
+              <a14:hiddenFill xmlns="" xmlns:a14="http://schemas.microsoft.com/office/drawing/2010/main">
                 <a:solidFill>
                   <a:srgbClr val="FFFFFF"/>
                 </a:solidFill>
               </a14:hiddenFill>
             </a:ext>
             <a:ext uri="{91240B29-F687-4f45-9708-019B960494DF}">
-              <a14:hiddenLine xmlns:a14="http://schemas.microsoft.com/office/drawing/2010/main" xmlns="" w="9525" cap="flat">
+              <a14:hiddenLine xmlns="" xmlns:a14="http://schemas.microsoft.com/office/drawing/2010/main" w="9525" cap="flat">
                 <a:solidFill>
                   <a:srgbClr val="3465A4"/>
                 </a:solidFill>
@@ -29859,7 +29787,7 @@
               </a14:hiddenLine>
             </a:ext>
             <a:ext uri="{AF507438-7753-43e0-B8FC-AC1667EBCBE1}">
-              <a14:hiddenEffects xmlns:a14="http://schemas.microsoft.com/office/drawing/2010/main" xmlns="">
+              <a14:hiddenEffects xmlns="" xmlns:a14="http://schemas.microsoft.com/office/drawing/2010/main">
                 <a:effectLst>
                   <a:outerShdw blurRad="63500" dist="38099" dir="2700000" algn="ctr" rotWithShape="0">
                     <a:srgbClr val="000000">
@@ -30245,9 +30173,6 @@
               </a:rPr>
               <a:t>How NTP Works</a:t>
             </a:r>
-            <a:endParaRPr lang="en-US" sz="4400" b="1" dirty="0" smtClean="0">
-              <a:latin typeface="Trebuchet MS" charset="0"/>
-            </a:endParaRPr>
           </a:p>
         </p:txBody>
       </p:sp>
@@ -30274,14 +30199,14 @@
           <a:effectLst/>
           <a:extLst>
             <a:ext uri="{909E8E84-426E-40dd-AFC4-6F175D3DCCD1}">
-              <a14:hiddenFill xmlns:a14="http://schemas.microsoft.com/office/drawing/2010/main" xmlns="">
+              <a14:hiddenFill xmlns="" xmlns:a14="http://schemas.microsoft.com/office/drawing/2010/main">
                 <a:solidFill>
                   <a:srgbClr val="FFFFFF"/>
                 </a:solidFill>
               </a14:hiddenFill>
             </a:ext>
             <a:ext uri="{91240B29-F687-4f45-9708-019B960494DF}">
-              <a14:hiddenLine xmlns:a14="http://schemas.microsoft.com/office/drawing/2010/main" xmlns="" w="9525" cap="flat">
+              <a14:hiddenLine xmlns="" xmlns:a14="http://schemas.microsoft.com/office/drawing/2010/main" w="9525" cap="flat">
                 <a:solidFill>
                   <a:srgbClr val="3465A4"/>
                 </a:solidFill>
@@ -30291,7 +30216,7 @@
               </a14:hiddenLine>
             </a:ext>
             <a:ext uri="{AF507438-7753-43e0-B8FC-AC1667EBCBE1}">
-              <a14:hiddenEffects xmlns:a14="http://schemas.microsoft.com/office/drawing/2010/main" xmlns="">
+              <a14:hiddenEffects xmlns="" xmlns:a14="http://schemas.microsoft.com/office/drawing/2010/main">
                 <a:effectLst>
                   <a:outerShdw blurRad="63500" dist="38099" dir="2700000" algn="ctr" rotWithShape="0">
                     <a:srgbClr val="000000">
@@ -30771,7 +30696,7 @@
   <p:timing>
     <p:tnLst>
       <p:par>
-        <p:cTn id="1" dur="indefinite" nodeType="tmRoot">
+        <p:cTn id="1" dur="indefinite" restart="never" nodeType="tmRoot">
           <p:childTnLst>
             <p:seq concurrent="1" nextAc="seek">
               <p:cTn id="2" dur="0" nodeType="mainSeq"/>
@@ -30848,14 +30773,14 @@
           <a:effectLst/>
           <a:extLst>
             <a:ext uri="{909E8E84-426E-40dd-AFC4-6F175D3DCCD1}">
-              <a14:hiddenFill xmlns:a14="http://schemas.microsoft.com/office/drawing/2010/main" xmlns="">
+              <a14:hiddenFill xmlns="" xmlns:a14="http://schemas.microsoft.com/office/drawing/2010/main">
                 <a:solidFill>
                   <a:srgbClr val="FFFFFF"/>
                 </a:solidFill>
               </a14:hiddenFill>
             </a:ext>
             <a:ext uri="{91240B29-F687-4f45-9708-019B960494DF}">
-              <a14:hiddenLine xmlns:a14="http://schemas.microsoft.com/office/drawing/2010/main" xmlns="" w="9525" cap="flat">
+              <a14:hiddenLine xmlns="" xmlns:a14="http://schemas.microsoft.com/office/drawing/2010/main" w="9525" cap="flat">
                 <a:solidFill>
                   <a:srgbClr val="3465A4"/>
                 </a:solidFill>
@@ -30865,7 +30790,7 @@
               </a14:hiddenLine>
             </a:ext>
             <a:ext uri="{AF507438-7753-43e0-B8FC-AC1667EBCBE1}">
-              <a14:hiddenEffects xmlns:a14="http://schemas.microsoft.com/office/drawing/2010/main" xmlns="">
+              <a14:hiddenEffects xmlns="" xmlns:a14="http://schemas.microsoft.com/office/drawing/2010/main">
                 <a:effectLst>
                   <a:outerShdw blurRad="63500" dist="38099" dir="2700000" algn="ctr" rotWithShape="0">
                     <a:srgbClr val="000000">
@@ -31251,9 +31176,6 @@
               </a:rPr>
               <a:t>How NTP Works</a:t>
             </a:r>
-            <a:endParaRPr lang="en-US" sz="4400" b="1" dirty="0" smtClean="0">
-              <a:latin typeface="Trebuchet MS" charset="0"/>
-            </a:endParaRPr>
           </a:p>
         </p:txBody>
       </p:sp>
@@ -31280,14 +31202,14 @@
           <a:effectLst/>
           <a:extLst>
             <a:ext uri="{909E8E84-426E-40dd-AFC4-6F175D3DCCD1}">
-              <a14:hiddenFill xmlns:a14="http://schemas.microsoft.com/office/drawing/2010/main" xmlns="">
+              <a14:hiddenFill xmlns="" xmlns:a14="http://schemas.microsoft.com/office/drawing/2010/main">
                 <a:solidFill>
                   <a:srgbClr val="FFFFFF"/>
                 </a:solidFill>
               </a14:hiddenFill>
             </a:ext>
             <a:ext uri="{91240B29-F687-4f45-9708-019B960494DF}">
-              <a14:hiddenLine xmlns:a14="http://schemas.microsoft.com/office/drawing/2010/main" xmlns="" w="9525" cap="flat">
+              <a14:hiddenLine xmlns="" xmlns:a14="http://schemas.microsoft.com/office/drawing/2010/main" w="9525" cap="flat">
                 <a:solidFill>
                   <a:srgbClr val="3465A4"/>
                 </a:solidFill>
@@ -31297,7 +31219,7 @@
               </a14:hiddenLine>
             </a:ext>
             <a:ext uri="{AF507438-7753-43e0-B8FC-AC1667EBCBE1}">
-              <a14:hiddenEffects xmlns:a14="http://schemas.microsoft.com/office/drawing/2010/main" xmlns="">
+              <a14:hiddenEffects xmlns="" xmlns:a14="http://schemas.microsoft.com/office/drawing/2010/main">
                 <a:effectLst>
                   <a:outerShdw blurRad="63500" dist="38099" dir="2700000" algn="ctr" rotWithShape="0">
                     <a:srgbClr val="000000">
@@ -31740,14 +31662,14 @@
           <a:effectLst/>
           <a:extLst>
             <a:ext uri="{909E8E84-426E-40dd-AFC4-6F175D3DCCD1}">
-              <a14:hiddenFill xmlns:a14="http://schemas.microsoft.com/office/drawing/2010/main" xmlns="">
+              <a14:hiddenFill xmlns="" xmlns:a14="http://schemas.microsoft.com/office/drawing/2010/main">
                 <a:solidFill>
                   <a:srgbClr val="FFFFFF"/>
                 </a:solidFill>
               </a14:hiddenFill>
             </a:ext>
             <a:ext uri="{91240B29-F687-4f45-9708-019B960494DF}">
-              <a14:hiddenLine xmlns:a14="http://schemas.microsoft.com/office/drawing/2010/main" xmlns="" w="9525" cap="flat">
+              <a14:hiddenLine xmlns="" xmlns:a14="http://schemas.microsoft.com/office/drawing/2010/main" w="9525" cap="flat">
                 <a:solidFill>
                   <a:srgbClr val="3465A4"/>
                 </a:solidFill>
@@ -31757,7 +31679,7 @@
               </a14:hiddenLine>
             </a:ext>
             <a:ext uri="{AF507438-7753-43e0-B8FC-AC1667EBCBE1}">
-              <a14:hiddenEffects xmlns:a14="http://schemas.microsoft.com/office/drawing/2010/main" xmlns="">
+              <a14:hiddenEffects xmlns="" xmlns:a14="http://schemas.microsoft.com/office/drawing/2010/main">
                 <a:effectLst>
                   <a:outerShdw blurRad="63500" dist="38099" dir="2700000" algn="ctr" rotWithShape="0">
                     <a:srgbClr val="000000">
@@ -32176,14 +32098,14 @@
           <a:effectLst/>
           <a:extLst>
             <a:ext uri="{909E8E84-426E-40dd-AFC4-6F175D3DCCD1}">
-              <a14:hiddenFill xmlns:a14="http://schemas.microsoft.com/office/drawing/2010/main" xmlns="">
+              <a14:hiddenFill xmlns="" xmlns:a14="http://schemas.microsoft.com/office/drawing/2010/main">
                 <a:solidFill>
                   <a:srgbClr val="FFFFFF"/>
                 </a:solidFill>
               </a14:hiddenFill>
             </a:ext>
             <a:ext uri="{91240B29-F687-4f45-9708-019B960494DF}">
-              <a14:hiddenLine xmlns:a14="http://schemas.microsoft.com/office/drawing/2010/main" xmlns="" w="9525" cap="flat">
+              <a14:hiddenLine xmlns="" xmlns:a14="http://schemas.microsoft.com/office/drawing/2010/main" w="9525" cap="flat">
                 <a:solidFill>
                   <a:srgbClr val="3465A4"/>
                 </a:solidFill>
@@ -32193,7 +32115,7 @@
               </a14:hiddenLine>
             </a:ext>
             <a:ext uri="{AF507438-7753-43e0-B8FC-AC1667EBCBE1}">
-              <a14:hiddenEffects xmlns:a14="http://schemas.microsoft.com/office/drawing/2010/main" xmlns="">
+              <a14:hiddenEffects xmlns="" xmlns:a14="http://schemas.microsoft.com/office/drawing/2010/main">
                 <a:effectLst>
                   <a:outerShdw blurRad="63500" dist="38099" dir="2700000" algn="ctr" rotWithShape="0">
                     <a:srgbClr val="000000">
@@ -32612,14 +32534,14 @@
           <a:effectLst/>
           <a:extLst>
             <a:ext uri="{909E8E84-426E-40dd-AFC4-6F175D3DCCD1}">
-              <a14:hiddenFill xmlns:a14="http://schemas.microsoft.com/office/drawing/2010/main" xmlns="">
+              <a14:hiddenFill xmlns="" xmlns:a14="http://schemas.microsoft.com/office/drawing/2010/main">
                 <a:solidFill>
                   <a:srgbClr val="FFFFFF"/>
                 </a:solidFill>
               </a14:hiddenFill>
             </a:ext>
             <a:ext uri="{91240B29-F687-4f45-9708-019B960494DF}">
-              <a14:hiddenLine xmlns:a14="http://schemas.microsoft.com/office/drawing/2010/main" xmlns="" w="9525" cap="flat">
+              <a14:hiddenLine xmlns="" xmlns:a14="http://schemas.microsoft.com/office/drawing/2010/main" w="9525" cap="flat">
                 <a:solidFill>
                   <a:srgbClr val="3465A4"/>
                 </a:solidFill>
@@ -32629,7 +32551,7 @@
               </a14:hiddenLine>
             </a:ext>
             <a:ext uri="{AF507438-7753-43e0-B8FC-AC1667EBCBE1}">
-              <a14:hiddenEffects xmlns:a14="http://schemas.microsoft.com/office/drawing/2010/main" xmlns="">
+              <a14:hiddenEffects xmlns="" xmlns:a14="http://schemas.microsoft.com/office/drawing/2010/main">
                 <a:effectLst>
                   <a:outerShdw blurRad="63500" dist="38099" dir="2700000" algn="ctr" rotWithShape="0">
                     <a:srgbClr val="000000">
@@ -33048,14 +32970,14 @@
           <a:effectLst/>
           <a:extLst>
             <a:ext uri="{909E8E84-426E-40dd-AFC4-6F175D3DCCD1}">
-              <a14:hiddenFill xmlns:a14="http://schemas.microsoft.com/office/drawing/2010/main" xmlns="">
+              <a14:hiddenFill xmlns="" xmlns:a14="http://schemas.microsoft.com/office/drawing/2010/main">
                 <a:solidFill>
                   <a:srgbClr val="FFFFFF"/>
                 </a:solidFill>
               </a14:hiddenFill>
             </a:ext>
             <a:ext uri="{91240B29-F687-4f45-9708-019B960494DF}">
-              <a14:hiddenLine xmlns:a14="http://schemas.microsoft.com/office/drawing/2010/main" xmlns="" w="9525" cap="flat">
+              <a14:hiddenLine xmlns="" xmlns:a14="http://schemas.microsoft.com/office/drawing/2010/main" w="9525" cap="flat">
                 <a:solidFill>
                   <a:srgbClr val="3465A4"/>
                 </a:solidFill>
@@ -33065,7 +32987,7 @@
               </a14:hiddenLine>
             </a:ext>
             <a:ext uri="{AF507438-7753-43e0-B8FC-AC1667EBCBE1}">
-              <a14:hiddenEffects xmlns:a14="http://schemas.microsoft.com/office/drawing/2010/main" xmlns="">
+              <a14:hiddenEffects xmlns="" xmlns:a14="http://schemas.microsoft.com/office/drawing/2010/main">
                 <a:effectLst>
                   <a:outerShdw blurRad="63500" dist="38099" dir="2700000" algn="ctr" rotWithShape="0">
                     <a:srgbClr val="000000">
@@ -33476,7 +33398,7 @@
   <p:timing>
     <p:tnLst>
       <p:par>
-        <p:cTn id="1" dur="indefinite" nodeType="tmRoot">
+        <p:cTn id="1" dur="indefinite" restart="never" nodeType="tmRoot">
           <p:childTnLst>
             <p:seq concurrent="1" nextAc="seek">
               <p:cTn id="2" dur="0" nodeType="mainSeq"/>
@@ -33559,7 +33481,7 @@
           <a:effectLst/>
           <a:extLst>
             <a:ext uri="{AF507438-7753-43e0-B8FC-AC1667EBCBE1}">
-              <a14:hiddenEffects xmlns:a14="http://schemas.microsoft.com/office/drawing/2010/main" xmlns="">
+              <a14:hiddenEffects xmlns="" xmlns:a14="http://schemas.microsoft.com/office/drawing/2010/main">
                 <a:effectLst>
                   <a:outerShdw blurRad="63500" dist="38099" dir="2700000" algn="ctr" rotWithShape="0">
                     <a:schemeClr val="bg2">
@@ -33635,14 +33557,14 @@
           <a:effectLst/>
           <a:extLst>
             <a:ext uri="{909E8E84-426E-40dd-AFC4-6F175D3DCCD1}">
-              <a14:hiddenFill xmlns:a14="http://schemas.microsoft.com/office/drawing/2010/main" xmlns="">
+              <a14:hiddenFill xmlns="" xmlns:a14="http://schemas.microsoft.com/office/drawing/2010/main">
                 <a:solidFill>
                   <a:srgbClr val="FFFFFF"/>
                 </a:solidFill>
               </a14:hiddenFill>
             </a:ext>
             <a:ext uri="{91240B29-F687-4f45-9708-019B960494DF}">
-              <a14:hiddenLine xmlns:a14="http://schemas.microsoft.com/office/drawing/2010/main" xmlns="" w="9525" cap="flat">
+              <a14:hiddenLine xmlns="" xmlns:a14="http://schemas.microsoft.com/office/drawing/2010/main" w="9525" cap="flat">
                 <a:solidFill>
                   <a:srgbClr val="3465A4"/>
                 </a:solidFill>
@@ -33652,7 +33574,7 @@
               </a14:hiddenLine>
             </a:ext>
             <a:ext uri="{AF507438-7753-43e0-B8FC-AC1667EBCBE1}">
-              <a14:hiddenEffects xmlns:a14="http://schemas.microsoft.com/office/drawing/2010/main" xmlns="">
+              <a14:hiddenEffects xmlns="" xmlns:a14="http://schemas.microsoft.com/office/drawing/2010/main">
                 <a:effectLst>
                   <a:outerShdw blurRad="63500" dist="38099" dir="2700000" algn="ctr" rotWithShape="0">
                     <a:srgbClr val="000000">
@@ -34038,9 +33960,6 @@
               </a:rPr>
               <a:t>Internal NTP Architecture</a:t>
             </a:r>
-            <a:endParaRPr lang="en-US" sz="4400" b="1" dirty="0" smtClean="0">
-              <a:latin typeface="Trebuchet MS" charset="0"/>
-            </a:endParaRPr>
           </a:p>
         </p:txBody>
       </p:sp>
@@ -34073,7 +33992,7 @@
           <a:effectLst/>
           <a:extLst>
             <a:ext uri="{AF507438-7753-43e0-B8FC-AC1667EBCBE1}">
-              <a14:hiddenEffects xmlns:a14="http://schemas.microsoft.com/office/drawing/2010/main" xmlns="">
+              <a14:hiddenEffects xmlns="" xmlns:a14="http://schemas.microsoft.com/office/drawing/2010/main">
                 <a:effectLst>
                   <a:outerShdw blurRad="63500" dist="38099" dir="2700000" algn="ctr" rotWithShape="0">
                     <a:schemeClr val="bg2">
@@ -34155,7 +34074,7 @@
           <a:effectLst/>
           <a:extLst>
             <a:ext uri="{AF507438-7753-43e0-B8FC-AC1667EBCBE1}">
-              <a14:hiddenEffects xmlns:a14="http://schemas.microsoft.com/office/drawing/2010/main" xmlns="">
+              <a14:hiddenEffects xmlns="" xmlns:a14="http://schemas.microsoft.com/office/drawing/2010/main">
                 <a:effectLst>
                   <a:outerShdw blurRad="63500" dist="38099" dir="2700000" algn="ctr" rotWithShape="0">
                     <a:schemeClr val="bg2">
@@ -34237,7 +34156,7 @@
           <a:effectLst/>
           <a:extLst>
             <a:ext uri="{AF507438-7753-43e0-B8FC-AC1667EBCBE1}">
-              <a14:hiddenEffects xmlns:a14="http://schemas.microsoft.com/office/drawing/2010/main" xmlns="">
+              <a14:hiddenEffects xmlns="" xmlns:a14="http://schemas.microsoft.com/office/drawing/2010/main">
                 <a:effectLst>
                   <a:outerShdw blurRad="63500" dist="38099" dir="2700000" algn="ctr" rotWithShape="0">
                     <a:schemeClr val="bg2">
@@ -34319,7 +34238,7 @@
           <a:effectLst/>
           <a:extLst>
             <a:ext uri="{AF507438-7753-43e0-B8FC-AC1667EBCBE1}">
-              <a14:hiddenEffects xmlns:a14="http://schemas.microsoft.com/office/drawing/2010/main" xmlns="">
+              <a14:hiddenEffects xmlns="" xmlns:a14="http://schemas.microsoft.com/office/drawing/2010/main">
                 <a:effectLst>
                   <a:outerShdw blurRad="63500" dist="38099" dir="2700000" algn="ctr" rotWithShape="0">
                     <a:schemeClr val="bg2">
@@ -34401,7 +34320,7 @@
           <a:effectLst/>
           <a:extLst>
             <a:ext uri="{AF507438-7753-43e0-B8FC-AC1667EBCBE1}">
-              <a14:hiddenEffects xmlns:a14="http://schemas.microsoft.com/office/drawing/2010/main" xmlns="">
+              <a14:hiddenEffects xmlns="" xmlns:a14="http://schemas.microsoft.com/office/drawing/2010/main">
                 <a:effectLst>
                   <a:outerShdw blurRad="63500" dist="38099" dir="2700000" algn="ctr" rotWithShape="0">
                     <a:schemeClr val="bg2">
@@ -34483,7 +34402,7 @@
           <a:effectLst/>
           <a:extLst>
             <a:ext uri="{AF507438-7753-43e0-B8FC-AC1667EBCBE1}">
-              <a14:hiddenEffects xmlns:a14="http://schemas.microsoft.com/office/drawing/2010/main" xmlns="">
+              <a14:hiddenEffects xmlns="" xmlns:a14="http://schemas.microsoft.com/office/drawing/2010/main">
                 <a:effectLst>
                   <a:outerShdw blurRad="63500" dist="38099" dir="2700000" algn="ctr" rotWithShape="0">
                     <a:schemeClr val="bg2">
@@ -34565,7 +34484,7 @@
           <a:effectLst/>
           <a:extLst>
             <a:ext uri="{AF507438-7753-43e0-B8FC-AC1667EBCBE1}">
-              <a14:hiddenEffects xmlns:a14="http://schemas.microsoft.com/office/drawing/2010/main" xmlns="">
+              <a14:hiddenEffects xmlns="" xmlns:a14="http://schemas.microsoft.com/office/drawing/2010/main">
                 <a:effectLst>
                   <a:outerShdw blurRad="63500" dist="38099" dir="2700000" algn="ctr" rotWithShape="0">
                     <a:schemeClr val="bg2">
@@ -34607,7 +34526,7 @@
           <a:effectLst/>
           <a:extLst>
             <a:ext uri="{AF507438-7753-43e0-B8FC-AC1667EBCBE1}">
-              <a14:hiddenEffects xmlns:a14="http://schemas.microsoft.com/office/drawing/2010/main" xmlns="">
+              <a14:hiddenEffects xmlns="" xmlns:a14="http://schemas.microsoft.com/office/drawing/2010/main">
                 <a:effectLst>
                   <a:outerShdw blurRad="63500" dist="38099" dir="2700000" algn="ctr" rotWithShape="0">
                     <a:schemeClr val="bg2">
@@ -34649,7 +34568,7 @@
           <a:effectLst/>
           <a:extLst>
             <a:ext uri="{AF507438-7753-43e0-B8FC-AC1667EBCBE1}">
-              <a14:hiddenEffects xmlns:a14="http://schemas.microsoft.com/office/drawing/2010/main" xmlns="">
+              <a14:hiddenEffects xmlns="" xmlns:a14="http://schemas.microsoft.com/office/drawing/2010/main">
                 <a:effectLst>
                   <a:outerShdw blurRad="63500" dist="38099" dir="2700000" algn="ctr" rotWithShape="0">
                     <a:schemeClr val="bg2">
@@ -34691,7 +34610,7 @@
           <a:effectLst/>
           <a:extLst>
             <a:ext uri="{AF507438-7753-43e0-B8FC-AC1667EBCBE1}">
-              <a14:hiddenEffects xmlns:a14="http://schemas.microsoft.com/office/drawing/2010/main" xmlns="">
+              <a14:hiddenEffects xmlns="" xmlns:a14="http://schemas.microsoft.com/office/drawing/2010/main">
                 <a:effectLst>
                   <a:outerShdw blurRad="63500" dist="38099" dir="2700000" algn="ctr" rotWithShape="0">
                     <a:schemeClr val="bg2">
@@ -34733,7 +34652,7 @@
           <a:effectLst/>
           <a:extLst>
             <a:ext uri="{AF507438-7753-43e0-B8FC-AC1667EBCBE1}">
-              <a14:hiddenEffects xmlns:a14="http://schemas.microsoft.com/office/drawing/2010/main" xmlns="">
+              <a14:hiddenEffects xmlns="" xmlns:a14="http://schemas.microsoft.com/office/drawing/2010/main">
                 <a:effectLst>
                   <a:outerShdw blurRad="63500" dist="38099" dir="2700000" algn="ctr" rotWithShape="0">
                     <a:schemeClr val="bg2">
@@ -34775,7 +34694,7 @@
           <a:effectLst/>
           <a:extLst>
             <a:ext uri="{AF507438-7753-43e0-B8FC-AC1667EBCBE1}">
-              <a14:hiddenEffects xmlns:a14="http://schemas.microsoft.com/office/drawing/2010/main" xmlns="">
+              <a14:hiddenEffects xmlns="" xmlns:a14="http://schemas.microsoft.com/office/drawing/2010/main">
                 <a:effectLst>
                   <a:outerShdw blurRad="63500" dist="38099" dir="2700000" algn="ctr" rotWithShape="0">
                     <a:schemeClr val="bg2">
@@ -34969,7 +34888,7 @@
           <a:effectLst/>
           <a:extLst>
             <a:ext uri="{AF507438-7753-43e0-B8FC-AC1667EBCBE1}">
-              <a14:hiddenEffects xmlns:a14="http://schemas.microsoft.com/office/drawing/2010/main" xmlns="">
+              <a14:hiddenEffects xmlns="" xmlns:a14="http://schemas.microsoft.com/office/drawing/2010/main">
                 <a:effectLst>
                   <a:outerShdw blurRad="63500" dist="38099" dir="2700000" algn="ctr" rotWithShape="0">
                     <a:schemeClr val="bg2">
@@ -35051,7 +34970,7 @@
           <a:effectLst/>
           <a:extLst>
             <a:ext uri="{AF507438-7753-43e0-B8FC-AC1667EBCBE1}">
-              <a14:hiddenEffects xmlns:a14="http://schemas.microsoft.com/office/drawing/2010/main" xmlns="">
+              <a14:hiddenEffects xmlns="" xmlns:a14="http://schemas.microsoft.com/office/drawing/2010/main">
                 <a:effectLst>
                   <a:outerShdw blurRad="63500" dist="38099" dir="2700000" algn="ctr" rotWithShape="0">
                     <a:schemeClr val="bg2">
@@ -35133,7 +35052,7 @@
           <a:effectLst/>
           <a:extLst>
             <a:ext uri="{AF507438-7753-43e0-B8FC-AC1667EBCBE1}">
-              <a14:hiddenEffects xmlns:a14="http://schemas.microsoft.com/office/drawing/2010/main" xmlns="">
+              <a14:hiddenEffects xmlns="" xmlns:a14="http://schemas.microsoft.com/office/drawing/2010/main">
                 <a:effectLst>
                   <a:outerShdw blurRad="63500" dist="38099" dir="2700000" algn="ctr" rotWithShape="0">
                     <a:schemeClr val="bg2">
@@ -35215,7 +35134,7 @@
           <a:effectLst/>
           <a:extLst>
             <a:ext uri="{AF507438-7753-43e0-B8FC-AC1667EBCBE1}">
-              <a14:hiddenEffects xmlns:a14="http://schemas.microsoft.com/office/drawing/2010/main" xmlns="">
+              <a14:hiddenEffects xmlns="" xmlns:a14="http://schemas.microsoft.com/office/drawing/2010/main">
                 <a:effectLst>
                   <a:outerShdw blurRad="63500" dist="38099" dir="2700000" algn="ctr" rotWithShape="0">
                     <a:schemeClr val="bg2">
@@ -35297,7 +35216,7 @@
           <a:effectLst/>
           <a:extLst>
             <a:ext uri="{AF507438-7753-43e0-B8FC-AC1667EBCBE1}">
-              <a14:hiddenEffects xmlns:a14="http://schemas.microsoft.com/office/drawing/2010/main" xmlns="">
+              <a14:hiddenEffects xmlns="" xmlns:a14="http://schemas.microsoft.com/office/drawing/2010/main">
                 <a:effectLst>
                   <a:outerShdw blurRad="63500" dist="38099" dir="2700000" algn="ctr" rotWithShape="0">
                     <a:schemeClr val="bg2">
@@ -35379,7 +35298,7 @@
           <a:effectLst/>
           <a:extLst>
             <a:ext uri="{AF507438-7753-43e0-B8FC-AC1667EBCBE1}">
-              <a14:hiddenEffects xmlns:a14="http://schemas.microsoft.com/office/drawing/2010/main" xmlns="">
+              <a14:hiddenEffects xmlns="" xmlns:a14="http://schemas.microsoft.com/office/drawing/2010/main">
                 <a:effectLst>
                   <a:outerShdw blurRad="63500" dist="38099" dir="2700000" algn="ctr" rotWithShape="0">
                     <a:schemeClr val="bg2">
@@ -35461,7 +35380,7 @@
           <a:effectLst/>
           <a:extLst>
             <a:ext uri="{AF507438-7753-43e0-B8FC-AC1667EBCBE1}">
-              <a14:hiddenEffects xmlns:a14="http://schemas.microsoft.com/office/drawing/2010/main" xmlns="">
+              <a14:hiddenEffects xmlns="" xmlns:a14="http://schemas.microsoft.com/office/drawing/2010/main">
                 <a:effectLst>
                   <a:outerShdw blurRad="63500" dist="38099" dir="2700000" algn="ctr" rotWithShape="0">
                     <a:schemeClr val="bg2">
@@ -35503,7 +35422,7 @@
           <a:effectLst/>
           <a:extLst>
             <a:ext uri="{AF507438-7753-43e0-B8FC-AC1667EBCBE1}">
-              <a14:hiddenEffects xmlns:a14="http://schemas.microsoft.com/office/drawing/2010/main" xmlns="">
+              <a14:hiddenEffects xmlns="" xmlns:a14="http://schemas.microsoft.com/office/drawing/2010/main">
                 <a:effectLst>
                   <a:outerShdw blurRad="63500" dist="38099" dir="2700000" algn="ctr" rotWithShape="0">
                     <a:schemeClr val="bg2">
@@ -35545,7 +35464,7 @@
           <a:effectLst/>
           <a:extLst>
             <a:ext uri="{AF507438-7753-43e0-B8FC-AC1667EBCBE1}">
-              <a14:hiddenEffects xmlns:a14="http://schemas.microsoft.com/office/drawing/2010/main" xmlns="">
+              <a14:hiddenEffects xmlns="" xmlns:a14="http://schemas.microsoft.com/office/drawing/2010/main">
                 <a:effectLst>
                   <a:outerShdw blurRad="63500" dist="38099" dir="2700000" algn="ctr" rotWithShape="0">
                     <a:schemeClr val="bg2">
@@ -35587,7 +35506,7 @@
           <a:effectLst/>
           <a:extLst>
             <a:ext uri="{AF507438-7753-43e0-B8FC-AC1667EBCBE1}">
-              <a14:hiddenEffects xmlns:a14="http://schemas.microsoft.com/office/drawing/2010/main" xmlns="">
+              <a14:hiddenEffects xmlns="" xmlns:a14="http://schemas.microsoft.com/office/drawing/2010/main">
                 <a:effectLst>
                   <a:outerShdw blurRad="63500" dist="38099" dir="2700000" algn="ctr" rotWithShape="0">
                     <a:schemeClr val="bg2">
@@ -35629,7 +35548,7 @@
           <a:effectLst/>
           <a:extLst>
             <a:ext uri="{AF507438-7753-43e0-B8FC-AC1667EBCBE1}">
-              <a14:hiddenEffects xmlns:a14="http://schemas.microsoft.com/office/drawing/2010/main" xmlns="">
+              <a14:hiddenEffects xmlns="" xmlns:a14="http://schemas.microsoft.com/office/drawing/2010/main">
                 <a:effectLst>
                   <a:outerShdw blurRad="63500" dist="38099" dir="2700000" algn="ctr" rotWithShape="0">
                     <a:schemeClr val="bg2">
@@ -35671,7 +35590,7 @@
           <a:effectLst/>
           <a:extLst>
             <a:ext uri="{AF507438-7753-43e0-B8FC-AC1667EBCBE1}">
-              <a14:hiddenEffects xmlns:a14="http://schemas.microsoft.com/office/drawing/2010/main" xmlns="">
+              <a14:hiddenEffects xmlns="" xmlns:a14="http://schemas.microsoft.com/office/drawing/2010/main">
                 <a:effectLst>
                   <a:outerShdw blurRad="63500" dist="38099" dir="2700000" algn="ctr" rotWithShape="0">
                     <a:schemeClr val="bg2">
@@ -35713,7 +35632,7 @@
           <a:effectLst/>
           <a:extLst>
             <a:ext uri="{AF507438-7753-43e0-B8FC-AC1667EBCBE1}">
-              <a14:hiddenEffects xmlns:a14="http://schemas.microsoft.com/office/drawing/2010/main" xmlns="">
+              <a14:hiddenEffects xmlns="" xmlns:a14="http://schemas.microsoft.com/office/drawing/2010/main">
                 <a:effectLst>
                   <a:outerShdw blurRad="63500" dist="38099" dir="2700000" algn="ctr" rotWithShape="0">
                     <a:schemeClr val="bg2">
@@ -35831,7 +35750,7 @@
           <a:effectLst/>
           <a:extLst>
             <a:ext uri="{AF507438-7753-43e0-B8FC-AC1667EBCBE1}">
-              <a14:hiddenEffects xmlns:a14="http://schemas.microsoft.com/office/drawing/2010/main" xmlns="">
+              <a14:hiddenEffects xmlns="" xmlns:a14="http://schemas.microsoft.com/office/drawing/2010/main">
                 <a:effectLst>
                   <a:outerShdw blurRad="63500" dist="38099" dir="2700000" algn="ctr" rotWithShape="0">
                     <a:schemeClr val="bg2">
@@ -35873,7 +35792,7 @@
           <a:effectLst/>
           <a:extLst>
             <a:ext uri="{AF507438-7753-43e0-B8FC-AC1667EBCBE1}">
-              <a14:hiddenEffects xmlns:a14="http://schemas.microsoft.com/office/drawing/2010/main" xmlns="">
+              <a14:hiddenEffects xmlns="" xmlns:a14="http://schemas.microsoft.com/office/drawing/2010/main">
                 <a:effectLst>
                   <a:outerShdw blurRad="63500" dist="38099" dir="2700000" algn="ctr" rotWithShape="0">
                     <a:schemeClr val="bg2">
@@ -35915,7 +35834,7 @@
           <a:effectLst/>
           <a:extLst>
             <a:ext uri="{AF507438-7753-43e0-B8FC-AC1667EBCBE1}">
-              <a14:hiddenEffects xmlns:a14="http://schemas.microsoft.com/office/drawing/2010/main" xmlns="">
+              <a14:hiddenEffects xmlns="" xmlns:a14="http://schemas.microsoft.com/office/drawing/2010/main">
                 <a:effectLst>
                   <a:outerShdw blurRad="63500" dist="38099" dir="2700000" algn="ctr" rotWithShape="0">
                     <a:schemeClr val="bg2">
@@ -35998,7 +35917,7 @@
           <a:effectLst/>
           <a:extLst>
             <a:ext uri="{AF507438-7753-43e0-B8FC-AC1667EBCBE1}">
-              <a14:hiddenEffects xmlns:a14="http://schemas.microsoft.com/office/drawing/2010/main" xmlns="">
+              <a14:hiddenEffects xmlns="" xmlns:a14="http://schemas.microsoft.com/office/drawing/2010/main">
                 <a:effectLst>
                   <a:outerShdw blurRad="63500" dist="38099" dir="2700000" algn="ctr" rotWithShape="0">
                     <a:schemeClr val="bg2">
@@ -36043,7 +35962,7 @@
           <a:effectLst/>
           <a:extLst>
             <a:ext uri="{AF507438-7753-43e0-B8FC-AC1667EBCBE1}">
-              <a14:hiddenEffects xmlns:a14="http://schemas.microsoft.com/office/drawing/2010/main" xmlns="">
+              <a14:hiddenEffects xmlns="" xmlns:a14="http://schemas.microsoft.com/office/drawing/2010/main">
                 <a:effectLst>
                   <a:outerShdw blurRad="63500" dist="38099" dir="2700000" algn="ctr" rotWithShape="0">
                     <a:schemeClr val="bg2">
@@ -36065,7 +35984,7 @@
   <p:timing>
     <p:tnLst>
       <p:par>
-        <p:cTn id="1" dur="indefinite" nodeType="tmRoot">
+        <p:cTn id="1" dur="indefinite" restart="never" nodeType="tmRoot">
           <p:childTnLst>
             <p:seq concurrent="1" nextAc="seek">
               <p:cTn id="2" dur="0" nodeType="mainSeq"/>
@@ -36142,14 +36061,14 @@
           <a:effectLst/>
           <a:extLst>
             <a:ext uri="{909E8E84-426E-40dd-AFC4-6F175D3DCCD1}">
-              <a14:hiddenFill xmlns:a14="http://schemas.microsoft.com/office/drawing/2010/main" xmlns="">
+              <a14:hiddenFill xmlns="" xmlns:a14="http://schemas.microsoft.com/office/drawing/2010/main">
                 <a:solidFill>
                   <a:srgbClr val="FFFFFF"/>
                 </a:solidFill>
               </a14:hiddenFill>
             </a:ext>
             <a:ext uri="{91240B29-F687-4f45-9708-019B960494DF}">
-              <a14:hiddenLine xmlns:a14="http://schemas.microsoft.com/office/drawing/2010/main" xmlns="" w="9525" cap="flat">
+              <a14:hiddenLine xmlns="" xmlns:a14="http://schemas.microsoft.com/office/drawing/2010/main" w="9525" cap="flat">
                 <a:solidFill>
                   <a:srgbClr val="3465A4"/>
                 </a:solidFill>
@@ -36159,7 +36078,7 @@
               </a14:hiddenLine>
             </a:ext>
             <a:ext uri="{AF507438-7753-43e0-B8FC-AC1667EBCBE1}">
-              <a14:hiddenEffects xmlns:a14="http://schemas.microsoft.com/office/drawing/2010/main" xmlns="">
+              <a14:hiddenEffects xmlns="" xmlns:a14="http://schemas.microsoft.com/office/drawing/2010/main">
                 <a:effectLst>
                   <a:outerShdw blurRad="63500" dist="38099" dir="2700000" algn="ctr" rotWithShape="0">
                     <a:srgbClr val="000000">
@@ -36545,9 +36464,6 @@
               </a:rPr>
               <a:t>Step 1: Installation of NTP Server</a:t>
             </a:r>
-            <a:endParaRPr lang="en-US" sz="4400" b="1" dirty="0" smtClean="0">
-              <a:latin typeface="Trebuchet MS" charset="0"/>
-            </a:endParaRPr>
           </a:p>
         </p:txBody>
       </p:sp>
@@ -36574,14 +36490,14 @@
           <a:effectLst/>
           <a:extLst>
             <a:ext uri="{909E8E84-426E-40dd-AFC4-6F175D3DCCD1}">
-              <a14:hiddenFill xmlns:a14="http://schemas.microsoft.com/office/drawing/2010/main" xmlns="">
+              <a14:hiddenFill xmlns="" xmlns:a14="http://schemas.microsoft.com/office/drawing/2010/main">
                 <a:solidFill>
                   <a:srgbClr val="FFFFFF"/>
                 </a:solidFill>
               </a14:hiddenFill>
             </a:ext>
             <a:ext uri="{91240B29-F687-4f45-9708-019B960494DF}">
-              <a14:hiddenLine xmlns:a14="http://schemas.microsoft.com/office/drawing/2010/main" xmlns="" w="9525" cap="flat">
+              <a14:hiddenLine xmlns="" xmlns:a14="http://schemas.microsoft.com/office/drawing/2010/main" w="9525" cap="flat">
                 <a:solidFill>
                   <a:srgbClr val="3465A4"/>
                 </a:solidFill>
@@ -36591,7 +36507,7 @@
               </a14:hiddenLine>
             </a:ext>
             <a:ext uri="{AF507438-7753-43e0-B8FC-AC1667EBCBE1}">
-              <a14:hiddenEffects xmlns:a14="http://schemas.microsoft.com/office/drawing/2010/main" xmlns="">
+              <a14:hiddenEffects xmlns="" xmlns:a14="http://schemas.microsoft.com/office/drawing/2010/main">
                 <a:effectLst>
                   <a:outerShdw blurRad="63500" dist="38099" dir="2700000" algn="ctr" rotWithShape="0">
                     <a:srgbClr val="000000">
@@ -37483,14 +37399,6 @@
               </a:rPr>
               <a:t> 0.pool.ntp.org</a:t>
             </a:r>
-            <a:endParaRPr lang="en-US" dirty="0" smtClean="0">
-              <a:solidFill>
-                <a:schemeClr val="tx1"/>
-              </a:solidFill>
-              <a:latin typeface="Courier" charset="0"/>
-              <a:ea typeface="Courier" charset="0"/>
-              <a:cs typeface="Courier" charset="0"/>
-            </a:endParaRPr>
           </a:p>
         </p:txBody>
       </p:sp>
@@ -37503,7 +37411,7 @@
   <p:timing>
     <p:tnLst>
       <p:par>
-        <p:cTn id="1" dur="indefinite" nodeType="tmRoot">
+        <p:cTn id="1" dur="indefinite" restart="never" nodeType="tmRoot">
           <p:childTnLst>
             <p:seq concurrent="1" nextAc="seek">
               <p:cTn id="2" dur="0" nodeType="mainSeq"/>
@@ -37580,14 +37488,14 @@
           <a:effectLst/>
           <a:extLst>
             <a:ext uri="{909E8E84-426E-40dd-AFC4-6F175D3DCCD1}">
-              <a14:hiddenFill xmlns:a14="http://schemas.microsoft.com/office/drawing/2010/main" xmlns="">
+              <a14:hiddenFill xmlns="" xmlns:a14="http://schemas.microsoft.com/office/drawing/2010/main">
                 <a:solidFill>
                   <a:srgbClr val="FFFFFF"/>
                 </a:solidFill>
               </a14:hiddenFill>
             </a:ext>
             <a:ext uri="{91240B29-F687-4f45-9708-019B960494DF}">
-              <a14:hiddenLine xmlns:a14="http://schemas.microsoft.com/office/drawing/2010/main" xmlns="" w="9525" cap="flat">
+              <a14:hiddenLine xmlns="" xmlns:a14="http://schemas.microsoft.com/office/drawing/2010/main" w="9525" cap="flat">
                 <a:solidFill>
                   <a:srgbClr val="3465A4"/>
                 </a:solidFill>
@@ -37597,7 +37505,7 @@
               </a14:hiddenLine>
             </a:ext>
             <a:ext uri="{AF507438-7753-43e0-B8FC-AC1667EBCBE1}">
-              <a14:hiddenEffects xmlns:a14="http://schemas.microsoft.com/office/drawing/2010/main" xmlns="">
+              <a14:hiddenEffects xmlns="" xmlns:a14="http://schemas.microsoft.com/office/drawing/2010/main">
                 <a:effectLst>
                   <a:outerShdw blurRad="63500" dist="38099" dir="2700000" algn="ctr" rotWithShape="0">
                     <a:srgbClr val="000000">
@@ -37983,9 +37891,6 @@
               </a:rPr>
               <a:t>Step 2: NTP Server Configuration </a:t>
             </a:r>
-            <a:endParaRPr lang="en-US" sz="4400" b="1" dirty="0" smtClean="0">
-              <a:latin typeface="Trebuchet MS" charset="0"/>
-            </a:endParaRPr>
           </a:p>
         </p:txBody>
       </p:sp>
@@ -38012,14 +37917,14 @@
           <a:effectLst/>
           <a:extLst>
             <a:ext uri="{909E8E84-426E-40dd-AFC4-6F175D3DCCD1}">
-              <a14:hiddenFill xmlns:a14="http://schemas.microsoft.com/office/drawing/2010/main" xmlns="">
+              <a14:hiddenFill xmlns="" xmlns:a14="http://schemas.microsoft.com/office/drawing/2010/main">
                 <a:solidFill>
                   <a:srgbClr val="FFFFFF"/>
                 </a:solidFill>
               </a14:hiddenFill>
             </a:ext>
             <a:ext uri="{91240B29-F687-4f45-9708-019B960494DF}">
-              <a14:hiddenLine xmlns:a14="http://schemas.microsoft.com/office/drawing/2010/main" xmlns="" w="9525" cap="flat">
+              <a14:hiddenLine xmlns="" xmlns:a14="http://schemas.microsoft.com/office/drawing/2010/main" w="9525" cap="flat">
                 <a:solidFill>
                   <a:srgbClr val="3465A4"/>
                 </a:solidFill>
@@ -38029,7 +37934,7 @@
               </a14:hiddenLine>
             </a:ext>
             <a:ext uri="{AF507438-7753-43e0-B8FC-AC1667EBCBE1}">
-              <a14:hiddenEffects xmlns:a14="http://schemas.microsoft.com/office/drawing/2010/main" xmlns="">
+              <a14:hiddenEffects xmlns="" xmlns:a14="http://schemas.microsoft.com/office/drawing/2010/main">
                 <a:effectLst>
                   <a:outerShdw blurRad="63500" dist="38099" dir="2700000" algn="ctr" rotWithShape="0">
                     <a:srgbClr val="000000">
@@ -38673,7 +38578,7 @@
   <p:timing>
     <p:tnLst>
       <p:par>
-        <p:cTn id="1" dur="indefinite" nodeType="tmRoot">
+        <p:cTn id="1" dur="indefinite" restart="never" nodeType="tmRoot">
           <p:childTnLst>
             <p:seq concurrent="1" nextAc="seek">
               <p:cTn id="2" dur="0" nodeType="mainSeq"/>
@@ -38946,7 +38851,7 @@
         <a:effectLst/>
         <a:extLst>
           <a:ext uri="{AF507438-7753-43e0-B8FC-AC1667EBCBE1}">
-            <a14:hiddenEffects xmlns:a14="http://schemas.microsoft.com/office/drawing/2010/main" xmlns="">
+            <a14:hiddenEffects xmlns="" xmlns:a14="http://schemas.microsoft.com/office/drawing/2010/main">
               <a:effectLst>
                 <a:outerShdw blurRad="63500" dist="38099" dir="2700000" algn="ctr" rotWithShape="0">
                   <a:schemeClr val="bg2">
@@ -39025,7 +38930,7 @@
         <a:effectLst/>
         <a:extLst>
           <a:ext uri="{AF507438-7753-43e0-B8FC-AC1667EBCBE1}">
-            <a14:hiddenEffects xmlns:a14="http://schemas.microsoft.com/office/drawing/2010/main" xmlns="">
+            <a14:hiddenEffects xmlns="" xmlns:a14="http://schemas.microsoft.com/office/drawing/2010/main">
               <a:effectLst>
                 <a:outerShdw blurRad="63500" dist="38099" dir="2700000" algn="ctr" rotWithShape="0">
                   <a:schemeClr val="bg2">
